--- a/PPT/PPT2020/DB第10章.pptx
+++ b/PPT/PPT2020/DB第10章.pptx
@@ -5,10 +5,10 @@
     <p:sldMasterId id="2147483648" r:id="rId1"/>
   </p:sldMasterIdLst>
   <p:notesMasterIdLst>
-    <p:notesMasterId r:id="rId68"/>
+    <p:notesMasterId r:id="rId66"/>
   </p:notesMasterIdLst>
   <p:handoutMasterIdLst>
-    <p:handoutMasterId r:id="rId69"/>
+    <p:handoutMasterId r:id="rId67"/>
   </p:handoutMasterIdLst>
   <p:sldIdLst>
     <p:sldId id="258" r:id="rId2"/>
@@ -27,7 +27,7 @@
     <p:sldId id="867" r:id="rId15"/>
     <p:sldId id="868" r:id="rId16"/>
     <p:sldId id="869" r:id="rId17"/>
-    <p:sldId id="870" r:id="rId18"/>
+    <p:sldId id="957" r:id="rId18"/>
     <p:sldId id="871" r:id="rId19"/>
     <p:sldId id="872" r:id="rId20"/>
     <p:sldId id="873" r:id="rId21"/>
@@ -41,42 +41,40 @@
     <p:sldId id="885" r:id="rId29"/>
     <p:sldId id="886" r:id="rId30"/>
     <p:sldId id="887" r:id="rId31"/>
-    <p:sldId id="888" r:id="rId32"/>
-    <p:sldId id="889" r:id="rId33"/>
-    <p:sldId id="890" r:id="rId34"/>
-    <p:sldId id="892" r:id="rId35"/>
-    <p:sldId id="894" r:id="rId36"/>
-    <p:sldId id="896" r:id="rId37"/>
-    <p:sldId id="897" r:id="rId38"/>
-    <p:sldId id="900" r:id="rId39"/>
-    <p:sldId id="901" r:id="rId40"/>
-    <p:sldId id="902" r:id="rId41"/>
-    <p:sldId id="903" r:id="rId42"/>
-    <p:sldId id="904" r:id="rId43"/>
-    <p:sldId id="905" r:id="rId44"/>
-    <p:sldId id="908" r:id="rId45"/>
-    <p:sldId id="909" r:id="rId46"/>
-    <p:sldId id="910" r:id="rId47"/>
-    <p:sldId id="911" r:id="rId48"/>
-    <p:sldId id="912" r:id="rId49"/>
-    <p:sldId id="913" r:id="rId50"/>
-    <p:sldId id="916" r:id="rId51"/>
-    <p:sldId id="917" r:id="rId52"/>
-    <p:sldId id="920" r:id="rId53"/>
-    <p:sldId id="921" r:id="rId54"/>
-    <p:sldId id="926" r:id="rId55"/>
-    <p:sldId id="928" r:id="rId56"/>
-    <p:sldId id="929" r:id="rId57"/>
-    <p:sldId id="930" r:id="rId58"/>
-    <p:sldId id="931" r:id="rId59"/>
-    <p:sldId id="934" r:id="rId60"/>
-    <p:sldId id="935" r:id="rId61"/>
-    <p:sldId id="941" r:id="rId62"/>
-    <p:sldId id="942" r:id="rId63"/>
-    <p:sldId id="943" r:id="rId64"/>
-    <p:sldId id="944" r:id="rId65"/>
-    <p:sldId id="945" r:id="rId66"/>
-    <p:sldId id="947" r:id="rId67"/>
+    <p:sldId id="889" r:id="rId32"/>
+    <p:sldId id="890" r:id="rId33"/>
+    <p:sldId id="892" r:id="rId34"/>
+    <p:sldId id="894" r:id="rId35"/>
+    <p:sldId id="896" r:id="rId36"/>
+    <p:sldId id="897" r:id="rId37"/>
+    <p:sldId id="900" r:id="rId38"/>
+    <p:sldId id="901" r:id="rId39"/>
+    <p:sldId id="902" r:id="rId40"/>
+    <p:sldId id="903" r:id="rId41"/>
+    <p:sldId id="904" r:id="rId42"/>
+    <p:sldId id="905" r:id="rId43"/>
+    <p:sldId id="908" r:id="rId44"/>
+    <p:sldId id="909" r:id="rId45"/>
+    <p:sldId id="910" r:id="rId46"/>
+    <p:sldId id="911" r:id="rId47"/>
+    <p:sldId id="912" r:id="rId48"/>
+    <p:sldId id="913" r:id="rId49"/>
+    <p:sldId id="916" r:id="rId50"/>
+    <p:sldId id="917" r:id="rId51"/>
+    <p:sldId id="920" r:id="rId52"/>
+    <p:sldId id="921" r:id="rId53"/>
+    <p:sldId id="926" r:id="rId54"/>
+    <p:sldId id="928" r:id="rId55"/>
+    <p:sldId id="929" r:id="rId56"/>
+    <p:sldId id="930" r:id="rId57"/>
+    <p:sldId id="931" r:id="rId58"/>
+    <p:sldId id="935" r:id="rId59"/>
+    <p:sldId id="941" r:id="rId60"/>
+    <p:sldId id="942" r:id="rId61"/>
+    <p:sldId id="943" r:id="rId62"/>
+    <p:sldId id="944" r:id="rId63"/>
+    <p:sldId id="945" r:id="rId64"/>
+    <p:sldId id="947" r:id="rId65"/>
   </p:sldIdLst>
   <p:sldSz cx="9144000" cy="6858000" type="screen4x3"/>
   <p:notesSz cx="6834188" cy="9979025"/>
@@ -335,7 +333,7 @@
               <a:pPr>
                 <a:defRPr/>
               </a:pPr>
-              <a:t>2020/4/13</a:t>
+              <a:t>2020/4/26</a:t>
             </a:fld>
             <a:endParaRPr lang="zh-CN" altLang="en-US"/>
           </a:p>
@@ -551,7 +549,7 @@
               <a:pPr>
                 <a:defRPr/>
               </a:pPr>
-              <a:t>2020/4/13</a:t>
+              <a:t>2020/4/26</a:t>
             </a:fld>
             <a:endParaRPr lang="zh-CN" altLang="en-US"/>
           </a:p>
@@ -567,7 +565,7 @@
             </a:extLst>
           </p:cNvPr>
           <p:cNvSpPr>
-            <a:spLocks noGrp="1" noChangeArrowheads="1"/>
+            <a:spLocks noGrp="1" noRot="1" noChangeAspect="1" noChangeArrowheads="1"/>
           </p:cNvSpPr>
           <p:nvPr>
             <p:ph type="sldImg" idx="4294967295"/>
@@ -4052,8 +4050,8 @@
         </p:nvSpPr>
         <p:spPr bwMode="auto">
           <a:xfrm>
-            <a:off x="1692275" y="5424488"/>
-            <a:ext cx="5256213" cy="668337"/>
+            <a:off x="1763985" y="5424488"/>
+            <a:ext cx="5616029" cy="668337"/>
           </a:xfrm>
           <a:prstGeom prst="rect">
             <a:avLst/>
@@ -4093,11 +4091,9 @@
               <a:spcBef>
                 <a:spcPct val="20000"/>
               </a:spcBef>
-              <a:buFont typeface="Wingdings" panose="05000000000000000000" pitchFamily="2" charset="2"/>
-              <a:buNone/>
-            </a:pPr>
-            <a:r>
-              <a:rPr lang="en-US" altLang="zh-CN" sz="2400" b="1">
+            </a:pPr>
+            <a:r>
+              <a:rPr lang="zh-CN" altLang="en-US" sz="2400" b="1" dirty="0">
                 <a:solidFill>
                   <a:schemeClr val="bg1"/>
                 </a:solidFill>
@@ -4105,20 +4101,29 @@
                 <a:ea typeface="隶书" panose="02010509060101010101" pitchFamily="49" charset="-122"/>
                 <a:sym typeface="Arial" panose="020B0604020202020204" pitchFamily="34" charset="0"/>
               </a:rPr>
-              <a:t>   </a:t>
-            </a:r>
-            <a:r>
-              <a:rPr lang="zh-CN" altLang="en-US" sz="2400" b="1">
-                <a:solidFill>
-                  <a:schemeClr val="bg1"/>
-                </a:solidFill>
-                <a:latin typeface="Times-Roman" charset="0"/>
-                <a:ea typeface="隶书" panose="02010509060101010101" pitchFamily="49" charset="-122"/>
-                <a:sym typeface="Arial" panose="020B0604020202020204" pitchFamily="34" charset="0"/>
-              </a:rPr>
-              <a:t>河北大学计算机科学与技术学院</a:t>
-            </a:r>
-            <a:endParaRPr lang="zh-CN" altLang="en-US" sz="2400" b="1">
+              <a:t>河北大学网络空间安全与计算机学院</a:t>
+            </a:r>
+            <a:endParaRPr lang="en-US" altLang="zh-CN" sz="2400" b="1" dirty="0">
+              <a:solidFill>
+                <a:schemeClr val="bg1"/>
+              </a:solidFill>
+              <a:latin typeface="Times-Roman" charset="0"/>
+              <a:ea typeface="隶书" panose="02010509060101010101" pitchFamily="49" charset="-122"/>
+              <a:sym typeface="宋体" panose="02010600030101010101" pitchFamily="2" charset="-122"/>
+            </a:endParaRPr>
+          </a:p>
+          <a:p>
+            <a:pPr algn="ctr">
+              <a:lnSpc>
+                <a:spcPct val="80000"/>
+              </a:lnSpc>
+              <a:spcBef>
+                <a:spcPct val="20000"/>
+              </a:spcBef>
+              <a:buFont typeface="Wingdings" panose="05000000000000000000" pitchFamily="2" charset="2"/>
+              <a:buNone/>
+            </a:pPr>
+            <a:endParaRPr lang="zh-CN" altLang="en-US" sz="2400" b="1" dirty="0">
               <a:solidFill>
                 <a:schemeClr val="bg1"/>
               </a:solidFill>
@@ -4557,7 +4562,7 @@
         <p:spPr>
           <a:xfrm>
             <a:off x="457200" y="1125538"/>
-            <a:ext cx="8229600" cy="4840287"/>
+            <a:ext cx="8229600" cy="5039766"/>
           </a:xfrm>
         </p:spPr>
         <p:txBody>
@@ -4573,7 +4578,7 @@
               </a:spcBef>
             </a:pPr>
             <a:r>
-              <a:rPr lang="zh-CN" altLang="en-US"/>
+              <a:rPr lang="zh-CN" altLang="en-US" dirty="0"/>
               <a:t>故障是不可避免的</a:t>
             </a:r>
           </a:p>
@@ -4587,7 +4592,7 @@
               </a:spcBef>
             </a:pPr>
             <a:r>
-              <a:rPr lang="zh-CN" altLang="en-US"/>
+              <a:rPr lang="zh-CN" altLang="en-US" dirty="0"/>
               <a:t>计算机硬件故障</a:t>
             </a:r>
           </a:p>
@@ -4601,7 +4606,7 @@
               </a:spcBef>
             </a:pPr>
             <a:r>
-              <a:rPr lang="zh-CN" altLang="en-US"/>
+              <a:rPr lang="zh-CN" altLang="en-US" dirty="0"/>
               <a:t>软件的错误</a:t>
             </a:r>
           </a:p>
@@ -4615,7 +4620,7 @@
               </a:spcBef>
             </a:pPr>
             <a:r>
-              <a:rPr lang="zh-CN" altLang="en-US"/>
+              <a:rPr lang="zh-CN" altLang="en-US" dirty="0"/>
               <a:t>操作员的失误</a:t>
             </a:r>
           </a:p>
@@ -4629,7 +4634,7 @@
               </a:spcBef>
             </a:pPr>
             <a:r>
-              <a:rPr lang="zh-CN" altLang="en-US"/>
+              <a:rPr lang="zh-CN" altLang="en-US" dirty="0"/>
               <a:t>恶意的破坏</a:t>
             </a:r>
           </a:p>
@@ -4643,7 +4648,7 @@
               </a:spcBef>
             </a:pPr>
             <a:r>
-              <a:rPr lang="zh-CN" altLang="en-US"/>
+              <a:rPr lang="zh-CN" altLang="en-US" dirty="0"/>
               <a:t>故障的影响</a:t>
             </a:r>
           </a:p>
@@ -4657,8 +4662,8 @@
               </a:spcBef>
             </a:pPr>
             <a:r>
-              <a:rPr lang="zh-CN" altLang="en-US"/>
-              <a:t>运行事务非正常中断，影响数据库中数据的正确性 </a:t>
+              <a:rPr lang="zh-CN" altLang="en-US" dirty="0"/>
+              <a:t>事务非正常中断，影响数据库中数据的正确性 </a:t>
             </a:r>
           </a:p>
           <a:p>
@@ -4671,7 +4676,7 @@
               </a:spcBef>
             </a:pPr>
             <a:r>
-              <a:rPr lang="zh-CN" altLang="en-US"/>
+              <a:rPr lang="zh-CN" altLang="en-US" dirty="0"/>
               <a:t>破坏数据库，全部或部分丢失数据</a:t>
             </a:r>
           </a:p>
@@ -4900,7 +4905,15 @@
             </a:pPr>
             <a:r>
               <a:rPr lang="zh-CN" altLang="en-US" noProof="1"/>
-              <a:t>恢复子系统是数据库管理系统的一个重要组成部分 </a:t>
+              <a:t>恢复子系统是</a:t>
+            </a:r>
+            <a:r>
+              <a:rPr lang="en-US" altLang="zh-CN" noProof="1"/>
+              <a:t>DBMS</a:t>
+            </a:r>
+            <a:r>
+              <a:rPr lang="zh-CN" altLang="en-US" noProof="1"/>
+              <a:t>的重要组成部分 </a:t>
             </a:r>
           </a:p>
           <a:p>
@@ -5067,11 +5080,11 @@
               <a:buNone/>
             </a:pPr>
             <a:r>
-              <a:rPr lang="en-US" altLang="zh-CN"/>
+              <a:rPr lang="en-US" altLang="zh-CN" dirty="0"/>
               <a:t>10.1  </a:t>
             </a:r>
             <a:r>
-              <a:rPr lang="zh-CN" altLang="en-US"/>
+              <a:rPr lang="zh-CN" altLang="en-US" dirty="0"/>
               <a:t>事务的基本概念</a:t>
             </a:r>
           </a:p>
@@ -5084,11 +5097,11 @@
               <a:buNone/>
             </a:pPr>
             <a:r>
-              <a:rPr lang="en-US" altLang="zh-CN"/>
+              <a:rPr lang="en-US" altLang="zh-CN" dirty="0"/>
               <a:t>10.2  </a:t>
             </a:r>
             <a:r>
-              <a:rPr lang="zh-CN" altLang="en-US"/>
+              <a:rPr lang="zh-CN" altLang="en-US" dirty="0"/>
               <a:t>数据库恢复概述</a:t>
             </a:r>
           </a:p>
@@ -5101,7 +5114,7 @@
               <a:buNone/>
             </a:pPr>
             <a:r>
-              <a:rPr lang="en-US" altLang="zh-CN">
+              <a:rPr lang="en-US" altLang="zh-CN" dirty="0">
                 <a:solidFill>
                   <a:srgbClr val="0066FF"/>
                 </a:solidFill>
@@ -5109,7 +5122,7 @@
               <a:t>10.3  </a:t>
             </a:r>
             <a:r>
-              <a:rPr lang="zh-CN" altLang="en-US">
+              <a:rPr lang="zh-CN" altLang="en-US" dirty="0">
                 <a:solidFill>
                   <a:srgbClr val="0066FF"/>
                 </a:solidFill>
@@ -5126,11 +5139,11 @@
               <a:buNone/>
             </a:pPr>
             <a:r>
-              <a:rPr lang="en-US" altLang="zh-CN"/>
+              <a:rPr lang="en-US" altLang="zh-CN" dirty="0"/>
               <a:t>10.4  </a:t>
             </a:r>
             <a:r>
-              <a:rPr lang="zh-CN" altLang="en-US"/>
+              <a:rPr lang="zh-CN" altLang="en-US" dirty="0"/>
               <a:t>恢复的实现技术</a:t>
             </a:r>
           </a:p>
@@ -5143,11 +5156,11 @@
               <a:buNone/>
             </a:pPr>
             <a:r>
-              <a:rPr lang="en-US" altLang="zh-CN"/>
+              <a:rPr lang="en-US" altLang="zh-CN" dirty="0"/>
               <a:t>10.5  </a:t>
             </a:r>
             <a:r>
-              <a:rPr lang="zh-CN" altLang="en-US"/>
+              <a:rPr lang="zh-CN" altLang="en-US" dirty="0"/>
               <a:t>恢复策略</a:t>
             </a:r>
           </a:p>
@@ -5160,11 +5173,11 @@
               <a:buNone/>
             </a:pPr>
             <a:r>
-              <a:rPr lang="en-US" altLang="zh-CN"/>
+              <a:rPr lang="en-US" altLang="zh-CN" dirty="0"/>
               <a:t>10.6  </a:t>
             </a:r>
             <a:r>
-              <a:rPr lang="zh-CN" altLang="en-US"/>
+              <a:rPr lang="zh-CN" altLang="en-US" dirty="0"/>
               <a:t>具有检查点的恢复技术</a:t>
             </a:r>
           </a:p>
@@ -5177,11 +5190,11 @@
               <a:buNone/>
             </a:pPr>
             <a:r>
-              <a:rPr lang="en-US" altLang="zh-CN"/>
+              <a:rPr lang="en-US" altLang="zh-CN" dirty="0"/>
               <a:t>10.7  </a:t>
             </a:r>
             <a:r>
-              <a:rPr lang="zh-CN" altLang="en-US"/>
+              <a:rPr lang="zh-CN" altLang="en-US" dirty="0"/>
               <a:t>数据库镜像</a:t>
             </a:r>
           </a:p>
@@ -5194,11 +5207,11 @@
               <a:buNone/>
             </a:pPr>
             <a:r>
-              <a:rPr lang="en-US" altLang="zh-CN"/>
-              <a:t>10.8    </a:t>
-            </a:r>
-            <a:r>
-              <a:rPr lang="zh-CN" altLang="en-US"/>
+              <a:rPr lang="en-US" altLang="zh-CN" dirty="0"/>
+              <a:t>10.8  </a:t>
+            </a:r>
+            <a:r>
+              <a:rPr lang="zh-CN" altLang="en-US" dirty="0"/>
               <a:t>小结</a:t>
             </a:r>
           </a:p>
@@ -5569,7 +5582,7 @@
               </a:lnSpc>
             </a:pPr>
             <a:r>
-              <a:rPr lang="zh-CN" altLang="en-US"/>
+              <a:rPr lang="zh-CN" altLang="en-US" dirty="0"/>
               <a:t>事务内部故障</a:t>
             </a:r>
           </a:p>
@@ -5580,8 +5593,8 @@
               </a:lnSpc>
             </a:pPr>
             <a:r>
-              <a:rPr lang="zh-CN" altLang="en-US"/>
-              <a:t>有的是可以通过事务程序本身发现的</a:t>
+              <a:rPr lang="zh-CN" altLang="en-US" dirty="0"/>
+              <a:t>可以通过事务程序本身发现</a:t>
             </a:r>
           </a:p>
           <a:p>
@@ -5591,8 +5604,8 @@
               </a:lnSpc>
             </a:pPr>
             <a:r>
-              <a:rPr lang="zh-CN" altLang="en-US"/>
-              <a:t>有的是非预期的，不能由事务程序处理的。 </a:t>
+              <a:rPr lang="zh-CN" altLang="en-US" dirty="0"/>
+              <a:t>非预期，不能由事务程序处理 </a:t>
             </a:r>
           </a:p>
         </p:txBody>
@@ -5740,14 +5753,51 @@
           <a:bodyPr/>
           <a:lstStyle/>
           <a:p>
-            <a:pPr eaLnBrk="1" hangingPunct="1">
+            <a:pPr marL="0" indent="0" eaLnBrk="1" hangingPunct="1">
               <a:spcBef>
                 <a:spcPct val="0"/>
               </a:spcBef>
-            </a:pPr>
-            <a:r>
-              <a:rPr lang="zh-CN" altLang="en-US" sz="2400"/>
-              <a:t>例如，银行转账事务，这个事务把一笔金额从一个账户甲转给另一个账户乙。</a:t>
+              <a:buNone/>
+            </a:pPr>
+            <a:r>
+              <a:rPr lang="en-US" altLang="zh-CN" sz="2400" dirty="0"/>
+              <a:t>【</a:t>
+            </a:r>
+            <a:r>
+              <a:rPr lang="zh-CN" altLang="en-US" sz="2400" dirty="0"/>
+              <a:t>例</a:t>
+            </a:r>
+            <a:r>
+              <a:rPr lang="en-US" altLang="zh-CN" sz="2400" dirty="0"/>
+              <a:t>】</a:t>
+            </a:r>
+            <a:r>
+              <a:rPr lang="zh-CN" altLang="en-US" sz="2400" dirty="0"/>
+              <a:t>银行转账事务，把一笔金额从</a:t>
+            </a:r>
+            <a:r>
+              <a:rPr lang="zh-CN" altLang="en-US" sz="2400" dirty="0">
+                <a:highlight>
+                  <a:srgbClr val="FFFF00"/>
+                </a:highlight>
+              </a:rPr>
+              <a:t>账户甲</a:t>
+            </a:r>
+            <a:r>
+              <a:rPr lang="zh-CN" altLang="en-US" sz="2400" dirty="0"/>
+              <a:t>转给</a:t>
+            </a:r>
+            <a:r>
+              <a:rPr lang="zh-CN" altLang="en-US" sz="2400" dirty="0">
+                <a:highlight>
+                  <a:srgbClr val="FFFF00"/>
+                </a:highlight>
+              </a:rPr>
+              <a:t>账户乙</a:t>
+            </a:r>
+            <a:r>
+              <a:rPr lang="zh-CN" altLang="en-US" sz="2400" dirty="0"/>
+              <a:t>。</a:t>
             </a:r>
           </a:p>
           <a:p>
@@ -5759,11 +5809,15 @@
               <a:buNone/>
             </a:pPr>
             <a:r>
-              <a:rPr lang="zh-CN" altLang="en-US" sz="2000"/>
+              <a:rPr lang="zh-CN" altLang="en-US" sz="2000" dirty="0"/>
               <a:t>     </a:t>
             </a:r>
             <a:r>
-              <a:rPr lang="en-US" altLang="zh-CN" sz="2200"/>
+              <a:rPr lang="en-US" altLang="zh-CN" sz="2200" dirty="0">
+                <a:solidFill>
+                  <a:srgbClr val="00B0F0"/>
+                </a:solidFill>
+              </a:rPr>
               <a:t>BEGIN TRANSACTION</a:t>
             </a:r>
           </a:p>
@@ -5776,18 +5830,18 @@
               <a:buNone/>
             </a:pPr>
             <a:r>
-              <a:rPr lang="en-US" altLang="zh-CN" sz="2200"/>
+              <a:rPr lang="en-US" altLang="zh-CN" sz="2200" dirty="0"/>
               <a:t>    	      </a:t>
             </a:r>
             <a:r>
-              <a:rPr lang="zh-CN" altLang="en-US" sz="2200"/>
+              <a:rPr lang="zh-CN" altLang="en-US" sz="2200" dirty="0"/>
               <a:t>读账户甲的余额</a:t>
             </a:r>
             <a:r>
-              <a:rPr lang="en-US" altLang="zh-CN" sz="2200"/>
+              <a:rPr lang="en-US" altLang="zh-CN" sz="2200" dirty="0"/>
               <a:t>BALANCE;</a:t>
             </a:r>
-            <a:endParaRPr lang="zh-CN" altLang="en-US" sz="2200"/>
+            <a:endParaRPr lang="zh-CN" altLang="en-US" sz="2200" dirty="0"/>
           </a:p>
           <a:p>
             <a:pPr eaLnBrk="1" hangingPunct="1">
@@ -5798,23 +5852,23 @@
               <a:buNone/>
             </a:pPr>
             <a:r>
-              <a:rPr lang="zh-CN" altLang="en-US" sz="2200"/>
+              <a:rPr lang="zh-CN" altLang="en-US" sz="2200" dirty="0"/>
               <a:t>           </a:t>
             </a:r>
             <a:r>
-              <a:rPr lang="en-US" altLang="zh-CN" sz="2200"/>
+              <a:rPr lang="en-US" altLang="zh-CN" sz="2200" dirty="0"/>
               <a:t>BALANCE=BALANCE-AMOUNT;    </a:t>
             </a:r>
             <a:r>
-              <a:rPr lang="en-US" altLang="zh-CN" sz="1800"/>
+              <a:rPr lang="en-US" altLang="zh-CN" sz="1800" dirty="0"/>
               <a:t>/*AMOUNT </a:t>
             </a:r>
             <a:r>
-              <a:rPr lang="zh-CN" altLang="en-US" sz="1800"/>
+              <a:rPr lang="zh-CN" altLang="en-US" sz="1800" dirty="0"/>
               <a:t>为转账金额</a:t>
             </a:r>
             <a:r>
-              <a:rPr lang="en-US" altLang="zh-CN" sz="1800"/>
+              <a:rPr lang="en-US" altLang="zh-CN" sz="1800" dirty="0"/>
               <a:t>*/</a:t>
             </a:r>
           </a:p>
@@ -5827,7 +5881,7 @@
               <a:buNone/>
             </a:pPr>
             <a:r>
-              <a:rPr lang="en-US" altLang="zh-CN" sz="2200"/>
+              <a:rPr lang="en-US" altLang="zh-CN" sz="2200" dirty="0"/>
               <a:t>           IF(BALANCE &lt; 0 ) THEN</a:t>
             </a:r>
           </a:p>
@@ -5840,57 +5894,57 @@
               <a:buNone/>
             </a:pPr>
             <a:r>
-              <a:rPr lang="en-US" altLang="zh-CN" sz="2200"/>
+              <a:rPr lang="en-US" altLang="zh-CN" sz="2200" dirty="0"/>
               <a:t>                 {</a:t>
             </a:r>
             <a:r>
-              <a:rPr lang="zh-CN" altLang="en-US" sz="2200"/>
+              <a:rPr lang="zh-CN" altLang="en-US" sz="2200" dirty="0"/>
               <a:t>打印</a:t>
             </a:r>
             <a:r>
-              <a:rPr lang="en-US" altLang="zh-CN" sz="2200"/>
+              <a:rPr lang="en-US" altLang="zh-CN" sz="2200" dirty="0"/>
               <a:t>‘</a:t>
             </a:r>
             <a:r>
-              <a:rPr lang="zh-CN" altLang="en-US" sz="2200"/>
+              <a:rPr lang="zh-CN" altLang="en-US" sz="2200" dirty="0"/>
               <a:t>金额不足，不能转账</a:t>
             </a:r>
             <a:r>
-              <a:rPr lang="en-US" altLang="zh-CN" sz="2200"/>
+              <a:rPr lang="en-US" altLang="zh-CN" sz="2200" dirty="0"/>
               <a:t>’</a:t>
             </a:r>
             <a:r>
-              <a:rPr lang="zh-CN" altLang="en-US" sz="2200"/>
+              <a:rPr lang="zh-CN" altLang="en-US" sz="2200" dirty="0"/>
               <a:t>；</a:t>
             </a:r>
             <a:br>
-              <a:rPr lang="en-US" altLang="zh-CN" sz="2200"/>
+              <a:rPr lang="en-US" altLang="zh-CN" sz="2200" dirty="0"/>
             </a:br>
             <a:r>
-              <a:rPr lang="en-US" altLang="zh-CN" sz="2200"/>
+              <a:rPr lang="en-US" altLang="zh-CN" sz="2200" dirty="0"/>
               <a:t>	</a:t>
             </a:r>
             <a:r>
-              <a:rPr lang="zh-CN" altLang="en-US" sz="2200"/>
+              <a:rPr lang="zh-CN" altLang="en-US" sz="2200" dirty="0"/>
               <a:t>                                </a:t>
             </a:r>
             <a:r>
-              <a:rPr lang="zh-CN" altLang="en-US" sz="1800"/>
+              <a:rPr lang="zh-CN" altLang="en-US" sz="1800" dirty="0"/>
               <a:t>         </a:t>
             </a:r>
             <a:r>
-              <a:rPr lang="en-US" altLang="zh-CN" sz="1800"/>
+              <a:rPr lang="en-US" altLang="zh-CN" sz="1800" dirty="0"/>
               <a:t>/*</a:t>
             </a:r>
             <a:r>
-              <a:rPr lang="zh-CN" altLang="en-US" sz="1800"/>
+              <a:rPr lang="zh-CN" altLang="en-US" sz="1800" dirty="0"/>
               <a:t>事务内部可能造成事务被回滚的情况*</a:t>
             </a:r>
             <a:r>
-              <a:rPr lang="en-US" altLang="zh-CN" sz="1800"/>
+              <a:rPr lang="en-US" altLang="zh-CN" sz="1800" dirty="0"/>
               <a:t>/</a:t>
             </a:r>
-            <a:endParaRPr lang="zh-CN" altLang="en-US" sz="1800"/>
+            <a:endParaRPr lang="zh-CN" altLang="en-US" sz="1800" dirty="0"/>
           </a:p>
           <a:p>
             <a:pPr eaLnBrk="1" hangingPunct="1">
@@ -5901,27 +5955,35 @@
               <a:buNone/>
             </a:pPr>
             <a:r>
-              <a:rPr lang="zh-CN" altLang="en-US" sz="2200"/>
+              <a:rPr lang="zh-CN" altLang="en-US" sz="2200" dirty="0"/>
               <a:t>                  </a:t>
             </a:r>
             <a:r>
-              <a:rPr lang="en-US" altLang="zh-CN" sz="2200"/>
-              <a:t>ROLLBACK;                        </a:t>
-            </a:r>
-            <a:r>
-              <a:rPr lang="en-US" altLang="zh-CN" sz="1800"/>
+              <a:rPr lang="en-US" altLang="zh-CN" sz="2200" dirty="0">
+                <a:solidFill>
+                  <a:srgbClr val="00B0F0"/>
+                </a:solidFill>
+              </a:rPr>
+              <a:t>ROLLBACK</a:t>
+            </a:r>
+            <a:r>
+              <a:rPr lang="en-US" altLang="zh-CN" sz="2200" dirty="0"/>
+              <a:t>;                        </a:t>
+            </a:r>
+            <a:r>
+              <a:rPr lang="en-US" altLang="zh-CN" sz="1800" dirty="0"/>
               <a:t>/*</a:t>
             </a:r>
             <a:r>
-              <a:rPr lang="zh-CN" altLang="en-US" sz="1800"/>
+              <a:rPr lang="zh-CN" altLang="en-US" sz="1800" dirty="0"/>
               <a:t>撤销刚才的修改，恢复事务</a:t>
             </a:r>
             <a:r>
-              <a:rPr lang="en-US" altLang="zh-CN" sz="1800"/>
+              <a:rPr lang="en-US" altLang="zh-CN" sz="1800" dirty="0"/>
               <a:t>*/</a:t>
             </a:r>
             <a:r>
-              <a:rPr lang="en-US" altLang="zh-CN" sz="2200"/>
+              <a:rPr lang="en-US" altLang="zh-CN" sz="2200" dirty="0"/>
               <a:t> </a:t>
             </a:r>
           </a:p>
@@ -5934,7 +5996,7 @@
               <a:buNone/>
             </a:pPr>
             <a:r>
-              <a:rPr lang="en-US" altLang="zh-CN" sz="2200"/>
+              <a:rPr lang="en-US" altLang="zh-CN" sz="2200" dirty="0"/>
               <a:t>                 }</a:t>
             </a:r>
           </a:p>
@@ -5947,7 +6009,7 @@
               <a:buNone/>
             </a:pPr>
             <a:r>
-              <a:rPr lang="en-US" altLang="zh-CN" sz="2200"/>
+              <a:rPr lang="en-US" altLang="zh-CN" sz="2200" dirty="0"/>
               <a:t>           ELSE</a:t>
             </a:r>
           </a:p>
@@ -5960,18 +6022,18 @@
               <a:buNone/>
             </a:pPr>
             <a:r>
-              <a:rPr lang="en-US" altLang="zh-CN" sz="2200"/>
+              <a:rPr lang="en-US" altLang="zh-CN" sz="2200" dirty="0"/>
               <a:t>                 {</a:t>
             </a:r>
             <a:r>
-              <a:rPr lang="zh-CN" altLang="en-US" sz="2200"/>
+              <a:rPr lang="zh-CN" altLang="en-US" sz="2200" dirty="0"/>
               <a:t>读账户乙的余额</a:t>
             </a:r>
             <a:r>
-              <a:rPr lang="en-US" altLang="zh-CN" sz="2200"/>
+              <a:rPr lang="en-US" altLang="zh-CN" sz="2200" dirty="0"/>
               <a:t>BALANCE1;</a:t>
             </a:r>
-            <a:endParaRPr lang="zh-CN" altLang="en-US" sz="2200"/>
+            <a:endParaRPr lang="zh-CN" altLang="en-US" sz="2200" dirty="0"/>
           </a:p>
           <a:p>
             <a:pPr eaLnBrk="1" hangingPunct="1">
@@ -5982,14 +6044,14 @@
               <a:buNone/>
             </a:pPr>
             <a:r>
-              <a:rPr lang="zh-CN" altLang="en-US" sz="2200"/>
+              <a:rPr lang="zh-CN" altLang="en-US" sz="2200" dirty="0"/>
               <a:t>                   </a:t>
             </a:r>
             <a:r>
-              <a:rPr lang="en-US" altLang="zh-CN" sz="2200"/>
+              <a:rPr lang="en-US" altLang="zh-CN" sz="2200" dirty="0"/>
               <a:t>BALANCE1=BALANCE1+AMOUNT;</a:t>
             </a:r>
-            <a:endParaRPr lang="zh-CN" altLang="en-US" sz="2200"/>
+            <a:endParaRPr lang="zh-CN" altLang="en-US" sz="2200" dirty="0"/>
           </a:p>
           <a:p>
             <a:pPr eaLnBrk="1" hangingPunct="1">
@@ -6000,14 +6062,14 @@
               <a:buNone/>
             </a:pPr>
             <a:r>
-              <a:rPr lang="zh-CN" altLang="en-US" sz="2200"/>
+              <a:rPr lang="zh-CN" altLang="en-US" sz="2200" dirty="0"/>
               <a:t>                   写回</a:t>
             </a:r>
             <a:r>
-              <a:rPr lang="en-US" altLang="zh-CN" sz="2200"/>
+              <a:rPr lang="en-US" altLang="zh-CN" sz="2200" dirty="0"/>
               <a:t>BALANCE1;</a:t>
             </a:r>
-            <a:endParaRPr lang="zh-CN" altLang="en-US" sz="2200"/>
+            <a:endParaRPr lang="zh-CN" altLang="en-US" sz="2200" dirty="0"/>
           </a:p>
           <a:p>
             <a:pPr eaLnBrk="1" hangingPunct="1">
@@ -6018,12 +6080,20 @@
               <a:buNone/>
             </a:pPr>
             <a:r>
-              <a:rPr lang="zh-CN" altLang="en-US" sz="2200"/>
+              <a:rPr lang="zh-CN" altLang="en-US" sz="2200" dirty="0"/>
               <a:t>                   </a:t>
             </a:r>
             <a:r>
-              <a:rPr lang="en-US" altLang="zh-CN" sz="2200"/>
-              <a:t>COMMIT;}</a:t>
+              <a:rPr lang="en-US" altLang="zh-CN" sz="2200" dirty="0">
+                <a:solidFill>
+                  <a:srgbClr val="00B0F0"/>
+                </a:solidFill>
+              </a:rPr>
+              <a:t>COMMIT</a:t>
+            </a:r>
+            <a:r>
+              <a:rPr lang="en-US" altLang="zh-CN" sz="2200" dirty="0"/>
+              <a:t>;}</a:t>
             </a:r>
           </a:p>
           <a:p>
@@ -6032,7 +6102,7 @@
                 <a:spcPct val="80000"/>
               </a:lnSpc>
             </a:pPr>
-            <a:endParaRPr lang="en-US" altLang="zh-CN" sz="2000"/>
+            <a:endParaRPr lang="en-US" altLang="zh-CN" sz="2000" dirty="0"/>
           </a:p>
         </p:txBody>
       </p:sp>
@@ -6045,7 +6115,7 @@
 </file>
 
 <file path=ppt/slides/slide17.xml><?xml version="1.0" encoding="utf-8"?>
-<p:sld xmlns:a="http://schemas.openxmlformats.org/drawingml/2006/main" xmlns:r="http://schemas.openxmlformats.org/officeDocument/2006/relationships" xmlns:p="http://schemas.openxmlformats.org/presentationml/2006/main" show="0">
+<p:sld xmlns:a="http://schemas.openxmlformats.org/drawingml/2006/main" xmlns:r="http://schemas.openxmlformats.org/officeDocument/2006/relationships" xmlns:p="http://schemas.openxmlformats.org/presentationml/2006/main">
   <p:cSld>
     <p:spTree>
       <p:nvGrpSpPr>
@@ -6063,10 +6133,10 @@
       </p:grpSpPr>
       <p:sp>
         <p:nvSpPr>
-          <p:cNvPr id="20481" name="页脚占位符 4">
+          <p:cNvPr id="21505" name="页脚占位符 4">
             <a:extLst>
               <a:ext uri="{FF2B5EF4-FFF2-40B4-BE49-F238E27FC236}">
-                <a16:creationId xmlns:a16="http://schemas.microsoft.com/office/drawing/2014/main" id="{00335994-C663-4D81-A7E4-FE7E22D7CA82}"/>
+                <a16:creationId xmlns:a16="http://schemas.microsoft.com/office/drawing/2014/main" id="{4ADBDBFF-55F4-45EB-9406-7A65E5B94B3A}"/>
               </a:ext>
             </a:extLst>
           </p:cNvPr>
@@ -6121,10 +6191,10 @@
       </p:sp>
       <p:sp>
         <p:nvSpPr>
-          <p:cNvPr id="20482" name="Rectangle 2">
+          <p:cNvPr id="21506" name="Rectangle 2">
             <a:extLst>
               <a:ext uri="{FF2B5EF4-FFF2-40B4-BE49-F238E27FC236}">
-                <a16:creationId xmlns:a16="http://schemas.microsoft.com/office/drawing/2014/main" id="{F925E7C5-EB17-4239-92F9-9981077FE9E8}"/>
+                <a16:creationId xmlns:a16="http://schemas.microsoft.com/office/drawing/2014/main" id="{FE8BBE0E-3F42-4FC8-A8B3-75EBE332D547}"/>
               </a:ext>
             </a:extLst>
           </p:cNvPr>
@@ -6155,29 +6225,214 @@
       </p:sp>
       <p:sp>
         <p:nvSpPr>
-          <p:cNvPr id="20483" name="Rectangle 3">
+          <p:cNvPr id="6" name="Rectangle 3">
             <a:extLst>
               <a:ext uri="{FF2B5EF4-FFF2-40B4-BE49-F238E27FC236}">
-                <a16:creationId xmlns:a16="http://schemas.microsoft.com/office/drawing/2014/main" id="{45AA63C7-CCAE-40AD-87E6-0677258F820B}"/>
+                <a16:creationId xmlns:a16="http://schemas.microsoft.com/office/drawing/2014/main" id="{49363350-4451-4B02-AD06-1F6C602B8C1A}"/>
               </a:ext>
             </a:extLst>
           </p:cNvPr>
-          <p:cNvSpPr>
-            <a:spLocks noGrp="1" noChangeArrowheads="1"/>
+          <p:cNvSpPr txBox="1">
+            <a:spLocks noChangeArrowheads="1"/>
           </p:cNvSpPr>
-          <p:nvPr>
-            <p:ph type="body" idx="4294967295"/>
-          </p:nvPr>
+          <p:nvPr/>
         </p:nvSpPr>
-        <p:spPr>
+        <p:spPr bwMode="auto">
           <a:xfrm>
             <a:off x="457200" y="1196975"/>
             <a:ext cx="8229600" cy="4840288"/>
           </a:xfrm>
+          <a:prstGeom prst="rect">
+            <a:avLst/>
+          </a:prstGeom>
+          <a:noFill/>
+          <a:ln>
+            <a:noFill/>
+          </a:ln>
+          <a:extLst>
+            <a:ext uri="{909E8E84-426E-40DD-AFC4-6F175D3DCCD1}">
+              <a14:hiddenFill xmlns:a14="http://schemas.microsoft.com/office/drawing/2010/main">
+                <a:solidFill>
+                  <a:srgbClr val="FFFFFF"/>
+                </a:solidFill>
+              </a14:hiddenFill>
+            </a:ext>
+            <a:ext uri="{91240B29-F687-4F45-9708-019B960494DF}">
+              <a14:hiddenLine xmlns:a14="http://schemas.microsoft.com/office/drawing/2010/main" w="9525">
+                <a:solidFill>
+                  <a:srgbClr val="000000"/>
+                </a:solidFill>
+                <a:miter lim="800000"/>
+                <a:headEnd/>
+                <a:tailEnd/>
+              </a14:hiddenLine>
+            </a:ext>
+          </a:extLst>
         </p:spPr>
         <p:txBody>
-          <a:bodyPr/>
-          <a:lstStyle/>
+          <a:bodyPr vert="horz" wrap="square" lIns="91440" tIns="45720" rIns="91440" bIns="45720" numCol="1" anchor="t" anchorCtr="0" compatLnSpc="1">
+            <a:prstTxWarp prst="textNoShape">
+              <a:avLst/>
+            </a:prstTxWarp>
+          </a:bodyPr>
+          <a:lstStyle>
+            <a:lvl1pPr marL="342900" indent="-342900" algn="l" rtl="0" eaLnBrk="0" fontAlgn="base" hangingPunct="0">
+              <a:spcBef>
+                <a:spcPct val="20000"/>
+              </a:spcBef>
+              <a:spcAft>
+                <a:spcPct val="0"/>
+              </a:spcAft>
+              <a:buSzPct val="100000"/>
+              <a:buFont typeface="Wingdings" panose="05000000000000000000" pitchFamily="2" charset="2"/>
+              <a:buChar char="v"/>
+              <a:defRPr sz="2800" b="1">
+                <a:solidFill>
+                  <a:schemeClr val="tx1"/>
+                </a:solidFill>
+                <a:latin typeface="+mn-lt"/>
+                <a:ea typeface="+mn-ea"/>
+                <a:cs typeface="+mn-cs"/>
+              </a:defRPr>
+            </a:lvl1pPr>
+            <a:lvl2pPr marL="742950" indent="-285750" algn="l" rtl="0" eaLnBrk="0" fontAlgn="base" hangingPunct="0">
+              <a:spcBef>
+                <a:spcPct val="20000"/>
+              </a:spcBef>
+              <a:spcAft>
+                <a:spcPct val="0"/>
+              </a:spcAft>
+              <a:buSzPct val="100000"/>
+              <a:buFont typeface="Wingdings" panose="05000000000000000000" pitchFamily="2" charset="2"/>
+              <a:buChar char="n"/>
+              <a:defRPr sz="2400" b="1">
+                <a:solidFill>
+                  <a:schemeClr val="tx1"/>
+                </a:solidFill>
+                <a:latin typeface="+mn-lt"/>
+                <a:ea typeface="+mn-ea"/>
+              </a:defRPr>
+            </a:lvl2pPr>
+            <a:lvl3pPr marL="1143000" indent="-228600" algn="l" rtl="0" eaLnBrk="0" fontAlgn="base" hangingPunct="0">
+              <a:spcBef>
+                <a:spcPct val="20000"/>
+              </a:spcBef>
+              <a:spcAft>
+                <a:spcPct val="0"/>
+              </a:spcAft>
+              <a:buFont typeface="Arial" panose="020B0604020202020204" pitchFamily="34" charset="0"/>
+              <a:buChar char="•"/>
+              <a:defRPr sz="2000" b="1">
+                <a:solidFill>
+                  <a:schemeClr val="tx1"/>
+                </a:solidFill>
+                <a:latin typeface="+mn-lt"/>
+                <a:ea typeface="+mn-ea"/>
+              </a:defRPr>
+            </a:lvl3pPr>
+            <a:lvl4pPr marL="1600200" indent="-228600" algn="l" rtl="0" eaLnBrk="0" fontAlgn="base" hangingPunct="0">
+              <a:spcBef>
+                <a:spcPct val="20000"/>
+              </a:spcBef>
+              <a:spcAft>
+                <a:spcPct val="0"/>
+              </a:spcAft>
+              <a:buFont typeface="Arial" panose="020B0604020202020204" pitchFamily="34" charset="0"/>
+              <a:buChar char="–"/>
+              <a:defRPr sz="2000" b="1">
+                <a:solidFill>
+                  <a:schemeClr val="tx1"/>
+                </a:solidFill>
+                <a:latin typeface="+mn-lt"/>
+                <a:ea typeface="+mn-ea"/>
+              </a:defRPr>
+            </a:lvl4pPr>
+            <a:lvl5pPr marL="2057400" indent="-228600" algn="l" rtl="0" eaLnBrk="0" fontAlgn="base" hangingPunct="0">
+              <a:spcBef>
+                <a:spcPct val="20000"/>
+              </a:spcBef>
+              <a:spcAft>
+                <a:spcPct val="0"/>
+              </a:spcAft>
+              <a:buFont typeface="Arial" panose="020B0604020202020204" pitchFamily="34" charset="0"/>
+              <a:buChar char="»"/>
+              <a:defRPr sz="2000" b="1">
+                <a:solidFill>
+                  <a:schemeClr val="tx1"/>
+                </a:solidFill>
+                <a:latin typeface="+mn-lt"/>
+                <a:ea typeface="+mn-ea"/>
+              </a:defRPr>
+            </a:lvl5pPr>
+            <a:lvl6pPr marL="2514600" indent="-228600" algn="l" rtl="0" eaLnBrk="0" fontAlgn="base" hangingPunct="0">
+              <a:spcBef>
+                <a:spcPct val="20000"/>
+              </a:spcBef>
+              <a:spcAft>
+                <a:spcPct val="0"/>
+              </a:spcAft>
+              <a:buFont typeface="Arial" pitchFamily="34" charset="0"/>
+              <a:buChar char="»"/>
+              <a:defRPr b="1">
+                <a:solidFill>
+                  <a:schemeClr val="tx1"/>
+                </a:solidFill>
+                <a:latin typeface="+mn-lt"/>
+                <a:ea typeface="+mn-ea"/>
+              </a:defRPr>
+            </a:lvl6pPr>
+            <a:lvl7pPr marL="2971800" indent="-228600" algn="l" rtl="0" eaLnBrk="0" fontAlgn="base" hangingPunct="0">
+              <a:spcBef>
+                <a:spcPct val="20000"/>
+              </a:spcBef>
+              <a:spcAft>
+                <a:spcPct val="0"/>
+              </a:spcAft>
+              <a:buFont typeface="Arial" pitchFamily="34" charset="0"/>
+              <a:buChar char="»"/>
+              <a:defRPr b="1">
+                <a:solidFill>
+                  <a:schemeClr val="tx1"/>
+                </a:solidFill>
+                <a:latin typeface="+mn-lt"/>
+                <a:ea typeface="+mn-ea"/>
+              </a:defRPr>
+            </a:lvl7pPr>
+            <a:lvl8pPr marL="3429000" indent="-228600" algn="l" rtl="0" eaLnBrk="0" fontAlgn="base" hangingPunct="0">
+              <a:spcBef>
+                <a:spcPct val="20000"/>
+              </a:spcBef>
+              <a:spcAft>
+                <a:spcPct val="0"/>
+              </a:spcAft>
+              <a:buFont typeface="Arial" pitchFamily="34" charset="0"/>
+              <a:buChar char="»"/>
+              <a:defRPr b="1">
+                <a:solidFill>
+                  <a:schemeClr val="tx1"/>
+                </a:solidFill>
+                <a:latin typeface="+mn-lt"/>
+                <a:ea typeface="+mn-ea"/>
+              </a:defRPr>
+            </a:lvl8pPr>
+            <a:lvl9pPr marL="3886200" indent="-228600" algn="l" rtl="0" eaLnBrk="0" fontAlgn="base" hangingPunct="0">
+              <a:spcBef>
+                <a:spcPct val="20000"/>
+              </a:spcBef>
+              <a:spcAft>
+                <a:spcPct val="0"/>
+              </a:spcAft>
+              <a:buFont typeface="Arial" pitchFamily="34" charset="0"/>
+              <a:buChar char="»"/>
+              <a:defRPr b="1">
+                <a:solidFill>
+                  <a:schemeClr val="tx1"/>
+                </a:solidFill>
+                <a:latin typeface="+mn-lt"/>
+                <a:ea typeface="+mn-ea"/>
+              </a:defRPr>
+            </a:lvl9pPr>
+          </a:lstStyle>
           <a:p>
             <a:pPr eaLnBrk="1" hangingPunct="1">
               <a:lnSpc>
@@ -6185,16 +6440,48 @@
               </a:lnSpc>
             </a:pPr>
             <a:r>
-              <a:rPr lang="zh-CN" altLang="en-US" sz="2400"/>
-              <a:t>这个例子所包括的两个更新操作要么全部完成要么全部不做。</a:t>
-            </a:r>
-            <a:r>
-              <a:rPr lang="zh-CN" altLang="en-US" sz="2400" u="sng"/>
+              <a:rPr lang="zh-CN" altLang="en-US" sz="2400" kern="0"/>
+              <a:t>两个更新操作</a:t>
+            </a:r>
+            <a:r>
+              <a:rPr lang="zh-CN" altLang="en-US" sz="2400" kern="0">
+                <a:solidFill>
+                  <a:srgbClr val="00B0F0"/>
+                </a:solidFill>
+              </a:rPr>
+              <a:t>要么全部完成要么全部不做</a:t>
+            </a:r>
+            <a:r>
+              <a:rPr lang="zh-CN" altLang="en-US" sz="2400" kern="0"/>
+              <a:t>。</a:t>
+            </a:r>
+            <a:endParaRPr lang="en-US" altLang="zh-CN" sz="2400" kern="0"/>
+          </a:p>
+          <a:p>
+            <a:pPr lvl="1" eaLnBrk="1" hangingPunct="1">
+              <a:lnSpc>
+                <a:spcPct val="170000"/>
+              </a:lnSpc>
+            </a:pPr>
+            <a:r>
+              <a:rPr lang="zh-CN" altLang="en-US" sz="2000" u="sng" kern="0"/>
               <a:t>否则就会使数据库处于不一致状态</a:t>
             </a:r>
             <a:r>
-              <a:rPr lang="zh-CN" altLang="en-US" sz="2400"/>
-              <a:t>，例如只把账户甲的余额减少了而没有把账户乙的余额增加。</a:t>
+              <a:rPr lang="zh-CN" altLang="en-US" sz="2000" kern="0"/>
+              <a:t>，</a:t>
+            </a:r>
+            <a:endParaRPr lang="en-US" altLang="zh-CN" sz="2000" kern="0"/>
+          </a:p>
+          <a:p>
+            <a:pPr lvl="1" eaLnBrk="1" hangingPunct="1">
+              <a:lnSpc>
+                <a:spcPct val="170000"/>
+              </a:lnSpc>
+            </a:pPr>
+            <a:r>
+              <a:rPr lang="zh-CN" altLang="en-US" sz="2000" kern="0"/>
+              <a:t>例如：只把账户甲的余额减少了而没有把账户乙的余额增加。</a:t>
             </a:r>
           </a:p>
           <a:p>
@@ -6204,18 +6491,59 @@
               </a:lnSpc>
             </a:pPr>
             <a:r>
-              <a:rPr lang="zh-CN" altLang="en-US" sz="2400"/>
-              <a:t>在这段程序中若产生账户甲余额不足的情况，应用程序可以发现并让事务滚回，撤销已作的修改，恢复数据库到正确状态。</a:t>
-            </a:r>
+              <a:rPr lang="zh-CN" altLang="en-US" sz="2400" kern="0"/>
+              <a:t>若产生账户甲余额不足的情况</a:t>
+            </a:r>
+            <a:endParaRPr lang="en-US" altLang="zh-CN" sz="2400" kern="0"/>
+          </a:p>
+          <a:p>
+            <a:pPr lvl="1" eaLnBrk="1" hangingPunct="1">
+              <a:lnSpc>
+                <a:spcPct val="170000"/>
+              </a:lnSpc>
+            </a:pPr>
+            <a:r>
+              <a:rPr lang="zh-CN" altLang="en-US" sz="2000" kern="0"/>
+              <a:t>应用程序可以发现并让事务滚回</a:t>
+            </a:r>
+            <a:endParaRPr lang="en-US" altLang="zh-CN" sz="2000" kern="0"/>
+          </a:p>
+          <a:p>
+            <a:pPr lvl="1" eaLnBrk="1" hangingPunct="1">
+              <a:lnSpc>
+                <a:spcPct val="170000"/>
+              </a:lnSpc>
+            </a:pPr>
+            <a:r>
+              <a:rPr lang="zh-CN" altLang="en-US" sz="2000" kern="0"/>
+              <a:t>撤销已作的修改</a:t>
+            </a:r>
+            <a:endParaRPr lang="en-US" altLang="zh-CN" sz="2000" kern="0"/>
+          </a:p>
+          <a:p>
+            <a:pPr lvl="1" eaLnBrk="1" hangingPunct="1">
+              <a:lnSpc>
+                <a:spcPct val="170000"/>
+              </a:lnSpc>
+            </a:pPr>
+            <a:r>
+              <a:rPr lang="zh-CN" altLang="en-US" sz="2000" kern="0"/>
+              <a:t>恢复数据库到正确状态。</a:t>
+            </a:r>
+            <a:endParaRPr lang="zh-CN" altLang="en-US" sz="2000" kern="0" dirty="0"/>
           </a:p>
         </p:txBody>
       </p:sp>
     </p:spTree>
+    <p:extLst>
+      <p:ext uri="{BB962C8B-B14F-4D97-AF65-F5344CB8AC3E}">
+        <p14:creationId xmlns:p14="http://schemas.microsoft.com/office/powerpoint/2010/main" val="3095597214"/>
+      </p:ext>
+    </p:extLst>
   </p:cSld>
   <p:clrMapOvr>
     <a:masterClrMapping/>
   </p:clrMapOvr>
-  <p:transition/>
 </p:sld>
 </file>
 
@@ -6360,7 +6688,7 @@
               </a:lnSpc>
             </a:pPr>
             <a:r>
-              <a:rPr lang="zh-CN" altLang="en-US"/>
+              <a:rPr lang="zh-CN" altLang="en-US" dirty="0"/>
               <a:t>事务内部更多的故障是非预期的，是不能由应用程序处理的。</a:t>
             </a:r>
           </a:p>
@@ -6371,7 +6699,7 @@
               </a:lnSpc>
             </a:pPr>
             <a:r>
-              <a:rPr lang="zh-CN" altLang="en-US"/>
+              <a:rPr lang="zh-CN" altLang="en-US" dirty="0"/>
               <a:t>运算溢出</a:t>
             </a:r>
           </a:p>
@@ -6382,7 +6710,7 @@
               </a:lnSpc>
             </a:pPr>
             <a:r>
-              <a:rPr lang="zh-CN" altLang="en-US"/>
+              <a:rPr lang="zh-CN" altLang="en-US" dirty="0"/>
               <a:t>并发事务发生死锁而被选中撤销该事务</a:t>
             </a:r>
           </a:p>
@@ -6393,8 +6721,8 @@
               </a:lnSpc>
             </a:pPr>
             <a:r>
-              <a:rPr lang="zh-CN" altLang="en-US"/>
-              <a:t>违反了某些完整性限制而被终止等</a:t>
+              <a:rPr lang="zh-CN" altLang="en-US" dirty="0"/>
+              <a:t>违反了某些完整性限制而被终止</a:t>
             </a:r>
           </a:p>
           <a:p>
@@ -6406,11 +6734,11 @@
               <a:buNone/>
             </a:pPr>
             <a:r>
-              <a:rPr lang="zh-CN" altLang="en-US"/>
-              <a:t>    以后，事务故障仅指这类</a:t>
-            </a:r>
-            <a:r>
-              <a:rPr lang="zh-CN" altLang="en-US">
+              <a:rPr lang="zh-CN" altLang="en-US" dirty="0"/>
+              <a:t>    事务故障指这类</a:t>
+            </a:r>
+            <a:r>
+              <a:rPr lang="zh-CN" altLang="en-US" dirty="0">
                 <a:solidFill>
                   <a:srgbClr val="FF00FF"/>
                 </a:solidFill>
@@ -6569,8 +6897,8 @@
               </a:lnSpc>
             </a:pPr>
             <a:r>
-              <a:rPr lang="zh-CN" altLang="en-US"/>
-              <a:t>事务故障意味着</a:t>
+              <a:rPr lang="zh-CN" altLang="en-US" dirty="0"/>
+              <a:t>事务故障意味着：</a:t>
             </a:r>
           </a:p>
           <a:p>
@@ -6580,19 +6908,19 @@
               </a:lnSpc>
             </a:pPr>
             <a:r>
-              <a:rPr lang="zh-CN" altLang="en-US" sz="2200"/>
-              <a:t>事务没有达到预期的终点</a:t>
-            </a:r>
-            <a:r>
-              <a:rPr lang="en-US" altLang="zh-CN" sz="2200"/>
+              <a:rPr lang="zh-CN" altLang="en-US" sz="2200" dirty="0"/>
+              <a:t>事务没有达到预期终点</a:t>
+            </a:r>
+            <a:r>
+              <a:rPr lang="en-US" altLang="zh-CN" sz="2200" dirty="0"/>
               <a:t>(COMMIT</a:t>
             </a:r>
             <a:r>
-              <a:rPr lang="zh-CN" altLang="en-US" sz="2200"/>
+              <a:rPr lang="zh-CN" altLang="en-US" sz="2200" dirty="0"/>
               <a:t>或者显式的</a:t>
             </a:r>
             <a:r>
-              <a:rPr lang="en-US" altLang="zh-CN" sz="2200"/>
+              <a:rPr lang="en-US" altLang="zh-CN" sz="2200" dirty="0"/>
               <a:t>ROLLBACK)</a:t>
             </a:r>
           </a:p>
@@ -6603,8 +6931,8 @@
               </a:lnSpc>
             </a:pPr>
             <a:r>
-              <a:rPr lang="zh-CN" altLang="en-US" sz="2200"/>
-              <a:t>数据库可能处于不正确状态。 </a:t>
+              <a:rPr lang="zh-CN" altLang="en-US" sz="2200" dirty="0"/>
+              <a:t>数据库可能处于不正确状态 </a:t>
             </a:r>
           </a:p>
           <a:p>
@@ -6617,11 +6945,11 @@
               </a:spcBef>
             </a:pPr>
             <a:r>
-              <a:rPr lang="zh-CN" altLang="en-US"/>
+              <a:rPr lang="zh-CN" altLang="en-US" dirty="0"/>
               <a:t>事务故障的恢复：</a:t>
             </a:r>
             <a:r>
-              <a:rPr lang="zh-CN" altLang="en-US">
+              <a:rPr lang="zh-CN" altLang="en-US" dirty="0">
                 <a:solidFill>
                   <a:srgbClr val="FF00FF"/>
                 </a:solidFill>
@@ -6629,7 +6957,7 @@
               <a:t>事务撤消（</a:t>
             </a:r>
             <a:r>
-              <a:rPr lang="en-US" altLang="zh-CN">
+              <a:rPr lang="en-US" altLang="zh-CN" dirty="0">
                 <a:solidFill>
                   <a:srgbClr val="FF00FF"/>
                 </a:solidFill>
@@ -6637,7 +6965,7 @@
               <a:t>UNDO</a:t>
             </a:r>
             <a:r>
-              <a:rPr lang="zh-CN" altLang="en-US">
+              <a:rPr lang="zh-CN" altLang="en-US" dirty="0">
                 <a:solidFill>
                   <a:srgbClr val="FF00FF"/>
                 </a:solidFill>
@@ -6652,15 +6980,15 @@
               </a:lnSpc>
             </a:pPr>
             <a:r>
-              <a:rPr lang="zh-CN" altLang="en-US" sz="2200"/>
+              <a:rPr lang="zh-CN" altLang="en-US" sz="2200" dirty="0"/>
               <a:t>强行回滚（</a:t>
             </a:r>
             <a:r>
-              <a:rPr lang="en-US" altLang="zh-CN" sz="2200"/>
+              <a:rPr lang="en-US" altLang="zh-CN" sz="2200" dirty="0"/>
               <a:t>ROLLBACK</a:t>
             </a:r>
             <a:r>
-              <a:rPr lang="zh-CN" altLang="en-US" sz="2200"/>
+              <a:rPr lang="zh-CN" altLang="en-US" sz="2200" dirty="0"/>
               <a:t>）该事务</a:t>
             </a:r>
           </a:p>
@@ -6671,13 +6999,21 @@
               </a:lnSpc>
             </a:pPr>
             <a:r>
-              <a:rPr lang="zh-CN" altLang="en-US" sz="2200"/>
-              <a:t>撤销该事务已经作出的任何对数据库的修改，使得该事务象根本没有启动一样</a:t>
+              <a:rPr lang="zh-CN" altLang="en-US" sz="2200" dirty="0"/>
+              <a:t>撤销该事务对</a:t>
+            </a:r>
+            <a:r>
+              <a:rPr lang="en-US" altLang="zh-CN" sz="2200" dirty="0"/>
+              <a:t>DB</a:t>
+            </a:r>
+            <a:r>
+              <a:rPr lang="zh-CN" altLang="en-US" sz="2200" dirty="0"/>
+              <a:t>的修改，使该事务象没有启动一样</a:t>
             </a:r>
           </a:p>
           <a:p>
             <a:pPr eaLnBrk="1" hangingPunct="1"/>
-            <a:endParaRPr lang="en-US" altLang="zh-CN" sz="2400"/>
+            <a:endParaRPr lang="en-US" altLang="zh-CN" sz="2400" dirty="0"/>
           </a:p>
         </p:txBody>
       </p:sp>
@@ -7060,7 +7396,7 @@
           <a:p>
             <a:pPr eaLnBrk="1" hangingPunct="1"/>
             <a:r>
-              <a:rPr lang="zh-CN" altLang="en-US"/>
+              <a:rPr lang="zh-CN" altLang="en-US" dirty="0"/>
               <a:t>系统故障</a:t>
             </a:r>
           </a:p>
@@ -7073,9 +7409,34 @@
               <a:buNone/>
             </a:pPr>
             <a:r>
-              <a:rPr lang="zh-CN" altLang="en-US"/>
-              <a:t>称为软故障，是指造成系统停止运转的任何事件，使得</a:t>
-            </a:r>
+              <a:rPr lang="zh-CN" altLang="en-US" sz="1800" dirty="0"/>
+              <a:t>称为</a:t>
+            </a:r>
+            <a:r>
+              <a:rPr lang="zh-CN" altLang="en-US" sz="1800" dirty="0">
+                <a:solidFill>
+                  <a:srgbClr val="FF0000"/>
+                </a:solidFill>
+              </a:rPr>
+              <a:t>软故障</a:t>
+            </a:r>
+            <a:r>
+              <a:rPr lang="zh-CN" altLang="en-US" sz="1800" dirty="0"/>
+              <a:t>，是指</a:t>
+            </a:r>
+            <a:r>
+              <a:rPr lang="zh-CN" altLang="en-US" sz="1800" dirty="0">
+                <a:highlight>
+                  <a:srgbClr val="FFFF00"/>
+                </a:highlight>
+              </a:rPr>
+              <a:t>造成系统停止运转</a:t>
+            </a:r>
+            <a:r>
+              <a:rPr lang="zh-CN" altLang="en-US" sz="1800" dirty="0"/>
+              <a:t>的任何事件，使得系统要重新启动。</a:t>
+            </a:r>
+            <a:endParaRPr lang="en-US" altLang="zh-CN" sz="1800" dirty="0"/>
           </a:p>
           <a:p>
             <a:pPr lvl="1" eaLnBrk="1" hangingPunct="1">
@@ -7086,8 +7447,8 @@
               <a:buNone/>
             </a:pPr>
             <a:r>
-              <a:rPr lang="zh-CN" altLang="en-US"/>
-              <a:t>系统要重新启动。 </a:t>
+              <a:rPr lang="zh-CN" altLang="en-US" sz="1800" dirty="0"/>
+              <a:t> </a:t>
             </a:r>
           </a:p>
           <a:p>
@@ -7097,10 +7458,10 @@
               </a:spcBef>
             </a:pPr>
             <a:r>
-              <a:rPr lang="zh-CN" altLang="en-US"/>
-              <a:t>整个系统的正常运行突然被破坏</a:t>
-            </a:r>
-            <a:endParaRPr lang="en-US" altLang="zh-CN"/>
+              <a:rPr lang="zh-CN" altLang="en-US" dirty="0"/>
+              <a:t>系统的正常运行被破坏</a:t>
+            </a:r>
+            <a:endParaRPr lang="en-US" altLang="zh-CN" dirty="0"/>
           </a:p>
           <a:p>
             <a:pPr lvl="1" eaLnBrk="1" hangingPunct="1">
@@ -7109,9 +7470,10 @@
               </a:spcBef>
             </a:pPr>
             <a:r>
-              <a:rPr lang="zh-CN" altLang="en-US"/>
-              <a:t>所有正在运行的事务都非正常终止</a:t>
-            </a:r>
+              <a:rPr lang="zh-CN" altLang="en-US" dirty="0"/>
+              <a:t>正在运行的事务非正常终止</a:t>
+            </a:r>
+            <a:endParaRPr lang="en-US" altLang="zh-CN" dirty="0"/>
           </a:p>
           <a:p>
             <a:pPr lvl="1" eaLnBrk="1" hangingPunct="1">
@@ -7120,24 +7482,13 @@
               </a:spcBef>
             </a:pPr>
             <a:r>
-              <a:rPr lang="zh-CN" altLang="en-US"/>
-              <a:t>不破坏数据库</a:t>
-            </a:r>
-          </a:p>
-          <a:p>
-            <a:pPr lvl="1" eaLnBrk="1" hangingPunct="1">
-              <a:spcBef>
-                <a:spcPct val="50000"/>
-              </a:spcBef>
-            </a:pPr>
-            <a:r>
-              <a:rPr lang="zh-CN" altLang="en-US"/>
+              <a:rPr lang="zh-CN" altLang="en-US" dirty="0"/>
               <a:t>内存中数据库缓冲区的信息全部丢失</a:t>
             </a:r>
           </a:p>
           <a:p>
             <a:pPr lvl="1" eaLnBrk="1" hangingPunct="1"/>
-            <a:endParaRPr lang="en-US" altLang="zh-CN"/>
+            <a:endParaRPr lang="en-US" altLang="zh-CN" dirty="0"/>
           </a:p>
         </p:txBody>
       </p:sp>
@@ -7290,15 +7641,15 @@
               </a:lnSpc>
             </a:pPr>
             <a:r>
-              <a:rPr lang="zh-CN" altLang="en-US"/>
-              <a:t>特定类型的硬件错误（如</a:t>
-            </a:r>
-            <a:r>
-              <a:rPr lang="en-US" altLang="zh-CN"/>
+              <a:rPr lang="zh-CN" altLang="en-US" dirty="0"/>
+              <a:t>硬件错误（如</a:t>
+            </a:r>
+            <a:r>
+              <a:rPr lang="en-US" altLang="zh-CN" dirty="0"/>
               <a:t>CPU</a:t>
             </a:r>
             <a:r>
-              <a:rPr lang="zh-CN" altLang="en-US"/>
+              <a:rPr lang="zh-CN" altLang="en-US" dirty="0"/>
               <a:t>故障）</a:t>
             </a:r>
           </a:p>
@@ -7309,7 +7660,7 @@
               </a:lnSpc>
             </a:pPr>
             <a:r>
-              <a:rPr lang="zh-CN" altLang="en-US"/>
+              <a:rPr lang="zh-CN" altLang="en-US" dirty="0"/>
               <a:t>操作系统故障</a:t>
             </a:r>
           </a:p>
@@ -7320,8 +7671,12 @@
               </a:lnSpc>
             </a:pPr>
             <a:r>
-              <a:rPr lang="zh-CN" altLang="en-US"/>
-              <a:t>数据库管理系统代码错误</a:t>
+              <a:rPr lang="en-US" altLang="zh-CN" dirty="0"/>
+              <a:t>DBMS</a:t>
+            </a:r>
+            <a:r>
+              <a:rPr lang="zh-CN" altLang="en-US" dirty="0"/>
+              <a:t>代码错误</a:t>
             </a:r>
           </a:p>
           <a:p>
@@ -7331,7 +7686,7 @@
               </a:lnSpc>
             </a:pPr>
             <a:r>
-              <a:rPr lang="zh-CN" altLang="en-US"/>
+              <a:rPr lang="zh-CN" altLang="en-US" dirty="0"/>
               <a:t>系统断电</a:t>
             </a:r>
           </a:p>
@@ -7490,7 +7845,7 @@
               </a:spcBef>
             </a:pPr>
             <a:r>
-              <a:rPr lang="zh-CN" altLang="en-US" sz="2400"/>
+              <a:rPr lang="zh-CN" altLang="en-US" sz="2400" dirty="0"/>
               <a:t>介质故障</a:t>
             </a:r>
           </a:p>
@@ -7503,8 +7858,20 @@
               <a:buNone/>
             </a:pPr>
             <a:r>
-              <a:rPr lang="zh-CN" altLang="en-US"/>
-              <a:t>称为硬故障，指外存故障</a:t>
+              <a:rPr lang="zh-CN" altLang="en-US" dirty="0"/>
+              <a:t>称为</a:t>
+            </a:r>
+            <a:r>
+              <a:rPr lang="zh-CN" altLang="en-US" dirty="0">
+                <a:solidFill>
+                  <a:srgbClr val="FF0000"/>
+                </a:solidFill>
+              </a:rPr>
+              <a:t>硬故障</a:t>
+            </a:r>
+            <a:r>
+              <a:rPr lang="zh-CN" altLang="en-US" dirty="0"/>
+              <a:t>，指外存故障</a:t>
             </a:r>
           </a:p>
           <a:p>
@@ -7514,7 +7881,7 @@
               </a:spcBef>
             </a:pPr>
             <a:r>
-              <a:rPr lang="zh-CN" altLang="en-US" sz="2200"/>
+              <a:rPr lang="zh-CN" altLang="en-US" sz="2200" dirty="0"/>
               <a:t>磁盘损坏</a:t>
             </a:r>
           </a:p>
@@ -7525,7 +7892,7 @@
               </a:spcBef>
             </a:pPr>
             <a:r>
-              <a:rPr lang="zh-CN" altLang="en-US" sz="2200"/>
+              <a:rPr lang="zh-CN" altLang="en-US" sz="2200" dirty="0"/>
               <a:t>磁头碰撞</a:t>
             </a:r>
           </a:p>
@@ -7536,7 +7903,7 @@
               </a:spcBef>
             </a:pPr>
             <a:r>
-              <a:rPr lang="zh-CN" altLang="en-US" sz="2200"/>
+              <a:rPr lang="zh-CN" altLang="en-US" sz="2200" dirty="0"/>
               <a:t>瞬时强磁场干扰</a:t>
             </a:r>
           </a:p>
@@ -7547,8 +7914,8 @@
               </a:spcBef>
             </a:pPr>
             <a:r>
-              <a:rPr lang="zh-CN" altLang="en-US" sz="2400"/>
-              <a:t>介质故障破坏数据库或部分数据库，并影响正在存取这部分数据的所有事务 </a:t>
+              <a:rPr lang="zh-CN" altLang="en-US" sz="2400" dirty="0"/>
+              <a:t>介质故障破坏数据库，影响存取这部分数据的所有事务 </a:t>
             </a:r>
           </a:p>
           <a:p>
@@ -7558,10 +7925,22 @@
               </a:spcBef>
             </a:pPr>
             <a:r>
-              <a:rPr lang="zh-CN" altLang="en-US" sz="2400"/>
-              <a:t>介质故障比前两类故障的可能性小得多，但破坏性大得多</a:t>
-            </a:r>
-            <a:endParaRPr lang="zh-CN" altLang="en-US"/>
+              <a:rPr lang="zh-CN" altLang="en-US" sz="2400" dirty="0"/>
+              <a:t>介质故障比前两类故障的</a:t>
+            </a:r>
+            <a:r>
+              <a:rPr lang="zh-CN" altLang="en-US" sz="2400" dirty="0">
+                <a:highlight>
+                  <a:srgbClr val="FFFF00"/>
+                </a:highlight>
+              </a:rPr>
+              <a:t>可能性小得多，但破坏性大得多</a:t>
+            </a:r>
+            <a:endParaRPr lang="zh-CN" altLang="en-US" dirty="0">
+              <a:highlight>
+                <a:srgbClr val="FFFF00"/>
+              </a:highlight>
+            </a:endParaRPr>
           </a:p>
         </p:txBody>
       </p:sp>
@@ -7718,9 +8097,18 @@
               </a:lnSpc>
             </a:pPr>
             <a:r>
-              <a:rPr lang="zh-CN" altLang="en-US"/>
+              <a:rPr lang="zh-CN" altLang="en-US" dirty="0"/>
               <a:t>计算机病毒</a:t>
             </a:r>
+            <a:endParaRPr lang="en-US" altLang="zh-CN" dirty="0"/>
+          </a:p>
+          <a:p>
+            <a:pPr eaLnBrk="1" hangingPunct="1">
+              <a:lnSpc>
+                <a:spcPct val="120000"/>
+              </a:lnSpc>
+            </a:pPr>
+            <a:endParaRPr lang="zh-CN" altLang="en-US" dirty="0"/>
           </a:p>
           <a:p>
             <a:pPr lvl="1" eaLnBrk="1" hangingPunct="1">
@@ -7729,9 +8117,10 @@
               </a:lnSpc>
             </a:pPr>
             <a:r>
-              <a:rPr lang="zh-CN" altLang="en-US"/>
-              <a:t>一种人为的故障或破坏，是一些恶作剧者研制的一种计算机程序</a:t>
-            </a:r>
+              <a:rPr lang="zh-CN" altLang="en-US" dirty="0"/>
+              <a:t>人为的故障或破坏，一些恶作剧者研制的计算机程序</a:t>
+            </a:r>
+            <a:endParaRPr lang="en-US" altLang="zh-CN" dirty="0"/>
           </a:p>
           <a:p>
             <a:pPr lvl="1" eaLnBrk="1" hangingPunct="1">
@@ -7739,9 +8128,25 @@
                 <a:spcPct val="120000"/>
               </a:lnSpc>
             </a:pPr>
-            <a:r>
-              <a:rPr lang="zh-CN" altLang="en-US"/>
-              <a:t>可以繁殖和传播，造成对计算机系统包括数据库的危害</a:t>
+            <a:endParaRPr lang="zh-CN" altLang="en-US" dirty="0"/>
+          </a:p>
+          <a:p>
+            <a:pPr lvl="1" eaLnBrk="1" hangingPunct="1">
+              <a:lnSpc>
+                <a:spcPct val="120000"/>
+              </a:lnSpc>
+            </a:pPr>
+            <a:r>
+              <a:rPr lang="zh-CN" altLang="en-US" dirty="0"/>
+              <a:t>可以繁殖和传播，造成对计算机系统包括</a:t>
+            </a:r>
+            <a:r>
+              <a:rPr lang="en-US" altLang="zh-CN" dirty="0"/>
+              <a:t>DB</a:t>
+            </a:r>
+            <a:r>
+              <a:rPr lang="zh-CN" altLang="en-US" dirty="0"/>
+              <a:t>的危害</a:t>
             </a:r>
           </a:p>
           <a:p>
@@ -7750,14 +8155,14 @@
                 <a:spcPct val="120000"/>
               </a:lnSpc>
             </a:pPr>
-            <a:endParaRPr lang="zh-CN" altLang="en-US"/>
+            <a:endParaRPr lang="zh-CN" altLang="en-US" dirty="0"/>
           </a:p>
           <a:p>
             <a:pPr lvl="2" eaLnBrk="1" hangingPunct="1">
               <a:buFont typeface="Wingdings" panose="05000000000000000000" pitchFamily="2" charset="2"/>
               <a:buNone/>
             </a:pPr>
-            <a:endParaRPr lang="en-US" altLang="zh-CN"/>
+            <a:endParaRPr lang="en-US" altLang="zh-CN" dirty="0"/>
           </a:p>
         </p:txBody>
       </p:sp>
@@ -7910,30 +8315,34 @@
               </a:lnSpc>
             </a:pPr>
             <a:r>
-              <a:rPr lang="zh-CN" altLang="en-US"/>
+              <a:rPr lang="zh-CN" altLang="en-US" dirty="0"/>
               <a:t>恢复操作的基本原理：</a:t>
             </a:r>
             <a:r>
-              <a:rPr lang="zh-CN" altLang="en-US">
+              <a:rPr lang="zh-CN" altLang="en-US" dirty="0">
                 <a:solidFill>
                   <a:srgbClr val="FF00FF"/>
                 </a:solidFill>
+                <a:highlight>
+                  <a:srgbClr val="FFFF00"/>
+                </a:highlight>
               </a:rPr>
               <a:t>冗余</a:t>
             </a:r>
           </a:p>
           <a:p>
-            <a:pPr lvl="1" eaLnBrk="1" hangingPunct="1">
+            <a:pPr marL="457200" lvl="1" indent="0" eaLnBrk="1" hangingPunct="1">
               <a:lnSpc>
                 <a:spcPct val="160000"/>
               </a:lnSpc>
-            </a:pPr>
-            <a:r>
-              <a:rPr lang="zh-CN" altLang="en-US"/>
+              <a:buNone/>
+            </a:pPr>
+            <a:r>
+              <a:rPr lang="zh-CN" altLang="en-US" dirty="0"/>
               <a:t>利用存储在系统别处的</a:t>
             </a:r>
             <a:r>
-              <a:rPr lang="zh-CN" altLang="en-US">
+              <a:rPr lang="zh-CN" altLang="en-US" dirty="0">
                 <a:solidFill>
                   <a:srgbClr val="FF00FF"/>
                 </a:solidFill>
@@ -7941,11 +8350,11 @@
               <a:t>冗余数据</a:t>
             </a:r>
             <a:r>
-              <a:rPr lang="zh-CN" altLang="en-US"/>
+              <a:rPr lang="zh-CN" altLang="en-US" dirty="0"/>
               <a:t>来</a:t>
             </a:r>
             <a:r>
-              <a:rPr lang="zh-CN" altLang="en-US">
+              <a:rPr lang="zh-CN" altLang="en-US" dirty="0">
                 <a:solidFill>
                   <a:srgbClr val="FF00FF"/>
                 </a:solidFill>
@@ -7953,10 +8362,10 @@
               <a:t>重建</a:t>
             </a:r>
             <a:r>
-              <a:rPr lang="zh-CN" altLang="en-US"/>
+              <a:rPr lang="zh-CN" altLang="en-US" dirty="0"/>
               <a:t>数据库中已被破坏或不正确的那部分数据</a:t>
             </a:r>
-            <a:endParaRPr lang="en-US" altLang="zh-CN"/>
+            <a:endParaRPr lang="en-US" altLang="zh-CN" dirty="0"/>
           </a:p>
           <a:p>
             <a:pPr eaLnBrk="1" hangingPunct="1">
@@ -7965,36 +8374,37 @@
               </a:lnSpc>
             </a:pPr>
             <a:r>
-              <a:rPr lang="zh-CN" altLang="en-US"/>
+              <a:rPr lang="zh-CN" altLang="en-US" dirty="0"/>
               <a:t>恢复的实现技术：复杂</a:t>
             </a:r>
           </a:p>
           <a:p>
+            <a:pPr marL="457200" lvl="1" indent="0" eaLnBrk="1" hangingPunct="1">
+              <a:lnSpc>
+                <a:spcPct val="160000"/>
+              </a:lnSpc>
+              <a:buNone/>
+            </a:pPr>
+            <a:r>
+              <a:rPr lang="zh-CN" altLang="en-US" dirty="0"/>
+              <a:t>大型数据库恢复子系统的代码占全部代码的</a:t>
+            </a:r>
+            <a:r>
+              <a:rPr lang="en-US" altLang="zh-CN" dirty="0"/>
+              <a:t>10%</a:t>
+            </a:r>
+            <a:r>
+              <a:rPr lang="zh-CN" altLang="en-US" dirty="0"/>
+              <a:t>以上</a:t>
+            </a:r>
+          </a:p>
+          <a:p>
             <a:pPr lvl="1" eaLnBrk="1" hangingPunct="1">
               <a:lnSpc>
                 <a:spcPct val="160000"/>
               </a:lnSpc>
             </a:pPr>
-            <a:r>
-              <a:rPr lang="zh-CN" altLang="en-US"/>
-              <a:t>一个大型数据库产品，恢复子系统的代码要占全部代码的</a:t>
-            </a:r>
-            <a:r>
-              <a:rPr lang="en-US" altLang="zh-CN"/>
-              <a:t>10%</a:t>
-            </a:r>
-            <a:r>
-              <a:rPr lang="zh-CN" altLang="en-US"/>
-              <a:t>以上</a:t>
-            </a:r>
-          </a:p>
-          <a:p>
-            <a:pPr lvl="1" eaLnBrk="1" hangingPunct="1">
-              <a:lnSpc>
-                <a:spcPct val="160000"/>
-              </a:lnSpc>
-            </a:pPr>
-            <a:endParaRPr lang="zh-CN" altLang="en-US"/>
+            <a:endParaRPr lang="zh-CN" altLang="en-US" dirty="0"/>
           </a:p>
         </p:txBody>
       </p:sp>
@@ -8937,7 +9347,7 @@
               </a:lnSpc>
             </a:pPr>
             <a:r>
-              <a:rPr lang="zh-CN" altLang="en-US">
+              <a:rPr lang="zh-CN" altLang="en-US" dirty="0">
                 <a:solidFill>
                   <a:srgbClr val="0066FF"/>
                 </a:solidFill>
@@ -8945,15 +9355,15 @@
               <a:t>转储</a:t>
             </a:r>
             <a:r>
-              <a:rPr lang="zh-CN" altLang="en-US"/>
+              <a:rPr lang="zh-CN" altLang="en-US" dirty="0"/>
               <a:t>是指</a:t>
             </a:r>
             <a:r>
-              <a:rPr lang="en-US" altLang="zh-CN"/>
+              <a:rPr lang="en-US" altLang="zh-CN" dirty="0"/>
               <a:t>DBA</a:t>
             </a:r>
             <a:r>
-              <a:rPr lang="zh-CN" altLang="en-US"/>
+              <a:rPr lang="zh-CN" altLang="en-US" dirty="0"/>
               <a:t>定期地将整个数据库复制到磁带、磁盘或其他存储介质上保存起来的过程</a:t>
             </a:r>
           </a:p>
@@ -8963,7 +9373,7 @@
                 <a:spcPct val="120000"/>
               </a:lnSpc>
             </a:pPr>
-            <a:endParaRPr lang="zh-CN" altLang="en-US"/>
+            <a:endParaRPr lang="zh-CN" altLang="en-US" dirty="0"/>
           </a:p>
           <a:p>
             <a:pPr eaLnBrk="1" hangingPunct="1">
@@ -8972,11 +9382,11 @@
               </a:lnSpc>
             </a:pPr>
             <a:r>
-              <a:rPr lang="zh-CN" altLang="en-US"/>
+              <a:rPr lang="zh-CN" altLang="en-US" dirty="0"/>
               <a:t>备用的数据文本称为</a:t>
             </a:r>
             <a:r>
-              <a:rPr lang="zh-CN" altLang="en-US">
+              <a:rPr lang="zh-CN" altLang="en-US" dirty="0">
                 <a:solidFill>
                   <a:srgbClr val="FF00FF"/>
                 </a:solidFill>
@@ -8984,7 +9394,7 @@
               <a:t>后备副本</a:t>
             </a:r>
             <a:r>
-              <a:rPr lang="en-US" altLang="zh-CN">
+              <a:rPr lang="en-US" altLang="zh-CN" dirty="0">
                 <a:solidFill>
                   <a:srgbClr val="FF00FF"/>
                 </a:solidFill>
@@ -8992,11 +9402,11 @@
               <a:t>(backup)</a:t>
             </a:r>
             <a:r>
-              <a:rPr lang="zh-CN" altLang="en-US"/>
+              <a:rPr lang="zh-CN" altLang="en-US" dirty="0"/>
               <a:t>或</a:t>
             </a:r>
             <a:r>
-              <a:rPr lang="zh-CN" altLang="en-US">
+              <a:rPr lang="zh-CN" altLang="en-US" dirty="0">
                 <a:solidFill>
                   <a:srgbClr val="FF00FF"/>
                 </a:solidFill>
@@ -9141,8 +9551,8 @@
         </p:nvSpPr>
         <p:spPr>
           <a:xfrm>
-            <a:off x="457200" y="1196975"/>
-            <a:ext cx="8229600" cy="5127625"/>
+            <a:off x="457200" y="1988840"/>
+            <a:ext cx="8229600" cy="1943993"/>
           </a:xfrm>
         </p:spPr>
         <p:txBody>
@@ -9155,7 +9565,7 @@
               </a:lnSpc>
             </a:pPr>
             <a:r>
-              <a:rPr lang="zh-CN" altLang="en-US"/>
+              <a:rPr lang="zh-CN" altLang="en-US" sz="2000" dirty="0"/>
               <a:t>数据库遭到破坏后可以将后备副本重新装入</a:t>
             </a:r>
           </a:p>
@@ -9166,7 +9576,7 @@
               </a:lnSpc>
             </a:pPr>
             <a:r>
-              <a:rPr lang="zh-CN" altLang="en-US"/>
+              <a:rPr lang="zh-CN" altLang="en-US" sz="2000" dirty="0"/>
               <a:t>重装后备副本只能将数据库恢复到转储时的状态</a:t>
             </a:r>
           </a:p>
@@ -9177,8 +9587,8 @@
               </a:lnSpc>
             </a:pPr>
             <a:r>
-              <a:rPr lang="zh-CN" altLang="en-US"/>
-              <a:t>要想恢复到故障发生时的状态，必须重新运行自转储以后的所有更新事务</a:t>
+              <a:rPr lang="zh-CN" altLang="en-US" sz="2000" dirty="0"/>
+              <a:t>想恢复到故障发生时的状态，须重新运行自转储以后的所有更新事务</a:t>
             </a:r>
           </a:p>
           <a:p>
@@ -9189,7 +9599,7 @@
               <a:buFont typeface="Wingdings" panose="05000000000000000000" pitchFamily="2" charset="2"/>
               <a:buNone/>
             </a:pPr>
-            <a:endParaRPr lang="en-US" altLang="zh-CN" sz="2400"/>
+            <a:endParaRPr lang="en-US" altLang="zh-CN" sz="2400" dirty="0"/>
           </a:p>
         </p:txBody>
       </p:sp>
@@ -9332,30 +9742,34 @@
         </p:nvSpPr>
         <p:spPr>
           <a:xfrm>
-            <a:off x="282575" y="823913"/>
-            <a:ext cx="8466138" cy="5562600"/>
+            <a:off x="755575" y="823913"/>
+            <a:ext cx="7993137" cy="5562600"/>
           </a:xfrm>
         </p:spPr>
         <p:txBody>
           <a:bodyPr/>
           <a:lstStyle/>
           <a:p>
-            <a:pPr eaLnBrk="1" hangingPunct="1">
+            <a:pPr marL="0" indent="0" eaLnBrk="1" hangingPunct="1">
               <a:lnSpc>
                 <a:spcPct val="150000"/>
               </a:lnSpc>
-            </a:pPr>
-            <a:r>
-              <a:rPr lang="zh-CN" altLang="en-US">
-                <a:solidFill>
-                  <a:srgbClr val="0066FF"/>
-                </a:solidFill>
+              <a:buNone/>
+            </a:pPr>
+            <a:r>
+              <a:rPr lang="zh-CN" altLang="en-US" dirty="0">
+                <a:solidFill>
+                  <a:srgbClr val="FF0000"/>
+                </a:solidFill>
+                <a:highlight>
+                  <a:srgbClr val="FFFF00"/>
+                </a:highlight>
                 <a:sym typeface="宋体" panose="02010600030101010101" pitchFamily="2" charset="-122"/>
               </a:rPr>
               <a:t>事务</a:t>
             </a:r>
             <a:r>
-              <a:rPr lang="en-US" altLang="zh-CN">
+              <a:rPr lang="en-US" altLang="zh-CN" dirty="0">
                 <a:solidFill>
                   <a:srgbClr val="0066FF"/>
                 </a:solidFill>
@@ -9363,13 +9777,91 @@
               </a:rPr>
               <a:t>(Transaction)</a:t>
             </a:r>
-            <a:r>
-              <a:rPr lang="zh-CN" altLang="en-US">
+          </a:p>
+          <a:p>
+            <a:pPr marL="0" indent="0" eaLnBrk="1" hangingPunct="1">
+              <a:lnSpc>
+                <a:spcPct val="150000"/>
+              </a:lnSpc>
+              <a:buNone/>
+            </a:pPr>
+            <a:r>
+              <a:rPr lang="zh-CN" altLang="en-US" dirty="0">
                 <a:sym typeface="宋体" panose="02010600030101010101" pitchFamily="2" charset="-122"/>
               </a:rPr>
-              <a:t>是用户定义的一个数据库操作序列，这些操作要么全做，要么全不做，是一个不可分割的工作单位。</a:t>
-            </a:r>
-            <a:endParaRPr lang="zh-CN" altLang="en-US"/>
+              <a:t>是用户定义的一个</a:t>
+            </a:r>
+            <a:r>
+              <a:rPr lang="zh-CN" altLang="en-US" u="sng" dirty="0">
+                <a:sym typeface="宋体" panose="02010600030101010101" pitchFamily="2" charset="-122"/>
+              </a:rPr>
+              <a:t>数据库操作序列</a:t>
+            </a:r>
+            <a:r>
+              <a:rPr lang="zh-CN" altLang="en-US" dirty="0">
+                <a:sym typeface="宋体" panose="02010600030101010101" pitchFamily="2" charset="-122"/>
+              </a:rPr>
+              <a:t>，</a:t>
+            </a:r>
+            <a:endParaRPr lang="en-US" altLang="zh-CN" dirty="0">
+              <a:sym typeface="宋体" panose="02010600030101010101" pitchFamily="2" charset="-122"/>
+            </a:endParaRPr>
+          </a:p>
+          <a:p>
+            <a:pPr marL="0" indent="0" eaLnBrk="1" hangingPunct="1">
+              <a:lnSpc>
+                <a:spcPct val="150000"/>
+              </a:lnSpc>
+              <a:buNone/>
+            </a:pPr>
+            <a:r>
+              <a:rPr lang="zh-CN" altLang="en-US" dirty="0">
+                <a:sym typeface="宋体" panose="02010600030101010101" pitchFamily="2" charset="-122"/>
+              </a:rPr>
+              <a:t>这些操作</a:t>
+            </a:r>
+            <a:r>
+              <a:rPr lang="zh-CN" altLang="en-US" u="sng" dirty="0">
+                <a:sym typeface="宋体" panose="02010600030101010101" pitchFamily="2" charset="-122"/>
+              </a:rPr>
+              <a:t>要么全做、要么全不做</a:t>
+            </a:r>
+            <a:r>
+              <a:rPr lang="zh-CN" altLang="en-US" dirty="0">
+                <a:sym typeface="宋体" panose="02010600030101010101" pitchFamily="2" charset="-122"/>
+              </a:rPr>
+              <a:t>，</a:t>
+            </a:r>
+            <a:endParaRPr lang="en-US" altLang="zh-CN" dirty="0">
+              <a:sym typeface="宋体" panose="02010600030101010101" pitchFamily="2" charset="-122"/>
+            </a:endParaRPr>
+          </a:p>
+          <a:p>
+            <a:pPr marL="0" indent="0" eaLnBrk="1" hangingPunct="1">
+              <a:lnSpc>
+                <a:spcPct val="150000"/>
+              </a:lnSpc>
+              <a:buNone/>
+            </a:pPr>
+            <a:r>
+              <a:rPr lang="zh-CN" altLang="en-US" dirty="0">
+                <a:sym typeface="宋体" panose="02010600030101010101" pitchFamily="2" charset="-122"/>
+              </a:rPr>
+              <a:t>是一个</a:t>
+            </a:r>
+            <a:r>
+              <a:rPr lang="zh-CN" altLang="en-US" u="sng" dirty="0">
+                <a:sym typeface="宋体" panose="02010600030101010101" pitchFamily="2" charset="-122"/>
+              </a:rPr>
+              <a:t>不可分割的工作单位</a:t>
+            </a:r>
+            <a:r>
+              <a:rPr lang="zh-CN" altLang="en-US" dirty="0">
+                <a:sym typeface="宋体" panose="02010600030101010101" pitchFamily="2" charset="-122"/>
+              </a:rPr>
+              <a:t>。</a:t>
+            </a:r>
+            <a:endParaRPr lang="zh-CN" altLang="en-US" dirty="0"/>
           </a:p>
           <a:p>
             <a:pPr eaLnBrk="1" hangingPunct="1">
@@ -9377,7 +9869,7 @@
                 <a:spcPct val="90000"/>
               </a:lnSpc>
             </a:pPr>
-            <a:endParaRPr lang="zh-CN" altLang="en-US"/>
+            <a:endParaRPr lang="zh-CN" altLang="en-US" dirty="0"/>
           </a:p>
           <a:p>
             <a:pPr lvl="1" eaLnBrk="1" hangingPunct="1">
@@ -9386,12 +9878,12 @@
               </a:lnSpc>
             </a:pPr>
             <a:r>
-              <a:rPr lang="zh-CN" altLang="en-US" sz="1800">
+              <a:rPr lang="zh-CN" altLang="en-US" sz="1800" dirty="0">
                 <a:sym typeface="宋体" panose="02010600030101010101" pitchFamily="2" charset="-122"/>
               </a:rPr>
               <a:t>事务和程序是两个概念</a:t>
             </a:r>
-            <a:endParaRPr lang="zh-CN" altLang="en-US" sz="1800"/>
+            <a:endParaRPr lang="zh-CN" altLang="en-US" sz="1800" dirty="0"/>
           </a:p>
           <a:p>
             <a:pPr lvl="2" indent="-285750" eaLnBrk="1" hangingPunct="1">
@@ -9400,36 +9892,36 @@
               </a:lnSpc>
             </a:pPr>
             <a:r>
-              <a:rPr lang="zh-CN" altLang="en-US" sz="1800">
+              <a:rPr lang="zh-CN" altLang="en-US" sz="1800" dirty="0">
                 <a:sym typeface="宋体" panose="02010600030101010101" pitchFamily="2" charset="-122"/>
               </a:rPr>
-              <a:t>在关系数据库中，一个事务可以是一条</a:t>
-            </a:r>
-            <a:r>
-              <a:rPr lang="en-US" altLang="zh-CN" sz="1800">
+              <a:t>一个事务可以是一条</a:t>
+            </a:r>
+            <a:r>
+              <a:rPr lang="en-US" altLang="zh-CN" sz="1800" dirty="0">
                 <a:sym typeface="宋体" panose="02010600030101010101" pitchFamily="2" charset="-122"/>
               </a:rPr>
               <a:t>SQL</a:t>
             </a:r>
             <a:r>
-              <a:rPr lang="zh-CN" altLang="en-US" sz="1800">
+              <a:rPr lang="zh-CN" altLang="en-US" sz="1800" dirty="0">
                 <a:sym typeface="宋体" panose="02010600030101010101" pitchFamily="2" charset="-122"/>
               </a:rPr>
-              <a:t>语句，一组</a:t>
-            </a:r>
-            <a:r>
-              <a:rPr lang="en-US" altLang="zh-CN" sz="1800">
+              <a:t>语句、一组</a:t>
+            </a:r>
+            <a:r>
+              <a:rPr lang="en-US" altLang="zh-CN" sz="1800" dirty="0">
                 <a:sym typeface="宋体" panose="02010600030101010101" pitchFamily="2" charset="-122"/>
               </a:rPr>
               <a:t>SQL</a:t>
             </a:r>
             <a:r>
-              <a:rPr lang="zh-CN" altLang="en-US" sz="1800">
+              <a:rPr lang="zh-CN" altLang="en-US" sz="1800" dirty="0">
                 <a:sym typeface="宋体" panose="02010600030101010101" pitchFamily="2" charset="-122"/>
               </a:rPr>
-              <a:t>语句或整个程序</a:t>
-            </a:r>
-            <a:endParaRPr lang="zh-CN" altLang="en-US" sz="1800"/>
+              <a:t>语句</a:t>
+            </a:r>
+            <a:endParaRPr lang="zh-CN" altLang="en-US" sz="1800" dirty="0"/>
           </a:p>
           <a:p>
             <a:pPr lvl="2" indent="-285750" eaLnBrk="1" hangingPunct="1">
@@ -9438,12 +9930,12 @@
               </a:lnSpc>
             </a:pPr>
             <a:r>
-              <a:rPr lang="zh-CN" altLang="en-US" sz="1800">
+              <a:rPr lang="zh-CN" altLang="en-US" sz="1800" dirty="0">
                 <a:sym typeface="宋体" panose="02010600030101010101" pitchFamily="2" charset="-122"/>
               </a:rPr>
               <a:t>一个程序通常包含多个事务</a:t>
             </a:r>
-            <a:endParaRPr lang="zh-CN" altLang="en-US" sz="1800"/>
+            <a:endParaRPr lang="zh-CN" altLang="en-US" sz="1800" dirty="0"/>
           </a:p>
           <a:p>
             <a:pPr lvl="2" indent="-285750" eaLnBrk="1" hangingPunct="1">
@@ -9451,7 +9943,7 @@
                 <a:spcPct val="90000"/>
               </a:lnSpc>
             </a:pPr>
-            <a:endParaRPr lang="zh-CN" altLang="en-US" sz="1800"/>
+            <a:endParaRPr lang="zh-CN" altLang="en-US" sz="1800" dirty="0"/>
           </a:p>
           <a:p>
             <a:pPr lvl="1" eaLnBrk="1" hangingPunct="1">
@@ -9460,12 +9952,12 @@
               </a:lnSpc>
             </a:pPr>
             <a:r>
-              <a:rPr lang="zh-CN" altLang="en-US" sz="1800">
+              <a:rPr lang="zh-CN" altLang="en-US" sz="1800" dirty="0">
                 <a:sym typeface="宋体" panose="02010600030101010101" pitchFamily="2" charset="-122"/>
               </a:rPr>
               <a:t>事务是恢复和并发控制的基本单位</a:t>
             </a:r>
-            <a:endParaRPr lang="en-US" altLang="zh-CN" sz="1800"/>
+            <a:endParaRPr lang="en-US" altLang="zh-CN" sz="1800" dirty="0"/>
           </a:p>
         </p:txBody>
       </p:sp>
@@ -9602,7 +10094,7 @@
         </p:nvSpPr>
         <p:spPr bwMode="auto">
           <a:xfrm>
-            <a:off x="900113" y="1700213"/>
+            <a:off x="683568" y="255588"/>
             <a:ext cx="7467600" cy="3657600"/>
           </a:xfrm>
           <a:prstGeom prst="rect">
@@ -9905,364 +10397,185 @@
       </p:sp>
       <p:sp>
         <p:nvSpPr>
-          <p:cNvPr id="33796" name="Text Box 5">
+          <p:cNvPr id="2" name="矩形 1">
             <a:extLst>
               <a:ext uri="{FF2B5EF4-FFF2-40B4-BE49-F238E27FC236}">
-                <a16:creationId xmlns:a16="http://schemas.microsoft.com/office/drawing/2014/main" id="{457A08BE-E1F1-4DD5-A055-49A83D55F2AB}"/>
+                <a16:creationId xmlns:a16="http://schemas.microsoft.com/office/drawing/2014/main" id="{2A4E5F2D-ACE8-40EF-A326-2F8A169436CA}"/>
               </a:ext>
             </a:extLst>
           </p:cNvPr>
-          <p:cNvSpPr txBox="1">
-            <a:spLocks noChangeArrowheads="1"/>
-          </p:cNvSpPr>
+          <p:cNvSpPr/>
           <p:nvPr/>
         </p:nvSpPr>
-        <p:spPr bwMode="auto">
+        <p:spPr>
           <a:xfrm>
-            <a:off x="611188" y="1125538"/>
-            <a:ext cx="735012" cy="488950"/>
+            <a:off x="109028" y="4168772"/>
+            <a:ext cx="8616680" cy="1852880"/>
           </a:xfrm>
           <a:prstGeom prst="rect">
             <a:avLst/>
           </a:prstGeom>
-          <a:noFill/>
-          <a:ln>
-            <a:noFill/>
-          </a:ln>
-          <a:extLst>
-            <a:ext uri="{909E8E84-426E-40DD-AFC4-6F175D3DCCD1}">
-              <a14:hiddenFill xmlns:a14="http://schemas.microsoft.com/office/drawing/2010/main">
-                <a:solidFill>
-                  <a:srgbClr val="FFFFFF"/>
-                </a:solidFill>
-              </a14:hiddenFill>
-            </a:ext>
-            <a:ext uri="{91240B29-F687-4F45-9708-019B960494DF}">
-              <a14:hiddenLine xmlns:a14="http://schemas.microsoft.com/office/drawing/2010/main" w="9525">
-                <a:solidFill>
-                  <a:srgbClr val="000000"/>
-                </a:solidFill>
-                <a:miter lim="800000"/>
-                <a:headEnd/>
-                <a:tailEnd/>
-              </a14:hiddenLine>
-            </a:ext>
-          </a:extLst>
         </p:spPr>
         <p:txBody>
-          <a:bodyPr wrap="none">
+          <a:bodyPr wrap="square">
             <a:spAutoFit/>
           </a:bodyPr>
-          <a:lstStyle>
-            <a:lvl1pPr marL="342900" indent="-342900">
-              <a:defRPr>
-                <a:solidFill>
-                  <a:schemeClr val="tx1"/>
-                </a:solidFill>
-                <a:latin typeface="Arial" panose="020B0604020202020204" pitchFamily="34" charset="0"/>
-                <a:ea typeface="宋体" panose="02010600030101010101" pitchFamily="2" charset="-122"/>
-              </a:defRPr>
-            </a:lvl1pPr>
-            <a:lvl2pPr>
-              <a:defRPr>
-                <a:solidFill>
-                  <a:schemeClr val="tx1"/>
-                </a:solidFill>
-                <a:latin typeface="Arial" panose="020B0604020202020204" pitchFamily="34" charset="0"/>
-                <a:ea typeface="宋体" panose="02010600030101010101" pitchFamily="2" charset="-122"/>
-              </a:defRPr>
-            </a:lvl2pPr>
-            <a:lvl3pPr>
-              <a:defRPr>
-                <a:solidFill>
-                  <a:schemeClr val="tx1"/>
-                </a:solidFill>
-                <a:latin typeface="Arial" panose="020B0604020202020204" pitchFamily="34" charset="0"/>
-                <a:ea typeface="宋体" panose="02010600030101010101" pitchFamily="2" charset="-122"/>
-              </a:defRPr>
-            </a:lvl3pPr>
-            <a:lvl4pPr>
-              <a:defRPr>
-                <a:solidFill>
-                  <a:schemeClr val="tx1"/>
-                </a:solidFill>
-                <a:latin typeface="Arial" panose="020B0604020202020204" pitchFamily="34" charset="0"/>
-                <a:ea typeface="宋体" panose="02010600030101010101" pitchFamily="2" charset="-122"/>
-              </a:defRPr>
-            </a:lvl4pPr>
-            <a:lvl5pPr>
-              <a:defRPr>
-                <a:solidFill>
-                  <a:schemeClr val="tx1"/>
-                </a:solidFill>
-                <a:latin typeface="Arial" panose="020B0604020202020204" pitchFamily="34" charset="0"/>
-                <a:ea typeface="宋体" panose="02010600030101010101" pitchFamily="2" charset="-122"/>
-              </a:defRPr>
-            </a:lvl5pPr>
-            <a:lvl6pPr fontAlgn="base">
-              <a:spcBef>
-                <a:spcPct val="0"/>
-              </a:spcBef>
-              <a:spcAft>
-                <a:spcPct val="0"/>
-              </a:spcAft>
+          <a:lstStyle/>
+          <a:p>
+            <a:pPr marL="285750" indent="-285750" eaLnBrk="1" hangingPunct="1">
+              <a:lnSpc>
+                <a:spcPct val="130000"/>
+              </a:lnSpc>
               <a:buFont typeface="Arial" panose="020B0604020202020204" pitchFamily="34" charset="0"/>
-              <a:defRPr>
-                <a:solidFill>
-                  <a:schemeClr val="tx1"/>
-                </a:solidFill>
-                <a:latin typeface="Arial" panose="020B0604020202020204" pitchFamily="34" charset="0"/>
-                <a:ea typeface="宋体" panose="02010600030101010101" pitchFamily="2" charset="-122"/>
-              </a:defRPr>
-            </a:lvl6pPr>
-            <a:lvl7pPr fontAlgn="base">
-              <a:spcBef>
-                <a:spcPct val="0"/>
-              </a:spcBef>
-              <a:spcAft>
-                <a:spcPct val="0"/>
-              </a:spcAft>
+              <a:buChar char="•"/>
+            </a:pPr>
+            <a:r>
+              <a:rPr lang="zh-CN" altLang="en-US" dirty="0"/>
+              <a:t>系统在</a:t>
+            </a:r>
+            <a:r>
+              <a:rPr lang="en-US" altLang="zh-CN" i="1" dirty="0"/>
+              <a:t>T</a:t>
+            </a:r>
+            <a:r>
+              <a:rPr lang="en-US" altLang="zh-CN" baseline="-25000" dirty="0"/>
+              <a:t>a</a:t>
+            </a:r>
+            <a:r>
+              <a:rPr lang="zh-CN" altLang="en-US" dirty="0"/>
+              <a:t>时刻停止运行事务，进行数据库转储</a:t>
+            </a:r>
+          </a:p>
+          <a:p>
+            <a:pPr marL="285750" indent="-285750" eaLnBrk="1" hangingPunct="1">
+              <a:lnSpc>
+                <a:spcPct val="130000"/>
+              </a:lnSpc>
               <a:buFont typeface="Arial" panose="020B0604020202020204" pitchFamily="34" charset="0"/>
-              <a:defRPr>
-                <a:solidFill>
-                  <a:schemeClr val="tx1"/>
-                </a:solidFill>
-                <a:latin typeface="Arial" panose="020B0604020202020204" pitchFamily="34" charset="0"/>
-                <a:ea typeface="宋体" panose="02010600030101010101" pitchFamily="2" charset="-122"/>
-              </a:defRPr>
-            </a:lvl7pPr>
-            <a:lvl8pPr fontAlgn="base">
-              <a:spcBef>
-                <a:spcPct val="0"/>
-              </a:spcBef>
-              <a:spcAft>
-                <a:spcPct val="0"/>
-              </a:spcAft>
+              <a:buChar char="•"/>
+            </a:pPr>
+            <a:r>
+              <a:rPr lang="zh-CN" altLang="en-US" dirty="0"/>
+              <a:t>在</a:t>
+            </a:r>
+            <a:r>
+              <a:rPr lang="en-US" altLang="zh-CN" i="1" dirty="0"/>
+              <a:t>T</a:t>
+            </a:r>
+            <a:r>
+              <a:rPr lang="en-US" altLang="zh-CN" baseline="-25000" dirty="0"/>
+              <a:t>b</a:t>
+            </a:r>
+            <a:r>
+              <a:rPr lang="zh-CN" altLang="en-US" dirty="0"/>
+              <a:t>时刻转储完毕，得到</a:t>
+            </a:r>
+            <a:r>
+              <a:rPr lang="en-US" altLang="zh-CN" i="1" dirty="0"/>
+              <a:t>T</a:t>
+            </a:r>
+            <a:r>
+              <a:rPr lang="en-US" altLang="zh-CN" baseline="-25000" dirty="0"/>
+              <a:t>b</a:t>
+            </a:r>
+            <a:r>
+              <a:rPr lang="zh-CN" altLang="en-US" dirty="0"/>
+              <a:t>时刻的数据库一致性副本</a:t>
+            </a:r>
+          </a:p>
+          <a:p>
+            <a:pPr marL="285750" indent="-285750" eaLnBrk="1" hangingPunct="1">
+              <a:lnSpc>
+                <a:spcPct val="130000"/>
+              </a:lnSpc>
               <a:buFont typeface="Arial" panose="020B0604020202020204" pitchFamily="34" charset="0"/>
-              <a:defRPr>
-                <a:solidFill>
-                  <a:schemeClr val="tx1"/>
-                </a:solidFill>
-                <a:latin typeface="Arial" panose="020B0604020202020204" pitchFamily="34" charset="0"/>
-                <a:ea typeface="宋体" panose="02010600030101010101" pitchFamily="2" charset="-122"/>
-              </a:defRPr>
-            </a:lvl8pPr>
-            <a:lvl9pPr fontAlgn="base">
-              <a:spcBef>
-                <a:spcPct val="0"/>
-              </a:spcBef>
-              <a:spcAft>
-                <a:spcPct val="0"/>
-              </a:spcAft>
+              <a:buChar char="•"/>
+            </a:pPr>
+            <a:r>
+              <a:rPr lang="zh-CN" altLang="en-US" dirty="0"/>
+              <a:t>系统运行到</a:t>
+            </a:r>
+            <a:r>
+              <a:rPr lang="en-US" altLang="zh-CN" i="1" dirty="0" err="1"/>
+              <a:t>T</a:t>
+            </a:r>
+            <a:r>
+              <a:rPr lang="en-US" altLang="zh-CN" baseline="-25000" dirty="0" err="1"/>
+              <a:t>f</a:t>
+            </a:r>
+            <a:r>
+              <a:rPr lang="zh-CN" altLang="en-US" dirty="0"/>
+              <a:t>时刻发生故障</a:t>
+            </a:r>
+          </a:p>
+          <a:p>
+            <a:pPr marL="285750" indent="-285750" eaLnBrk="1" hangingPunct="1">
+              <a:lnSpc>
+                <a:spcPct val="130000"/>
+              </a:lnSpc>
               <a:buFont typeface="Arial" panose="020B0604020202020204" pitchFamily="34" charset="0"/>
-              <a:defRPr>
-                <a:solidFill>
-                  <a:schemeClr val="tx1"/>
-                </a:solidFill>
-                <a:latin typeface="Arial" panose="020B0604020202020204" pitchFamily="34" charset="0"/>
-                <a:ea typeface="宋体" panose="02010600030101010101" pitchFamily="2" charset="-122"/>
-              </a:defRPr>
-            </a:lvl9pPr>
-          </a:lstStyle>
-          <a:p>
-            <a:pPr algn="ctr">
-              <a:buSzPct val="100000"/>
-              <a:buFont typeface="Wingdings" panose="05000000000000000000" pitchFamily="2" charset="2"/>
-              <a:buNone/>
-            </a:pPr>
-            <a:r>
-              <a:rPr lang="en-US" altLang="zh-CN" sz="2600" b="1">
-                <a:latin typeface="Times New Roman" panose="02020603050405020304" pitchFamily="18" charset="0"/>
-              </a:rPr>
-              <a:t>[</a:t>
-            </a:r>
-            <a:r>
-              <a:rPr lang="zh-CN" altLang="en-US" sz="2600" b="1">
-                <a:latin typeface="Times New Roman" panose="02020603050405020304" pitchFamily="18" charset="0"/>
-              </a:rPr>
-              <a:t>例</a:t>
-            </a:r>
-            <a:r>
-              <a:rPr lang="en-US" altLang="zh-CN" sz="2600" b="1">
-                <a:latin typeface="Times New Roman" panose="02020603050405020304" pitchFamily="18" charset="0"/>
-              </a:rPr>
-              <a:t>]</a:t>
-            </a:r>
-          </a:p>
-        </p:txBody>
-      </p:sp>
-      <p:sp>
-        <p:nvSpPr>
-          <p:cNvPr id="33797" name="Text Box 6">
-            <a:extLst>
-              <a:ext uri="{FF2B5EF4-FFF2-40B4-BE49-F238E27FC236}">
-                <a16:creationId xmlns:a16="http://schemas.microsoft.com/office/drawing/2014/main" id="{F71811CC-C3B7-4DC1-8F77-C1C682E62B42}"/>
-              </a:ext>
-            </a:extLst>
-          </p:cNvPr>
-          <p:cNvSpPr txBox="1">
-            <a:spLocks noChangeArrowheads="1"/>
-          </p:cNvSpPr>
-          <p:nvPr/>
-        </p:nvSpPr>
-        <p:spPr bwMode="auto">
-          <a:xfrm>
-            <a:off x="3421063" y="5878513"/>
-            <a:ext cx="1335087" cy="366712"/>
-          </a:xfrm>
-          <a:prstGeom prst="rect">
-            <a:avLst/>
-          </a:prstGeom>
-          <a:noFill/>
-          <a:ln>
-            <a:noFill/>
-          </a:ln>
-          <a:extLst>
-            <a:ext uri="{909E8E84-426E-40DD-AFC4-6F175D3DCCD1}">
-              <a14:hiddenFill xmlns:a14="http://schemas.microsoft.com/office/drawing/2010/main">
-                <a:solidFill>
-                  <a:srgbClr val="FFFFFF"/>
-                </a:solidFill>
-              </a14:hiddenFill>
-            </a:ext>
-            <a:ext uri="{91240B29-F687-4F45-9708-019B960494DF}">
-              <a14:hiddenLine xmlns:a14="http://schemas.microsoft.com/office/drawing/2010/main" w="9525">
-                <a:solidFill>
-                  <a:srgbClr val="000000"/>
-                </a:solidFill>
-                <a:miter lim="800000"/>
-                <a:headEnd/>
-                <a:tailEnd/>
-              </a14:hiddenLine>
-            </a:ext>
-          </a:extLst>
-        </p:spPr>
-        <p:txBody>
-          <a:bodyPr wrap="none">
-            <a:spAutoFit/>
-          </a:bodyPr>
-          <a:lstStyle>
-            <a:lvl1pPr marL="342900" indent="-342900">
-              <a:defRPr>
-                <a:solidFill>
-                  <a:schemeClr val="tx1"/>
-                </a:solidFill>
-                <a:latin typeface="Arial" panose="020B0604020202020204" pitchFamily="34" charset="0"/>
-                <a:ea typeface="宋体" panose="02010600030101010101" pitchFamily="2" charset="-122"/>
-              </a:defRPr>
-            </a:lvl1pPr>
-            <a:lvl2pPr>
-              <a:defRPr>
-                <a:solidFill>
-                  <a:schemeClr val="tx1"/>
-                </a:solidFill>
-                <a:latin typeface="Arial" panose="020B0604020202020204" pitchFamily="34" charset="0"/>
-                <a:ea typeface="宋体" panose="02010600030101010101" pitchFamily="2" charset="-122"/>
-              </a:defRPr>
-            </a:lvl2pPr>
-            <a:lvl3pPr>
-              <a:defRPr>
-                <a:solidFill>
-                  <a:schemeClr val="tx1"/>
-                </a:solidFill>
-                <a:latin typeface="Arial" panose="020B0604020202020204" pitchFamily="34" charset="0"/>
-                <a:ea typeface="宋体" panose="02010600030101010101" pitchFamily="2" charset="-122"/>
-              </a:defRPr>
-            </a:lvl3pPr>
-            <a:lvl4pPr>
-              <a:defRPr>
-                <a:solidFill>
-                  <a:schemeClr val="tx1"/>
-                </a:solidFill>
-                <a:latin typeface="Arial" panose="020B0604020202020204" pitchFamily="34" charset="0"/>
-                <a:ea typeface="宋体" panose="02010600030101010101" pitchFamily="2" charset="-122"/>
-              </a:defRPr>
-            </a:lvl4pPr>
-            <a:lvl5pPr>
-              <a:defRPr>
-                <a:solidFill>
-                  <a:schemeClr val="tx1"/>
-                </a:solidFill>
-                <a:latin typeface="Arial" panose="020B0604020202020204" pitchFamily="34" charset="0"/>
-                <a:ea typeface="宋体" panose="02010600030101010101" pitchFamily="2" charset="-122"/>
-              </a:defRPr>
-            </a:lvl5pPr>
-            <a:lvl6pPr fontAlgn="base">
-              <a:spcBef>
-                <a:spcPct val="0"/>
-              </a:spcBef>
-              <a:spcAft>
-                <a:spcPct val="0"/>
-              </a:spcAft>
+              <a:buChar char="•"/>
+            </a:pPr>
+            <a:r>
+              <a:rPr lang="zh-CN" altLang="en-US" dirty="0"/>
+              <a:t>为恢复数据库，首先由</a:t>
+            </a:r>
+            <a:r>
+              <a:rPr lang="en-US" altLang="zh-CN" dirty="0"/>
+              <a:t>DBA</a:t>
+            </a:r>
+            <a:r>
+              <a:rPr lang="zh-CN" altLang="en-US" dirty="0"/>
+              <a:t>重装数据库后备副本，将数据库恢复至</a:t>
+            </a:r>
+            <a:r>
+              <a:rPr lang="en-US" altLang="zh-CN" i="1" dirty="0"/>
+              <a:t>T</a:t>
+            </a:r>
+            <a:r>
+              <a:rPr lang="en-US" altLang="zh-CN" baseline="-25000" dirty="0"/>
+              <a:t>b</a:t>
+            </a:r>
+            <a:r>
+              <a:rPr lang="zh-CN" altLang="en-US" dirty="0"/>
+              <a:t>时刻的状态</a:t>
+            </a:r>
+          </a:p>
+          <a:p>
+            <a:pPr marL="285750" indent="-285750" eaLnBrk="1" hangingPunct="1">
+              <a:lnSpc>
+                <a:spcPct val="130000"/>
+              </a:lnSpc>
               <a:buFont typeface="Arial" panose="020B0604020202020204" pitchFamily="34" charset="0"/>
-              <a:defRPr>
-                <a:solidFill>
-                  <a:schemeClr val="tx1"/>
-                </a:solidFill>
-                <a:latin typeface="Arial" panose="020B0604020202020204" pitchFamily="34" charset="0"/>
-                <a:ea typeface="宋体" panose="02010600030101010101" pitchFamily="2" charset="-122"/>
-              </a:defRPr>
-            </a:lvl6pPr>
-            <a:lvl7pPr fontAlgn="base">
-              <a:spcBef>
-                <a:spcPct val="0"/>
-              </a:spcBef>
-              <a:spcAft>
-                <a:spcPct val="0"/>
-              </a:spcAft>
-              <a:buFont typeface="Arial" panose="020B0604020202020204" pitchFamily="34" charset="0"/>
-              <a:defRPr>
-                <a:solidFill>
-                  <a:schemeClr val="tx1"/>
-                </a:solidFill>
-                <a:latin typeface="Arial" panose="020B0604020202020204" pitchFamily="34" charset="0"/>
-                <a:ea typeface="宋体" panose="02010600030101010101" pitchFamily="2" charset="-122"/>
-              </a:defRPr>
-            </a:lvl7pPr>
-            <a:lvl8pPr fontAlgn="base">
-              <a:spcBef>
-                <a:spcPct val="0"/>
-              </a:spcBef>
-              <a:spcAft>
-                <a:spcPct val="0"/>
-              </a:spcAft>
-              <a:buFont typeface="Arial" panose="020B0604020202020204" pitchFamily="34" charset="0"/>
-              <a:defRPr>
-                <a:solidFill>
-                  <a:schemeClr val="tx1"/>
-                </a:solidFill>
-                <a:latin typeface="Arial" panose="020B0604020202020204" pitchFamily="34" charset="0"/>
-                <a:ea typeface="宋体" panose="02010600030101010101" pitchFamily="2" charset="-122"/>
-              </a:defRPr>
-            </a:lvl8pPr>
-            <a:lvl9pPr fontAlgn="base">
-              <a:spcBef>
-                <a:spcPct val="0"/>
-              </a:spcBef>
-              <a:spcAft>
-                <a:spcPct val="0"/>
-              </a:spcAft>
-              <a:buFont typeface="Arial" panose="020B0604020202020204" pitchFamily="34" charset="0"/>
-              <a:defRPr>
-                <a:solidFill>
-                  <a:schemeClr val="tx1"/>
-                </a:solidFill>
-                <a:latin typeface="Arial" panose="020B0604020202020204" pitchFamily="34" charset="0"/>
-                <a:ea typeface="宋体" panose="02010600030101010101" pitchFamily="2" charset="-122"/>
-              </a:defRPr>
-            </a:lvl9pPr>
-          </a:lstStyle>
-          <a:p>
-            <a:pPr algn="ctr">
-              <a:buSzPct val="100000"/>
-              <a:buFont typeface="Wingdings" panose="05000000000000000000" pitchFamily="2" charset="2"/>
-              <a:buNone/>
-            </a:pPr>
-            <a:r>
-              <a:rPr lang="zh-CN" altLang="en-US" b="1">
-                <a:latin typeface="Times New Roman" panose="02020603050405020304" pitchFamily="18" charset="0"/>
-              </a:rPr>
-              <a:t>转储和恢复</a:t>
+              <a:buChar char="•"/>
+            </a:pPr>
+            <a:r>
+              <a:rPr lang="zh-CN" altLang="en-US" dirty="0"/>
+              <a:t>重新运行自</a:t>
+            </a:r>
+            <a:r>
+              <a:rPr lang="en-US" altLang="zh-CN" i="1" dirty="0"/>
+              <a:t>T</a:t>
+            </a:r>
+            <a:r>
+              <a:rPr lang="en-US" altLang="zh-CN" baseline="-25000" dirty="0"/>
+              <a:t>b</a:t>
+            </a:r>
+            <a:r>
+              <a:rPr lang="zh-CN" altLang="en-US" dirty="0"/>
+              <a:t>～</a:t>
+            </a:r>
+            <a:r>
+              <a:rPr lang="en-US" altLang="zh-CN" i="1" dirty="0" err="1"/>
+              <a:t>T</a:t>
+            </a:r>
+            <a:r>
+              <a:rPr lang="en-US" altLang="zh-CN" baseline="-25000" dirty="0" err="1"/>
+              <a:t>f</a:t>
+            </a:r>
+            <a:r>
+              <a:rPr lang="zh-CN" altLang="en-US" dirty="0"/>
+              <a:t>时刻的所有更新事务，把数据库恢复到故障发生前的一致状态</a:t>
             </a:r>
           </a:p>
         </p:txBody>
@@ -10276,303 +10589,6 @@
 </file>
 
 <file path=ppt/slides/slide31.xml><?xml version="1.0" encoding="utf-8"?>
-<p:sld xmlns:a="http://schemas.openxmlformats.org/drawingml/2006/main" xmlns:r="http://schemas.openxmlformats.org/officeDocument/2006/relationships" xmlns:p="http://schemas.openxmlformats.org/presentationml/2006/main" show="0">
-  <p:cSld>
-    <p:spTree>
-      <p:nvGrpSpPr>
-        <p:cNvPr id="1" name=""/>
-        <p:cNvGrpSpPr/>
-        <p:nvPr/>
-      </p:nvGrpSpPr>
-      <p:grpSpPr>
-        <a:xfrm>
-          <a:off x="0" y="0"/>
-          <a:ext cx="0" cy="0"/>
-          <a:chOff x="0" y="0"/>
-          <a:chExt cx="0" cy="0"/>
-        </a:xfrm>
-      </p:grpSpPr>
-      <p:sp>
-        <p:nvSpPr>
-          <p:cNvPr id="34817" name="页脚占位符 4">
-            <a:extLst>
-              <a:ext uri="{FF2B5EF4-FFF2-40B4-BE49-F238E27FC236}">
-                <a16:creationId xmlns:a16="http://schemas.microsoft.com/office/drawing/2014/main" id="{1B30C42C-8F10-4411-8D0F-EE4282F88350}"/>
-              </a:ext>
-            </a:extLst>
-          </p:cNvPr>
-          <p:cNvSpPr txBox="1">
-            <a:spLocks noGrp="1" noChangeArrowheads="1"/>
-          </p:cNvSpPr>
-          <p:nvPr/>
-        </p:nvSpPr>
-        <p:spPr bwMode="auto">
-          <a:xfrm>
-            <a:off x="5219700" y="6381750"/>
-            <a:ext cx="3600450" cy="320675"/>
-          </a:xfrm>
-          <a:prstGeom prst="rect">
-            <a:avLst/>
-          </a:prstGeom>
-          <a:noFill/>
-          <a:ln>
-            <a:noFill/>
-          </a:ln>
-          <a:extLst>
-            <a:ext uri="{909E8E84-426E-40DD-AFC4-6F175D3DCCD1}">
-              <a14:hiddenFill xmlns:a14="http://schemas.microsoft.com/office/drawing/2010/main">
-                <a:solidFill>
-                  <a:srgbClr val="FFFFFF"/>
-                </a:solidFill>
-              </a14:hiddenFill>
-            </a:ext>
-            <a:ext uri="{91240B29-F687-4F45-9708-019B960494DF}">
-              <a14:hiddenLine xmlns:a14="http://schemas.microsoft.com/office/drawing/2010/main" w="9525">
-                <a:solidFill>
-                  <a:srgbClr val="000000"/>
-                </a:solidFill>
-                <a:miter lim="800000"/>
-                <a:headEnd/>
-                <a:tailEnd/>
-              </a14:hiddenLine>
-            </a:ext>
-          </a:extLst>
-        </p:spPr>
-        <p:txBody>
-          <a:bodyPr/>
-          <a:lstStyle/>
-          <a:p>
-            <a:endParaRPr lang="en-US" altLang="zh-CN" sz="1400">
-              <a:solidFill>
-                <a:srgbClr val="F03628"/>
-              </a:solidFill>
-            </a:endParaRPr>
-          </a:p>
-        </p:txBody>
-      </p:sp>
-      <p:sp>
-        <p:nvSpPr>
-          <p:cNvPr id="34818" name="Rectangle 2">
-            <a:extLst>
-              <a:ext uri="{FF2B5EF4-FFF2-40B4-BE49-F238E27FC236}">
-                <a16:creationId xmlns:a16="http://schemas.microsoft.com/office/drawing/2014/main" id="{6F56EB99-C173-4393-BEF0-1677E7ED5C8C}"/>
-              </a:ext>
-            </a:extLst>
-          </p:cNvPr>
-          <p:cNvSpPr>
-            <a:spLocks noGrp="1" noChangeArrowheads="1"/>
-          </p:cNvSpPr>
-          <p:nvPr>
-            <p:ph type="title" idx="4294967295"/>
-          </p:nvPr>
-        </p:nvSpPr>
-        <p:spPr>
-          <a:xfrm>
-            <a:off x="914400" y="255588"/>
-            <a:ext cx="7391400" cy="563562"/>
-          </a:xfrm>
-        </p:spPr>
-        <p:txBody>
-          <a:bodyPr/>
-          <a:lstStyle/>
-          <a:p>
-            <a:pPr eaLnBrk="1" hangingPunct="1"/>
-            <a:r>
-              <a:rPr lang="zh-CN" altLang="en-US" sz="3600"/>
-              <a:t>数据转储（续）</a:t>
-            </a:r>
-          </a:p>
-        </p:txBody>
-      </p:sp>
-      <p:sp>
-        <p:nvSpPr>
-          <p:cNvPr id="34819" name="Rectangle 3">
-            <a:extLst>
-              <a:ext uri="{FF2B5EF4-FFF2-40B4-BE49-F238E27FC236}">
-                <a16:creationId xmlns:a16="http://schemas.microsoft.com/office/drawing/2014/main" id="{F9FA34CA-FCAC-4636-A3DA-840E6239D280}"/>
-              </a:ext>
-            </a:extLst>
-          </p:cNvPr>
-          <p:cNvSpPr>
-            <a:spLocks noGrp="1" noChangeArrowheads="1"/>
-          </p:cNvSpPr>
-          <p:nvPr>
-            <p:ph type="body" idx="4294967295"/>
-          </p:nvPr>
-        </p:nvSpPr>
-        <p:spPr>
-          <a:xfrm>
-            <a:off x="457200" y="1196975"/>
-            <a:ext cx="8229600" cy="4840288"/>
-          </a:xfrm>
-        </p:spPr>
-        <p:txBody>
-          <a:bodyPr/>
-          <a:lstStyle/>
-          <a:p>
-            <a:pPr eaLnBrk="1" hangingPunct="1">
-              <a:lnSpc>
-                <a:spcPct val="130000"/>
-              </a:lnSpc>
-              <a:buFont typeface="Wingdings" panose="05000000000000000000" pitchFamily="2" charset="2"/>
-              <a:buNone/>
-            </a:pPr>
-            <a:r>
-              <a:rPr lang="zh-CN" altLang="en-US" sz="2400"/>
-              <a:t>上图中：</a:t>
-            </a:r>
-          </a:p>
-          <a:p>
-            <a:pPr eaLnBrk="1" hangingPunct="1">
-              <a:lnSpc>
-                <a:spcPct val="130000"/>
-              </a:lnSpc>
-            </a:pPr>
-            <a:r>
-              <a:rPr lang="zh-CN" altLang="en-US" sz="2400"/>
-              <a:t>系统在</a:t>
-            </a:r>
-            <a:r>
-              <a:rPr lang="en-US" altLang="zh-CN" sz="2400" i="1"/>
-              <a:t>T</a:t>
-            </a:r>
-            <a:r>
-              <a:rPr lang="en-US" altLang="zh-CN" sz="2400" baseline="-25000"/>
-              <a:t>a</a:t>
-            </a:r>
-            <a:r>
-              <a:rPr lang="zh-CN" altLang="en-US" sz="2400"/>
-              <a:t>时刻停止运行事务，进行数据库转储</a:t>
-            </a:r>
-          </a:p>
-          <a:p>
-            <a:pPr eaLnBrk="1" hangingPunct="1">
-              <a:lnSpc>
-                <a:spcPct val="130000"/>
-              </a:lnSpc>
-            </a:pPr>
-            <a:r>
-              <a:rPr lang="zh-CN" altLang="en-US" sz="2400"/>
-              <a:t>在</a:t>
-            </a:r>
-            <a:r>
-              <a:rPr lang="en-US" altLang="zh-CN" sz="2400" i="1"/>
-              <a:t>T</a:t>
-            </a:r>
-            <a:r>
-              <a:rPr lang="en-US" altLang="zh-CN" sz="2400" baseline="-25000"/>
-              <a:t>b</a:t>
-            </a:r>
-            <a:r>
-              <a:rPr lang="zh-CN" altLang="en-US" sz="2400"/>
-              <a:t>时刻转储完毕，得到</a:t>
-            </a:r>
-            <a:r>
-              <a:rPr lang="en-US" altLang="zh-CN" sz="2400" i="1"/>
-              <a:t>T</a:t>
-            </a:r>
-            <a:r>
-              <a:rPr lang="en-US" altLang="zh-CN" sz="2400" baseline="-25000"/>
-              <a:t>b</a:t>
-            </a:r>
-            <a:r>
-              <a:rPr lang="zh-CN" altLang="en-US" sz="2400"/>
-              <a:t>时刻的数据库一致性副本</a:t>
-            </a:r>
-          </a:p>
-          <a:p>
-            <a:pPr eaLnBrk="1" hangingPunct="1">
-              <a:lnSpc>
-                <a:spcPct val="130000"/>
-              </a:lnSpc>
-            </a:pPr>
-            <a:r>
-              <a:rPr lang="zh-CN" altLang="en-US" sz="2400"/>
-              <a:t>系统运行到</a:t>
-            </a:r>
-            <a:r>
-              <a:rPr lang="en-US" altLang="zh-CN" sz="2400" i="1"/>
-              <a:t>T</a:t>
-            </a:r>
-            <a:r>
-              <a:rPr lang="en-US" altLang="zh-CN" sz="2400" baseline="-25000"/>
-              <a:t>f</a:t>
-            </a:r>
-            <a:r>
-              <a:rPr lang="zh-CN" altLang="en-US" sz="2400"/>
-              <a:t>时刻发生故障</a:t>
-            </a:r>
-          </a:p>
-          <a:p>
-            <a:pPr eaLnBrk="1" hangingPunct="1">
-              <a:lnSpc>
-                <a:spcPct val="130000"/>
-              </a:lnSpc>
-            </a:pPr>
-            <a:r>
-              <a:rPr lang="zh-CN" altLang="en-US" sz="2400"/>
-              <a:t>为恢复数据库，首先由数据库管理员重装数据库后备副本，将数据库恢复至</a:t>
-            </a:r>
-            <a:r>
-              <a:rPr lang="en-US" altLang="zh-CN" sz="2400" i="1"/>
-              <a:t>T</a:t>
-            </a:r>
-            <a:r>
-              <a:rPr lang="en-US" altLang="zh-CN" sz="2400" baseline="-25000"/>
-              <a:t>b</a:t>
-            </a:r>
-            <a:r>
-              <a:rPr lang="zh-CN" altLang="en-US" sz="2400"/>
-              <a:t>时刻的状态</a:t>
-            </a:r>
-          </a:p>
-          <a:p>
-            <a:pPr eaLnBrk="1" hangingPunct="1">
-              <a:lnSpc>
-                <a:spcPct val="130000"/>
-              </a:lnSpc>
-            </a:pPr>
-            <a:r>
-              <a:rPr lang="zh-CN" altLang="en-US" sz="2400"/>
-              <a:t>重新运行自</a:t>
-            </a:r>
-            <a:r>
-              <a:rPr lang="en-US" altLang="zh-CN" sz="2400" i="1"/>
-              <a:t>T</a:t>
-            </a:r>
-            <a:r>
-              <a:rPr lang="en-US" altLang="zh-CN" sz="2400" baseline="-25000"/>
-              <a:t>b</a:t>
-            </a:r>
-            <a:r>
-              <a:rPr lang="zh-CN" altLang="en-US" sz="2400"/>
-              <a:t>～</a:t>
-            </a:r>
-            <a:r>
-              <a:rPr lang="en-US" altLang="zh-CN" sz="2400" i="1"/>
-              <a:t>T</a:t>
-            </a:r>
-            <a:r>
-              <a:rPr lang="en-US" altLang="zh-CN" sz="2400" baseline="-25000"/>
-              <a:t>f</a:t>
-            </a:r>
-            <a:r>
-              <a:rPr lang="zh-CN" altLang="en-US" sz="2400"/>
-              <a:t>时刻的所有更新事务，把数据库恢复到故障发生前的一致状态</a:t>
-            </a:r>
-          </a:p>
-        </p:txBody>
-      </p:sp>
-    </p:spTree>
-  </p:cSld>
-  <p:clrMapOvr>
-    <a:masterClrMapping/>
-  </p:clrMapOvr>
-  <p:transition/>
-</p:sld>
-</file>
-
-<file path=ppt/slides/slide32.xml><?xml version="1.0" encoding="utf-8"?>
 <p:sld xmlns:a="http://schemas.openxmlformats.org/drawingml/2006/main" xmlns:r="http://schemas.openxmlformats.org/officeDocument/2006/relationships" xmlns:p="http://schemas.openxmlformats.org/presentationml/2006/main">
   <p:cSld>
     <p:spTree>
@@ -10783,7 +10799,7 @@
 </p:sld>
 </file>
 
-<file path=ppt/slides/slide33.xml><?xml version="1.0" encoding="utf-8"?>
+<file path=ppt/slides/slide32.xml><?xml version="1.0" encoding="utf-8"?>
 <p:sld xmlns:a="http://schemas.openxmlformats.org/drawingml/2006/main" xmlns:r="http://schemas.openxmlformats.org/officeDocument/2006/relationships" xmlns:p="http://schemas.openxmlformats.org/presentationml/2006/main">
   <p:cSld>
     <p:spTree>
@@ -11048,7 +11064,7 @@
 </p:sld>
 </file>
 
-<file path=ppt/slides/slide34.xml><?xml version="1.0" encoding="utf-8"?>
+<file path=ppt/slides/slide33.xml><?xml version="1.0" encoding="utf-8"?>
 <p:sld xmlns:a="http://schemas.openxmlformats.org/drawingml/2006/main" xmlns:r="http://schemas.openxmlformats.org/officeDocument/2006/relationships" xmlns:p="http://schemas.openxmlformats.org/presentationml/2006/main">
   <p:cSld>
     <p:spTree>
@@ -11434,7 +11450,7 @@
 </p:sld>
 </file>
 
-<file path=ppt/slides/slide35.xml><?xml version="1.0" encoding="utf-8"?>
+<file path=ppt/slides/slide34.xml><?xml version="1.0" encoding="utf-8"?>
 <p:sld xmlns:a="http://schemas.openxmlformats.org/drawingml/2006/main" xmlns:r="http://schemas.openxmlformats.org/officeDocument/2006/relationships" xmlns:p="http://schemas.openxmlformats.org/presentationml/2006/main">
   <p:cSld>
     <p:spTree>
@@ -11620,7 +11636,7 @@
 </p:sld>
 </file>
 
-<file path=ppt/slides/slide36.xml><?xml version="1.0" encoding="utf-8"?>
+<file path=ppt/slides/slide35.xml><?xml version="1.0" encoding="utf-8"?>
 <p:sld xmlns:a="http://schemas.openxmlformats.org/drawingml/2006/main" xmlns:r="http://schemas.openxmlformats.org/officeDocument/2006/relationships" xmlns:p="http://schemas.openxmlformats.org/presentationml/2006/main">
   <p:cSld>
     <p:spTree>
@@ -11756,7 +11772,7 @@
         <p:spPr>
           <a:xfrm>
             <a:off x="457200" y="1268413"/>
-            <a:ext cx="8229600" cy="4840287"/>
+            <a:ext cx="8507288" cy="4840287"/>
           </a:xfrm>
         </p:spPr>
         <p:txBody>
@@ -11772,7 +11788,7 @@
               </a:spcBef>
             </a:pPr>
             <a:r>
-              <a:rPr lang="zh-CN" altLang="en-US">
+              <a:rPr lang="zh-CN" altLang="en-US" dirty="0">
                 <a:solidFill>
                   <a:srgbClr val="0066FF"/>
                 </a:solidFill>
@@ -11780,14 +11796,26 @@
               <a:t>海量转储</a:t>
             </a:r>
             <a:r>
-              <a:rPr lang="en-US" altLang="zh-CN"/>
+              <a:rPr lang="en-US" altLang="zh-CN" dirty="0"/>
               <a:t>: </a:t>
             </a:r>
             <a:r>
-              <a:rPr lang="zh-CN" altLang="en-US"/>
-              <a:t>每次转储全部数据库</a:t>
-            </a:r>
-            <a:endParaRPr lang="en-US" altLang="zh-CN"/>
+              <a:rPr lang="zh-CN" altLang="en-US" dirty="0"/>
+              <a:t>每次转储</a:t>
+            </a:r>
+            <a:r>
+              <a:rPr lang="zh-CN" altLang="en-US" dirty="0">
+                <a:highlight>
+                  <a:srgbClr val="FFFF00"/>
+                </a:highlight>
+              </a:rPr>
+              <a:t>全部数据库</a:t>
+            </a:r>
+            <a:endParaRPr lang="en-US" altLang="zh-CN" dirty="0">
+              <a:highlight>
+                <a:srgbClr val="FFFF00"/>
+              </a:highlight>
+            </a:endParaRPr>
           </a:p>
           <a:p>
             <a:pPr eaLnBrk="1" hangingPunct="1">
@@ -11799,7 +11827,7 @@
               </a:spcBef>
             </a:pPr>
             <a:r>
-              <a:rPr lang="zh-CN" altLang="en-US">
+              <a:rPr lang="zh-CN" altLang="en-US" dirty="0">
                 <a:solidFill>
                   <a:srgbClr val="0066FF"/>
                 </a:solidFill>
@@ -11807,12 +11835,20 @@
               <a:t>增量转储</a:t>
             </a:r>
             <a:r>
-              <a:rPr lang="en-US" altLang="zh-CN"/>
+              <a:rPr lang="en-US" altLang="zh-CN" dirty="0"/>
               <a:t>: </a:t>
             </a:r>
             <a:r>
-              <a:rPr lang="zh-CN" altLang="en-US"/>
-              <a:t>只转储上次转储后更新过的数据</a:t>
+              <a:rPr lang="zh-CN" altLang="en-US" dirty="0"/>
+              <a:t>只转储上次转储后</a:t>
+            </a:r>
+            <a:r>
+              <a:rPr lang="zh-CN" altLang="en-US" dirty="0">
+                <a:highlight>
+                  <a:srgbClr val="FFFF00"/>
+                </a:highlight>
+              </a:rPr>
+              <a:t>更新过的数据</a:t>
             </a:r>
           </a:p>
           <a:p>
@@ -11826,8 +11862,21 @@
               <a:buFont typeface="Wingdings" panose="05000000000000000000" pitchFamily="2" charset="2"/>
               <a:buNone/>
             </a:pPr>
-            <a:r>
-              <a:rPr lang="zh-CN" altLang="en-US"/>
+            <a:endParaRPr lang="en-US" altLang="zh-CN" dirty="0"/>
+          </a:p>
+          <a:p>
+            <a:pPr marL="457200" lvl="1" indent="0" eaLnBrk="1" hangingPunct="1">
+              <a:lnSpc>
+                <a:spcPct val="150000"/>
+              </a:lnSpc>
+              <a:spcBef>
+                <a:spcPct val="0"/>
+              </a:spcBef>
+              <a:buFont typeface="Wingdings" panose="05000000000000000000" pitchFamily="2" charset="2"/>
+              <a:buNone/>
+            </a:pPr>
+            <a:r>
+              <a:rPr lang="zh-CN" altLang="en-US" dirty="0"/>
               <a:t>海量转储与增量转储比较</a:t>
             </a:r>
           </a:p>
@@ -11838,8 +11887,8 @@
               </a:lnSpc>
             </a:pPr>
             <a:r>
-              <a:rPr lang="zh-CN" altLang="en-US"/>
-              <a:t>从恢复角度看，使用海量转储得到的后备副本进行恢复往往更方便</a:t>
+              <a:rPr lang="zh-CN" altLang="en-US" dirty="0"/>
+              <a:t>从恢复角度看，海量转储得到的后备副本进行恢复更方便</a:t>
             </a:r>
           </a:p>
           <a:p>
@@ -11849,8 +11898,8 @@
               </a:lnSpc>
             </a:pPr>
             <a:r>
-              <a:rPr lang="zh-CN" altLang="en-US"/>
-              <a:t>如果数据库很大，事务处理又十分频繁，则增量转储方式更实用更有效</a:t>
+              <a:rPr lang="zh-CN" altLang="en-US" dirty="0"/>
+              <a:t>数据库很大，事务处理十分频繁，增量转储方式更实用更有效</a:t>
             </a:r>
           </a:p>
         </p:txBody>
@@ -11863,7 +11912,7 @@
 </p:sld>
 </file>
 
-<file path=ppt/slides/slide37.xml><?xml version="1.0" encoding="utf-8"?>
+<file path=ppt/slides/slide36.xml><?xml version="1.0" encoding="utf-8"?>
 <p:sld xmlns:a="http://schemas.openxmlformats.org/drawingml/2006/main" xmlns:r="http://schemas.openxmlformats.org/officeDocument/2006/relationships" xmlns:p="http://schemas.openxmlformats.org/presentationml/2006/main">
   <p:cSld>
     <p:spTree>
@@ -13665,7 +13714,7 @@
 </p:sld>
 </file>
 
-<file path=ppt/slides/slide38.xml><?xml version="1.0" encoding="utf-8"?>
+<file path=ppt/slides/slide37.xml><?xml version="1.0" encoding="utf-8"?>
 <p:sld xmlns:a="http://schemas.openxmlformats.org/drawingml/2006/main" xmlns:r="http://schemas.openxmlformats.org/officeDocument/2006/relationships" xmlns:p="http://schemas.openxmlformats.org/presentationml/2006/main">
   <p:cSld>
     <p:spTree>
@@ -13871,7 +13920,7 @@
 </p:sld>
 </file>
 
-<file path=ppt/slides/slide39.xml><?xml version="1.0" encoding="utf-8"?>
+<file path=ppt/slides/slide38.xml><?xml version="1.0" encoding="utf-8"?>
 <p:sld xmlns:a="http://schemas.openxmlformats.org/drawingml/2006/main" xmlns:r="http://schemas.openxmlformats.org/officeDocument/2006/relationships" xmlns:p="http://schemas.openxmlformats.org/presentationml/2006/main">
   <p:cSld>
     <p:spTree>
@@ -14016,10 +14065,10 @@
               </a:lnSpc>
             </a:pPr>
             <a:r>
-              <a:rPr lang="zh-CN" altLang="en-US"/>
+              <a:rPr lang="zh-CN" altLang="en-US" dirty="0"/>
               <a:t>什么是日志文件</a:t>
             </a:r>
-            <a:endParaRPr lang="en-US" altLang="zh-CN" sz="2400"/>
+            <a:endParaRPr lang="en-US" altLang="zh-CN" sz="2400" dirty="0"/>
           </a:p>
           <a:p>
             <a:pPr lvl="1" eaLnBrk="1" hangingPunct="1">
@@ -14028,15 +14077,18 @@
               </a:lnSpc>
             </a:pPr>
             <a:r>
-              <a:rPr lang="zh-CN" altLang="en-US">
+              <a:rPr lang="zh-CN" altLang="en-US" dirty="0">
                 <a:solidFill>
                   <a:srgbClr val="0066FF"/>
                 </a:solidFill>
+                <a:highlight>
+                  <a:srgbClr val="FFFF00"/>
+                </a:highlight>
               </a:rPr>
               <a:t>日志文件</a:t>
             </a:r>
             <a:r>
-              <a:rPr lang="en-US" altLang="zh-CN">
+              <a:rPr lang="en-US" altLang="zh-CN" dirty="0">
                 <a:solidFill>
                   <a:srgbClr val="0066FF"/>
                 </a:solidFill>
@@ -14044,7 +14096,7 @@
               <a:t>(log file)</a:t>
             </a:r>
             <a:r>
-              <a:rPr lang="zh-CN" altLang="en-US">
+              <a:rPr lang="zh-CN" altLang="en-US" dirty="0">
                 <a:solidFill>
                   <a:srgbClr val="0066FF"/>
                 </a:solidFill>
@@ -14052,7 +14104,7 @@
               <a:t>是用来记录事务对数据库的</a:t>
             </a:r>
             <a:r>
-              <a:rPr lang="zh-CN" altLang="en-US" u="sng">
+              <a:rPr lang="zh-CN" altLang="en-US" u="sng" dirty="0">
                 <a:solidFill>
                   <a:srgbClr val="0066FF"/>
                 </a:solidFill>
@@ -14060,7 +14112,7 @@
               <a:t>更新操作</a:t>
             </a:r>
             <a:r>
-              <a:rPr lang="zh-CN" altLang="en-US">
+              <a:rPr lang="zh-CN" altLang="en-US" dirty="0">
                 <a:solidFill>
                   <a:srgbClr val="0066FF"/>
                 </a:solidFill>
@@ -14076,7 +14128,7 @@
               <a:buFont typeface="Wingdings" panose="05000000000000000000" pitchFamily="2" charset="2"/>
               <a:buNone/>
             </a:pPr>
-            <a:endParaRPr lang="zh-CN" altLang="en-US" sz="2000"/>
+            <a:endParaRPr lang="zh-CN" altLang="en-US" sz="2000" dirty="0"/>
           </a:p>
           <a:p>
             <a:pPr eaLnBrk="1" hangingPunct="1">
@@ -14085,7 +14137,7 @@
               </a:lnSpc>
             </a:pPr>
             <a:r>
-              <a:rPr lang="zh-CN" altLang="en-US"/>
+              <a:rPr lang="zh-CN" altLang="en-US" dirty="0"/>
               <a:t>日志文件的格式</a:t>
             </a:r>
           </a:p>
@@ -14097,8 +14149,20 @@
               <a:buSzPct val="75000"/>
             </a:pPr>
             <a:r>
-              <a:rPr lang="zh-CN" altLang="en-US"/>
-              <a:t>以记录为单位的日志文件</a:t>
+              <a:rPr lang="zh-CN" altLang="en-US" dirty="0"/>
+              <a:t>以</a:t>
+            </a:r>
+            <a:r>
+              <a:rPr lang="zh-CN" altLang="en-US" dirty="0">
+                <a:solidFill>
+                  <a:srgbClr val="FF0000"/>
+                </a:solidFill>
+              </a:rPr>
+              <a:t>记录</a:t>
+            </a:r>
+            <a:r>
+              <a:rPr lang="zh-CN" altLang="en-US" dirty="0"/>
+              <a:t>为单位的日志文件</a:t>
             </a:r>
           </a:p>
           <a:p>
@@ -14109,10 +14173,279 @@
               <a:buSzPct val="75000"/>
             </a:pPr>
             <a:r>
-              <a:rPr lang="zh-CN" altLang="en-US"/>
-              <a:t>以数据块为单位的日志文件</a:t>
-            </a:r>
-            <a:endParaRPr lang="zh-CN" altLang="en-US" sz="2000"/>
+              <a:rPr lang="zh-CN" altLang="en-US" dirty="0"/>
+              <a:t>以</a:t>
+            </a:r>
+            <a:r>
+              <a:rPr lang="zh-CN" altLang="en-US" dirty="0">
+                <a:solidFill>
+                  <a:srgbClr val="FF0000"/>
+                </a:solidFill>
+              </a:rPr>
+              <a:t>数据块</a:t>
+            </a:r>
+            <a:r>
+              <a:rPr lang="zh-CN" altLang="en-US" dirty="0"/>
+              <a:t>为单位的日志文件</a:t>
+            </a:r>
+            <a:endParaRPr lang="zh-CN" altLang="en-US" sz="2000" dirty="0"/>
+          </a:p>
+        </p:txBody>
+      </p:sp>
+    </p:spTree>
+  </p:cSld>
+  <p:clrMapOvr>
+    <a:masterClrMapping/>
+  </p:clrMapOvr>
+</p:sld>
+</file>
+
+<file path=ppt/slides/slide39.xml><?xml version="1.0" encoding="utf-8"?>
+<p:sld xmlns:a="http://schemas.openxmlformats.org/drawingml/2006/main" xmlns:r="http://schemas.openxmlformats.org/officeDocument/2006/relationships" xmlns:p="http://schemas.openxmlformats.org/presentationml/2006/main">
+  <p:cSld>
+    <p:spTree>
+      <p:nvGrpSpPr>
+        <p:cNvPr id="1" name=""/>
+        <p:cNvGrpSpPr/>
+        <p:nvPr/>
+      </p:nvGrpSpPr>
+      <p:grpSpPr>
+        <a:xfrm>
+          <a:off x="0" y="0"/>
+          <a:ext cx="0" cy="0"/>
+          <a:chOff x="0" y="0"/>
+          <a:chExt cx="0" cy="0"/>
+        </a:xfrm>
+      </p:grpSpPr>
+      <p:sp>
+        <p:nvSpPr>
+          <p:cNvPr id="44033" name="页脚占位符 4">
+            <a:extLst>
+              <a:ext uri="{FF2B5EF4-FFF2-40B4-BE49-F238E27FC236}">
+                <a16:creationId xmlns:a16="http://schemas.microsoft.com/office/drawing/2014/main" id="{693DE017-D226-4231-9B7F-C3ADA996516A}"/>
+              </a:ext>
+            </a:extLst>
+          </p:cNvPr>
+          <p:cNvSpPr txBox="1">
+            <a:spLocks noGrp="1" noChangeArrowheads="1"/>
+          </p:cNvSpPr>
+          <p:nvPr/>
+        </p:nvSpPr>
+        <p:spPr bwMode="auto">
+          <a:xfrm>
+            <a:off x="5219700" y="6381750"/>
+            <a:ext cx="3600450" cy="320675"/>
+          </a:xfrm>
+          <a:prstGeom prst="rect">
+            <a:avLst/>
+          </a:prstGeom>
+          <a:noFill/>
+          <a:ln>
+            <a:noFill/>
+          </a:ln>
+          <a:extLst>
+            <a:ext uri="{909E8E84-426E-40DD-AFC4-6F175D3DCCD1}">
+              <a14:hiddenFill xmlns:a14="http://schemas.microsoft.com/office/drawing/2010/main">
+                <a:solidFill>
+                  <a:srgbClr val="FFFFFF"/>
+                </a:solidFill>
+              </a14:hiddenFill>
+            </a:ext>
+            <a:ext uri="{91240B29-F687-4F45-9708-019B960494DF}">
+              <a14:hiddenLine xmlns:a14="http://schemas.microsoft.com/office/drawing/2010/main" w="9525">
+                <a:solidFill>
+                  <a:srgbClr val="000000"/>
+                </a:solidFill>
+                <a:miter lim="800000"/>
+                <a:headEnd/>
+                <a:tailEnd/>
+              </a14:hiddenLine>
+            </a:ext>
+          </a:extLst>
+        </p:spPr>
+        <p:txBody>
+          <a:bodyPr/>
+          <a:lstStyle/>
+          <a:p>
+            <a:endParaRPr lang="en-US" altLang="zh-CN" sz="1400">
+              <a:solidFill>
+                <a:srgbClr val="F03628"/>
+              </a:solidFill>
+            </a:endParaRPr>
+          </a:p>
+        </p:txBody>
+      </p:sp>
+      <p:sp>
+        <p:nvSpPr>
+          <p:cNvPr id="44034" name="Rectangle 2">
+            <a:extLst>
+              <a:ext uri="{FF2B5EF4-FFF2-40B4-BE49-F238E27FC236}">
+                <a16:creationId xmlns:a16="http://schemas.microsoft.com/office/drawing/2014/main" id="{CFB2B0D3-8A0F-4F96-9D94-6304D364A9C6}"/>
+              </a:ext>
+            </a:extLst>
+          </p:cNvPr>
+          <p:cNvSpPr>
+            <a:spLocks noGrp="1" noChangeArrowheads="1"/>
+          </p:cNvSpPr>
+          <p:nvPr>
+            <p:ph type="title" idx="4294967295"/>
+          </p:nvPr>
+        </p:nvSpPr>
+        <p:spPr>
+          <a:xfrm>
+            <a:off x="914400" y="201613"/>
+            <a:ext cx="7391400" cy="563562"/>
+          </a:xfrm>
+        </p:spPr>
+        <p:txBody>
+          <a:bodyPr/>
+          <a:lstStyle/>
+          <a:p>
+            <a:pPr eaLnBrk="1" hangingPunct="1"/>
+            <a:r>
+              <a:rPr lang="zh-CN" altLang="en-US" sz="3600"/>
+              <a:t>日志文件的格式和内容（续）</a:t>
+            </a:r>
+          </a:p>
+        </p:txBody>
+      </p:sp>
+      <p:sp>
+        <p:nvSpPr>
+          <p:cNvPr id="44035" name="Rectangle 3">
+            <a:extLst>
+              <a:ext uri="{FF2B5EF4-FFF2-40B4-BE49-F238E27FC236}">
+                <a16:creationId xmlns:a16="http://schemas.microsoft.com/office/drawing/2014/main" id="{67FA4EE6-91BE-43A7-86C4-A1A63331D15A}"/>
+              </a:ext>
+            </a:extLst>
+          </p:cNvPr>
+          <p:cNvSpPr>
+            <a:spLocks noGrp="1" noChangeArrowheads="1"/>
+          </p:cNvSpPr>
+          <p:nvPr>
+            <p:ph type="body" idx="4294967295"/>
+          </p:nvPr>
+        </p:nvSpPr>
+        <p:spPr>
+          <a:xfrm>
+            <a:off x="457200" y="1268413"/>
+            <a:ext cx="8229600" cy="5056187"/>
+          </a:xfrm>
+        </p:spPr>
+        <p:txBody>
+          <a:bodyPr/>
+          <a:lstStyle/>
+          <a:p>
+            <a:pPr eaLnBrk="1" hangingPunct="1">
+              <a:lnSpc>
+                <a:spcPct val="140000"/>
+              </a:lnSpc>
+            </a:pPr>
+            <a:r>
+              <a:rPr lang="zh-CN" altLang="en-US" dirty="0"/>
+              <a:t>以记录为单位的日志文件内容</a:t>
+            </a:r>
+          </a:p>
+          <a:p>
+            <a:pPr lvl="1" eaLnBrk="1" hangingPunct="1">
+              <a:lnSpc>
+                <a:spcPct val="140000"/>
+              </a:lnSpc>
+              <a:spcBef>
+                <a:spcPct val="50000"/>
+              </a:spcBef>
+            </a:pPr>
+            <a:r>
+              <a:rPr lang="zh-CN" altLang="en-US" dirty="0"/>
+              <a:t>各个</a:t>
+            </a:r>
+            <a:r>
+              <a:rPr lang="zh-CN" altLang="en-US" dirty="0">
+                <a:highlight>
+                  <a:srgbClr val="FFFF00"/>
+                </a:highlight>
+              </a:rPr>
+              <a:t>事务的开始标记</a:t>
+            </a:r>
+            <a:r>
+              <a:rPr lang="en-US" altLang="zh-CN" dirty="0"/>
+              <a:t>(BEGIN TRANSACTION)</a:t>
+            </a:r>
+          </a:p>
+          <a:p>
+            <a:pPr lvl="1" eaLnBrk="1" hangingPunct="1">
+              <a:lnSpc>
+                <a:spcPct val="140000"/>
+              </a:lnSpc>
+              <a:spcBef>
+                <a:spcPct val="50000"/>
+              </a:spcBef>
+            </a:pPr>
+            <a:r>
+              <a:rPr lang="zh-CN" altLang="en-US" dirty="0"/>
+              <a:t>各个</a:t>
+            </a:r>
+            <a:r>
+              <a:rPr lang="zh-CN" altLang="en-US" dirty="0">
+                <a:highlight>
+                  <a:srgbClr val="FFFF00"/>
+                </a:highlight>
+              </a:rPr>
+              <a:t>事务的结束标记</a:t>
+            </a:r>
+            <a:r>
+              <a:rPr lang="en-US" altLang="zh-CN" dirty="0"/>
+              <a:t>(COMMIT</a:t>
+            </a:r>
+            <a:r>
+              <a:rPr lang="zh-CN" altLang="en-US" dirty="0"/>
+              <a:t>或</a:t>
+            </a:r>
+            <a:r>
+              <a:rPr lang="en-US" altLang="zh-CN" dirty="0"/>
+              <a:t>ROLLBACK)</a:t>
+            </a:r>
+          </a:p>
+          <a:p>
+            <a:pPr lvl="1" eaLnBrk="1" hangingPunct="1">
+              <a:lnSpc>
+                <a:spcPct val="140000"/>
+              </a:lnSpc>
+              <a:spcBef>
+                <a:spcPct val="50000"/>
+              </a:spcBef>
+            </a:pPr>
+            <a:r>
+              <a:rPr lang="zh-CN" altLang="en-US" dirty="0"/>
+              <a:t>各个</a:t>
+            </a:r>
+            <a:r>
+              <a:rPr lang="zh-CN" altLang="en-US" dirty="0">
+                <a:highlight>
+                  <a:srgbClr val="FFFF00"/>
+                </a:highlight>
+              </a:rPr>
+              <a:t>事务的所有更新操作</a:t>
+            </a:r>
+          </a:p>
+          <a:p>
+            <a:pPr eaLnBrk="1" hangingPunct="1">
+              <a:lnSpc>
+                <a:spcPct val="140000"/>
+              </a:lnSpc>
+              <a:spcBef>
+                <a:spcPct val="50000"/>
+              </a:spcBef>
+              <a:buFont typeface="Wingdings" panose="05000000000000000000" pitchFamily="2" charset="2"/>
+              <a:buNone/>
+            </a:pPr>
+            <a:r>
+              <a:rPr lang="zh-CN" altLang="en-US" sz="2400" dirty="0"/>
+              <a:t>     以上均作为日志文件中的一个日志记录 </a:t>
+            </a:r>
+            <a:r>
+              <a:rPr lang="en-US" altLang="zh-CN" sz="2400" dirty="0"/>
+              <a:t>(log  record)</a:t>
+            </a:r>
           </a:p>
         </p:txBody>
       </p:sp>
@@ -14261,7 +14594,7 @@
           <a:p>
             <a:pPr eaLnBrk="1" hangingPunct="1"/>
             <a:r>
-              <a:rPr lang="zh-CN" altLang="en-US" sz="2400"/>
+              <a:rPr lang="zh-CN" altLang="en-US" sz="2400" dirty="0"/>
               <a:t>显式定义方式</a:t>
             </a:r>
           </a:p>
@@ -14271,11 +14604,11 @@
               <a:buNone/>
             </a:pPr>
             <a:r>
-              <a:rPr lang="zh-CN" altLang="en-US"/>
+              <a:rPr lang="zh-CN" altLang="en-US" dirty="0"/>
               <a:t>   </a:t>
             </a:r>
             <a:r>
-              <a:rPr lang="en-US" altLang="zh-CN" sz="1800"/>
+              <a:rPr lang="en-US" altLang="zh-CN" sz="1800" dirty="0"/>
               <a:t>BEGIN TRANSACTION                   BEGIN TRANSACTION</a:t>
             </a:r>
           </a:p>
@@ -14285,19 +14618,19 @@
               <a:buNone/>
             </a:pPr>
             <a:r>
-              <a:rPr lang="en-US" altLang="zh-CN" sz="1800"/>
+              <a:rPr lang="en-US" altLang="zh-CN" sz="1800" dirty="0"/>
               <a:t>          SQL </a:t>
             </a:r>
             <a:r>
-              <a:rPr lang="zh-CN" altLang="en-US" sz="1800"/>
+              <a:rPr lang="zh-CN" altLang="en-US" sz="1800" dirty="0"/>
               <a:t>语句1</a:t>
             </a:r>
             <a:r>
-              <a:rPr lang="en-US" altLang="zh-CN" sz="1800"/>
+              <a:rPr lang="en-US" altLang="zh-CN" sz="1800" dirty="0"/>
               <a:t>                                             SQL </a:t>
             </a:r>
             <a:r>
-              <a:rPr lang="zh-CN" altLang="en-US" sz="1800"/>
+              <a:rPr lang="zh-CN" altLang="en-US" sz="1800" dirty="0"/>
               <a:t>语句1</a:t>
             </a:r>
           </a:p>
@@ -14307,26 +14640,26 @@
               <a:buNone/>
             </a:pPr>
             <a:r>
-              <a:rPr lang="zh-CN" altLang="en-US" sz="1800"/>
+              <a:rPr lang="zh-CN" altLang="en-US" sz="1800" dirty="0"/>
               <a:t>          </a:t>
             </a:r>
             <a:r>
-              <a:rPr lang="en-US" altLang="zh-CN" sz="1800"/>
+              <a:rPr lang="en-US" altLang="zh-CN" sz="1800" dirty="0"/>
               <a:t>SQL </a:t>
             </a:r>
             <a:r>
-              <a:rPr lang="zh-CN" altLang="en-US" sz="1800"/>
+              <a:rPr lang="zh-CN" altLang="en-US" sz="1800" dirty="0"/>
               <a:t>语句2                                             </a:t>
             </a:r>
             <a:r>
-              <a:rPr lang="en-US" altLang="zh-CN" sz="1800"/>
+              <a:rPr lang="en-US" altLang="zh-CN" sz="1800" dirty="0"/>
               <a:t>SQL </a:t>
             </a:r>
             <a:r>
-              <a:rPr lang="zh-CN" altLang="en-US" sz="1800"/>
+              <a:rPr lang="zh-CN" altLang="en-US" sz="1800" dirty="0"/>
               <a:t>语句2</a:t>
             </a:r>
-            <a:endParaRPr lang="en-US" altLang="zh-CN" sz="1800"/>
+            <a:endParaRPr lang="en-US" altLang="zh-CN" sz="1800" dirty="0"/>
           </a:p>
           <a:p>
             <a:pPr eaLnBrk="1" hangingPunct="1">
@@ -14334,11 +14667,11 @@
               <a:buNone/>
             </a:pPr>
             <a:r>
-              <a:rPr lang="en-US" altLang="zh-CN" sz="1800"/>
+              <a:rPr lang="en-US" altLang="zh-CN" sz="1800" dirty="0"/>
               <a:t>          </a:t>
             </a:r>
             <a:r>
-              <a:rPr lang="zh-CN" altLang="en-US" sz="1800"/>
+              <a:rPr lang="zh-CN" altLang="en-US" sz="1800" dirty="0"/>
               <a:t>。。。。。                                            。。。。。</a:t>
             </a:r>
           </a:p>
@@ -14348,12 +14681,28 @@
               <a:buNone/>
             </a:pPr>
             <a:r>
-              <a:rPr lang="zh-CN" altLang="en-US" sz="1800"/>
+              <a:rPr lang="zh-CN" altLang="en-US" sz="1800" dirty="0"/>
               <a:t>     </a:t>
             </a:r>
             <a:r>
-              <a:rPr lang="en-US" altLang="zh-CN" sz="1800"/>
-              <a:t>COMMIT                                           ROLLBACK</a:t>
+              <a:rPr lang="en-US" altLang="zh-CN" sz="1800" dirty="0">
+                <a:solidFill>
+                  <a:srgbClr val="FF0000"/>
+                </a:solidFill>
+              </a:rPr>
+              <a:t>COMMIT</a:t>
+            </a:r>
+            <a:r>
+              <a:rPr lang="en-US" altLang="zh-CN" sz="1800" dirty="0"/>
+              <a:t>                                           </a:t>
+            </a:r>
+            <a:r>
+              <a:rPr lang="en-US" altLang="zh-CN" sz="1800" dirty="0">
+                <a:solidFill>
+                  <a:srgbClr val="FF0000"/>
+                </a:solidFill>
+              </a:rPr>
+              <a:t>ROLLBACK</a:t>
             </a:r>
           </a:p>
           <a:p>
@@ -14366,7 +14715,7 @@
               </a:spcBef>
             </a:pPr>
             <a:r>
-              <a:rPr lang="zh-CN" altLang="en-US" sz="2400"/>
+              <a:rPr lang="zh-CN" altLang="en-US" sz="2400" dirty="0"/>
               <a:t>隐式方式</a:t>
             </a:r>
           </a:p>
@@ -14382,7 +14731,7 @@
               <a:buNone/>
             </a:pPr>
             <a:r>
-              <a:rPr lang="zh-CN" altLang="en-US"/>
+              <a:rPr lang="zh-CN" altLang="en-US" dirty="0"/>
               <a:t>当用户没有显式地定义事务时，</a:t>
             </a:r>
           </a:p>
@@ -14398,7 +14747,7 @@
               <a:buNone/>
             </a:pPr>
             <a:r>
-              <a:rPr lang="zh-CN" altLang="en-US"/>
+              <a:rPr lang="zh-CN" altLang="en-US" dirty="0"/>
               <a:t>数据库管理系统按缺省规定自动划分事务</a:t>
             </a:r>
           </a:p>
@@ -15935,239 +16284,6 @@
       </p:grpSpPr>
       <p:sp>
         <p:nvSpPr>
-          <p:cNvPr id="44033" name="页脚占位符 4">
-            <a:extLst>
-              <a:ext uri="{FF2B5EF4-FFF2-40B4-BE49-F238E27FC236}">
-                <a16:creationId xmlns:a16="http://schemas.microsoft.com/office/drawing/2014/main" id="{693DE017-D226-4231-9B7F-C3ADA996516A}"/>
-              </a:ext>
-            </a:extLst>
-          </p:cNvPr>
-          <p:cNvSpPr txBox="1">
-            <a:spLocks noGrp="1" noChangeArrowheads="1"/>
-          </p:cNvSpPr>
-          <p:nvPr/>
-        </p:nvSpPr>
-        <p:spPr bwMode="auto">
-          <a:xfrm>
-            <a:off x="5219700" y="6381750"/>
-            <a:ext cx="3600450" cy="320675"/>
-          </a:xfrm>
-          <a:prstGeom prst="rect">
-            <a:avLst/>
-          </a:prstGeom>
-          <a:noFill/>
-          <a:ln>
-            <a:noFill/>
-          </a:ln>
-          <a:extLst>
-            <a:ext uri="{909E8E84-426E-40DD-AFC4-6F175D3DCCD1}">
-              <a14:hiddenFill xmlns:a14="http://schemas.microsoft.com/office/drawing/2010/main">
-                <a:solidFill>
-                  <a:srgbClr val="FFFFFF"/>
-                </a:solidFill>
-              </a14:hiddenFill>
-            </a:ext>
-            <a:ext uri="{91240B29-F687-4F45-9708-019B960494DF}">
-              <a14:hiddenLine xmlns:a14="http://schemas.microsoft.com/office/drawing/2010/main" w="9525">
-                <a:solidFill>
-                  <a:srgbClr val="000000"/>
-                </a:solidFill>
-                <a:miter lim="800000"/>
-                <a:headEnd/>
-                <a:tailEnd/>
-              </a14:hiddenLine>
-            </a:ext>
-          </a:extLst>
-        </p:spPr>
-        <p:txBody>
-          <a:bodyPr/>
-          <a:lstStyle/>
-          <a:p>
-            <a:endParaRPr lang="en-US" altLang="zh-CN" sz="1400">
-              <a:solidFill>
-                <a:srgbClr val="F03628"/>
-              </a:solidFill>
-            </a:endParaRPr>
-          </a:p>
-        </p:txBody>
-      </p:sp>
-      <p:sp>
-        <p:nvSpPr>
-          <p:cNvPr id="44034" name="Rectangle 2">
-            <a:extLst>
-              <a:ext uri="{FF2B5EF4-FFF2-40B4-BE49-F238E27FC236}">
-                <a16:creationId xmlns:a16="http://schemas.microsoft.com/office/drawing/2014/main" id="{CFB2B0D3-8A0F-4F96-9D94-6304D364A9C6}"/>
-              </a:ext>
-            </a:extLst>
-          </p:cNvPr>
-          <p:cNvSpPr>
-            <a:spLocks noGrp="1" noChangeArrowheads="1"/>
-          </p:cNvSpPr>
-          <p:nvPr>
-            <p:ph type="title" idx="4294967295"/>
-          </p:nvPr>
-        </p:nvSpPr>
-        <p:spPr>
-          <a:xfrm>
-            <a:off x="914400" y="201613"/>
-            <a:ext cx="7391400" cy="563562"/>
-          </a:xfrm>
-        </p:spPr>
-        <p:txBody>
-          <a:bodyPr/>
-          <a:lstStyle/>
-          <a:p>
-            <a:pPr eaLnBrk="1" hangingPunct="1"/>
-            <a:r>
-              <a:rPr lang="zh-CN" altLang="en-US" sz="3600"/>
-              <a:t>日志文件的格式和内容（续）</a:t>
-            </a:r>
-          </a:p>
-        </p:txBody>
-      </p:sp>
-      <p:sp>
-        <p:nvSpPr>
-          <p:cNvPr id="44035" name="Rectangle 3">
-            <a:extLst>
-              <a:ext uri="{FF2B5EF4-FFF2-40B4-BE49-F238E27FC236}">
-                <a16:creationId xmlns:a16="http://schemas.microsoft.com/office/drawing/2014/main" id="{67FA4EE6-91BE-43A7-86C4-A1A63331D15A}"/>
-              </a:ext>
-            </a:extLst>
-          </p:cNvPr>
-          <p:cNvSpPr>
-            <a:spLocks noGrp="1" noChangeArrowheads="1"/>
-          </p:cNvSpPr>
-          <p:nvPr>
-            <p:ph type="body" idx="4294967295"/>
-          </p:nvPr>
-        </p:nvSpPr>
-        <p:spPr>
-          <a:xfrm>
-            <a:off x="457200" y="1268413"/>
-            <a:ext cx="8229600" cy="5056187"/>
-          </a:xfrm>
-        </p:spPr>
-        <p:txBody>
-          <a:bodyPr/>
-          <a:lstStyle/>
-          <a:p>
-            <a:pPr eaLnBrk="1" hangingPunct="1">
-              <a:lnSpc>
-                <a:spcPct val="140000"/>
-              </a:lnSpc>
-            </a:pPr>
-            <a:r>
-              <a:rPr lang="zh-CN" altLang="en-US"/>
-              <a:t>以记录为单位的日志文件内容</a:t>
-            </a:r>
-          </a:p>
-          <a:p>
-            <a:pPr lvl="1" eaLnBrk="1" hangingPunct="1">
-              <a:lnSpc>
-                <a:spcPct val="140000"/>
-              </a:lnSpc>
-              <a:spcBef>
-                <a:spcPct val="50000"/>
-              </a:spcBef>
-            </a:pPr>
-            <a:r>
-              <a:rPr lang="zh-CN" altLang="en-US"/>
-              <a:t>各个事务的开始标记</a:t>
-            </a:r>
-            <a:r>
-              <a:rPr lang="en-US" altLang="zh-CN"/>
-              <a:t>(BEGIN TRANSACTION)</a:t>
-            </a:r>
-          </a:p>
-          <a:p>
-            <a:pPr lvl="1" eaLnBrk="1" hangingPunct="1">
-              <a:lnSpc>
-                <a:spcPct val="140000"/>
-              </a:lnSpc>
-              <a:spcBef>
-                <a:spcPct val="50000"/>
-              </a:spcBef>
-            </a:pPr>
-            <a:r>
-              <a:rPr lang="zh-CN" altLang="en-US"/>
-              <a:t>各个事务的结束标记</a:t>
-            </a:r>
-            <a:r>
-              <a:rPr lang="en-US" altLang="zh-CN"/>
-              <a:t>(COMMIT</a:t>
-            </a:r>
-            <a:r>
-              <a:rPr lang="zh-CN" altLang="en-US"/>
-              <a:t>或</a:t>
-            </a:r>
-            <a:r>
-              <a:rPr lang="en-US" altLang="zh-CN"/>
-              <a:t>ROLLBACK)</a:t>
-            </a:r>
-          </a:p>
-          <a:p>
-            <a:pPr lvl="1" eaLnBrk="1" hangingPunct="1">
-              <a:lnSpc>
-                <a:spcPct val="140000"/>
-              </a:lnSpc>
-              <a:spcBef>
-                <a:spcPct val="50000"/>
-              </a:spcBef>
-            </a:pPr>
-            <a:r>
-              <a:rPr lang="zh-CN" altLang="en-US"/>
-              <a:t>各个事务的所有更新操作</a:t>
-            </a:r>
-          </a:p>
-          <a:p>
-            <a:pPr eaLnBrk="1" hangingPunct="1">
-              <a:lnSpc>
-                <a:spcPct val="140000"/>
-              </a:lnSpc>
-              <a:spcBef>
-                <a:spcPct val="50000"/>
-              </a:spcBef>
-              <a:buFont typeface="Wingdings" panose="05000000000000000000" pitchFamily="2" charset="2"/>
-              <a:buNone/>
-            </a:pPr>
-            <a:r>
-              <a:rPr lang="zh-CN" altLang="en-US" sz="2400"/>
-              <a:t>     以上均作为日志文件中的一个日志记录 </a:t>
-            </a:r>
-            <a:r>
-              <a:rPr lang="en-US" altLang="zh-CN" sz="2400"/>
-              <a:t>(log  record)</a:t>
-            </a:r>
-          </a:p>
-        </p:txBody>
-      </p:sp>
-    </p:spTree>
-  </p:cSld>
-  <p:clrMapOvr>
-    <a:masterClrMapping/>
-  </p:clrMapOvr>
-</p:sld>
-</file>
-
-<file path=ppt/slides/slide41.xml><?xml version="1.0" encoding="utf-8"?>
-<p:sld xmlns:a="http://schemas.openxmlformats.org/drawingml/2006/main" xmlns:r="http://schemas.openxmlformats.org/officeDocument/2006/relationships" xmlns:p="http://schemas.openxmlformats.org/presentationml/2006/main">
-  <p:cSld>
-    <p:spTree>
-      <p:nvGrpSpPr>
-        <p:cNvPr id="1" name=""/>
-        <p:cNvGrpSpPr/>
-        <p:nvPr/>
-      </p:nvGrpSpPr>
-      <p:grpSpPr>
-        <a:xfrm>
-          <a:off x="0" y="0"/>
-          <a:ext cx="0" cy="0"/>
-          <a:chOff x="0" y="0"/>
-          <a:chExt cx="0" cy="0"/>
-        </a:xfrm>
-      </p:grpSpPr>
-      <p:sp>
-        <p:nvSpPr>
           <p:cNvPr id="45057" name="页脚占位符 4">
             <a:extLst>
               <a:ext uri="{FF2B5EF4-FFF2-40B4-BE49-F238E27FC236}">
@@ -16392,7 +16508,7 @@
 </p:sld>
 </file>
 
-<file path=ppt/slides/slide42.xml><?xml version="1.0" encoding="utf-8"?>
+<file path=ppt/slides/slide41.xml><?xml version="1.0" encoding="utf-8"?>
 <p:sld xmlns:a="http://schemas.openxmlformats.org/drawingml/2006/main" xmlns:r="http://schemas.openxmlformats.org/officeDocument/2006/relationships" xmlns:p="http://schemas.openxmlformats.org/presentationml/2006/main">
   <p:cSld>
     <p:spTree>
@@ -16519,8 +16635,8 @@
         </p:nvSpPr>
         <p:spPr>
           <a:xfrm>
-            <a:off x="755650" y="1196975"/>
-            <a:ext cx="7772400" cy="4833938"/>
+            <a:off x="133224" y="1196975"/>
+            <a:ext cx="8712894" cy="4833938"/>
           </a:xfrm>
         </p:spPr>
         <p:txBody>
@@ -16529,10 +16645,10 @@
           <a:p>
             <a:pPr eaLnBrk="1" hangingPunct="1"/>
             <a:r>
-              <a:rPr lang="zh-CN" altLang="en-US"/>
+              <a:rPr lang="zh-CN" altLang="en-US" dirty="0"/>
               <a:t>以数据块为单位的日志文件，每条日志记录的内容</a:t>
             </a:r>
-            <a:endParaRPr lang="zh-CN" altLang="en-US" sz="2400"/>
+            <a:endParaRPr lang="zh-CN" altLang="en-US" sz="2400" dirty="0"/>
           </a:p>
           <a:p>
             <a:pPr lvl="1" eaLnBrk="1" hangingPunct="1">
@@ -16541,7 +16657,7 @@
               </a:spcBef>
             </a:pPr>
             <a:r>
-              <a:rPr lang="zh-CN" altLang="en-US"/>
+              <a:rPr lang="zh-CN" altLang="en-US" dirty="0"/>
               <a:t>事务标识</a:t>
             </a:r>
           </a:p>
@@ -16552,7 +16668,7 @@
               </a:spcBef>
             </a:pPr>
             <a:r>
-              <a:rPr lang="zh-CN" altLang="en-US"/>
+              <a:rPr lang="zh-CN" altLang="en-US" dirty="0"/>
               <a:t>被更新的数据块</a:t>
             </a:r>
           </a:p>
@@ -16566,7 +16682,7 @@
 </p:sld>
 </file>
 
-<file path=ppt/slides/slide43.xml><?xml version="1.0" encoding="utf-8"?>
+<file path=ppt/slides/slide42.xml><?xml version="1.0" encoding="utf-8"?>
 <p:sld xmlns:a="http://schemas.openxmlformats.org/drawingml/2006/main" xmlns:r="http://schemas.openxmlformats.org/officeDocument/2006/relationships" xmlns:p="http://schemas.openxmlformats.org/presentationml/2006/main">
   <p:cSld>
     <p:spTree>
@@ -16782,7 +16898,7 @@
 </p:sld>
 </file>
 
-<file path=ppt/slides/slide44.xml><?xml version="1.0" encoding="utf-8"?>
+<file path=ppt/slides/slide43.xml><?xml version="1.0" encoding="utf-8"?>
 <p:sld xmlns:a="http://schemas.openxmlformats.org/drawingml/2006/main" xmlns:r="http://schemas.openxmlformats.org/officeDocument/2006/relationships" xmlns:p="http://schemas.openxmlformats.org/presentationml/2006/main">
   <p:cSld>
     <p:spTree>
@@ -16930,7 +17046,7 @@
               </a:spcBef>
             </a:pPr>
             <a:r>
-              <a:rPr lang="zh-CN" altLang="en-US" sz="2400"/>
+              <a:rPr lang="zh-CN" altLang="en-US" sz="2400" dirty="0"/>
               <a:t>为保证数据库是可恢复的，登记日志文件时必须遵循两条原则</a:t>
             </a:r>
           </a:p>
@@ -16944,12 +17060,23 @@
               </a:spcBef>
             </a:pPr>
             <a:r>
-              <a:rPr lang="zh-CN" altLang="en-US">
+              <a:rPr lang="zh-CN" altLang="en-US" dirty="0">
                 <a:solidFill>
                   <a:srgbClr val="FF0000"/>
                 </a:solidFill>
               </a:rPr>
-              <a:t>登记的次序严格按并发事务执行的时间次序</a:t>
+              <a:t>登记的次序</a:t>
+            </a:r>
+            <a:r>
+              <a:rPr lang="zh-CN" altLang="en-US" dirty="0">
+                <a:solidFill>
+                  <a:srgbClr val="FF0000"/>
+                </a:solidFill>
+                <a:highlight>
+                  <a:srgbClr val="FFFF00"/>
+                </a:highlight>
+              </a:rPr>
+              <a:t>严格按并发事务执行的时间次序</a:t>
             </a:r>
           </a:p>
           <a:p>
@@ -16962,12 +17089,56 @@
               </a:spcBef>
             </a:pPr>
             <a:r>
-              <a:rPr lang="zh-CN" altLang="en-US">
+              <a:rPr lang="zh-CN" altLang="en-US" dirty="0">
                 <a:solidFill>
                   <a:srgbClr val="FF0000"/>
                 </a:solidFill>
               </a:rPr>
-              <a:t>必须先写日志文件，后写数据库</a:t>
+              <a:t>必须</a:t>
+            </a:r>
+            <a:r>
+              <a:rPr lang="zh-CN" altLang="en-US" dirty="0">
+                <a:solidFill>
+                  <a:srgbClr val="00B0F0"/>
+                </a:solidFill>
+                <a:highlight>
+                  <a:srgbClr val="FFFF00"/>
+                </a:highlight>
+              </a:rPr>
+              <a:t>先</a:t>
+            </a:r>
+            <a:r>
+              <a:rPr lang="zh-CN" altLang="en-US" dirty="0">
+                <a:solidFill>
+                  <a:srgbClr val="FF0000"/>
+                </a:solidFill>
+                <a:highlight>
+                  <a:srgbClr val="FFFF00"/>
+                </a:highlight>
+              </a:rPr>
+              <a:t>写日志文件，</a:t>
+            </a:r>
+            <a:r>
+              <a:rPr lang="zh-CN" altLang="en-US" dirty="0">
+                <a:solidFill>
+                  <a:srgbClr val="00B0F0"/>
+                </a:solidFill>
+                <a:highlight>
+                  <a:srgbClr val="FFFF00"/>
+                </a:highlight>
+              </a:rPr>
+              <a:t>后</a:t>
+            </a:r>
+            <a:r>
+              <a:rPr lang="zh-CN" altLang="en-US" dirty="0">
+                <a:solidFill>
+                  <a:srgbClr val="FF0000"/>
+                </a:solidFill>
+                <a:highlight>
+                  <a:srgbClr val="FFFF00"/>
+                </a:highlight>
+              </a:rPr>
+              <a:t>写数据库</a:t>
             </a:r>
           </a:p>
           <a:p>
@@ -16983,30 +17154,8 @@
               <a:buChar char="l"/>
             </a:pPr>
             <a:r>
-              <a:rPr lang="zh-CN" altLang="en-US" sz="2200"/>
-              <a:t>写日志文件操作：把表示这个修改的日志记录写到</a:t>
-            </a:r>
-            <a:endParaRPr lang="en-US" altLang="zh-CN" sz="2200"/>
-          </a:p>
-          <a:p>
-            <a:pPr lvl="2" eaLnBrk="1" hangingPunct="1">
-              <a:lnSpc>
-                <a:spcPct val="150000"/>
-              </a:lnSpc>
-              <a:spcBef>
-                <a:spcPct val="0"/>
-              </a:spcBef>
-              <a:buSzPct val="87000"/>
-              <a:buFont typeface="Arial" panose="020B0604020202020204" pitchFamily="34" charset="0"/>
-              <a:buNone/>
-            </a:pPr>
-            <a:r>
-              <a:rPr lang="en-US" altLang="zh-CN" sz="2200"/>
-              <a:t>   </a:t>
-            </a:r>
-            <a:r>
-              <a:rPr lang="zh-CN" altLang="en-US" sz="2200"/>
-              <a:t>日志文件中</a:t>
+              <a:rPr lang="zh-CN" altLang="en-US" sz="2200" dirty="0"/>
+              <a:t>写日志文件：把修改的日志记录写到日志文件</a:t>
             </a:r>
           </a:p>
           <a:p>
@@ -17022,13 +17171,13 @@
               <a:buChar char="l"/>
             </a:pPr>
             <a:r>
-              <a:rPr lang="zh-CN" altLang="en-US" sz="2200"/>
-              <a:t>写数据库操作：把对数据的修改写到数据库中</a:t>
+              <a:rPr lang="zh-CN" altLang="en-US" sz="2200" dirty="0"/>
+              <a:t>写数据库：把对数据的修改写到数据库中</a:t>
             </a:r>
           </a:p>
           <a:p>
             <a:pPr lvl="1" eaLnBrk="1" hangingPunct="1"/>
-            <a:endParaRPr lang="en-US" altLang="zh-CN"/>
+            <a:endParaRPr lang="en-US" altLang="zh-CN" dirty="0"/>
           </a:p>
         </p:txBody>
       </p:sp>
@@ -17040,7 +17189,7 @@
 </p:sld>
 </file>
 
-<file path=ppt/slides/slide45.xml><?xml version="1.0" encoding="utf-8"?>
+<file path=ppt/slides/slide44.xml><?xml version="1.0" encoding="utf-8"?>
 <p:sld xmlns:a="http://schemas.openxmlformats.org/drawingml/2006/main" xmlns:r="http://schemas.openxmlformats.org/officeDocument/2006/relationships" xmlns:p="http://schemas.openxmlformats.org/presentationml/2006/main">
   <p:cSld>
     <p:spTree>
@@ -17196,17 +17345,6 @@
             </a:pPr>
             <a:r>
               <a:rPr lang="zh-CN" altLang="en-US" sz="2200" noProof="1"/>
-              <a:t>写数据库和写日志文件是两个不同的操作</a:t>
-            </a:r>
-          </a:p>
-          <a:p>
-            <a:pPr lvl="1" eaLnBrk="1" hangingPunct="1">
-              <a:lnSpc>
-                <a:spcPct val="120000"/>
-              </a:lnSpc>
-            </a:pPr>
-            <a:r>
-              <a:rPr lang="zh-CN" altLang="en-US" sz="2200" noProof="1"/>
               <a:t>在这两个操作之间可能发生故障</a:t>
             </a:r>
           </a:p>
@@ -17218,10 +17356,7 @@
               <a:buFont typeface="Wingdings" panose="05000000000000000000" pitchFamily="2" charset="2"/>
               <a:buNone/>
             </a:pPr>
-            <a:r>
-              <a:rPr lang="zh-CN" altLang="en-US" sz="2200" noProof="1"/>
-              <a:t>如果先写了数据库修改，而在日志文件中没有登记下这个修改，则以后就无法恢复这个修改了</a:t>
-            </a:r>
+            <a:endParaRPr lang="en-US" altLang="zh-CN" sz="2200" noProof="1"/>
           </a:p>
           <a:p>
             <a:pPr marL="457200" lvl="1" indent="0" eaLnBrk="1" hangingPunct="1">
@@ -17233,6 +17368,30 @@
             </a:pPr>
             <a:r>
               <a:rPr lang="zh-CN" altLang="en-US" sz="2200" noProof="1"/>
+              <a:t>如果先写了数据库修改，而在日志文件中没有登记下这个修改，则以后就无法恢复这个修改了。</a:t>
+            </a:r>
+            <a:endParaRPr lang="en-US" altLang="zh-CN" sz="2200" noProof="1"/>
+          </a:p>
+          <a:p>
+            <a:pPr marL="457200" lvl="1" indent="0" eaLnBrk="1" hangingPunct="1">
+              <a:lnSpc>
+                <a:spcPct val="120000"/>
+              </a:lnSpc>
+              <a:buFont typeface="Wingdings" panose="05000000000000000000" pitchFamily="2" charset="2"/>
+              <a:buNone/>
+            </a:pPr>
+            <a:endParaRPr lang="zh-CN" altLang="en-US" sz="2200" noProof="1"/>
+          </a:p>
+          <a:p>
+            <a:pPr marL="457200" lvl="1" indent="0" eaLnBrk="1" hangingPunct="1">
+              <a:lnSpc>
+                <a:spcPct val="120000"/>
+              </a:lnSpc>
+              <a:buFont typeface="Wingdings" panose="05000000000000000000" pitchFamily="2" charset="2"/>
+              <a:buNone/>
+            </a:pPr>
+            <a:r>
+              <a:rPr lang="zh-CN" altLang="en-US" sz="2200" noProof="1"/>
               <a:t>如果先写日志，但没有修改数据库，按日志文件恢复时只不过是多执行一次不必要的</a:t>
             </a:r>
             <a:r>
@@ -17241,7 +17400,7 @@
             </a:r>
             <a:r>
               <a:rPr lang="zh-CN" altLang="en-US" sz="2200" noProof="1"/>
-              <a:t>操作，并不会影响数据库的正确性</a:t>
+              <a:t>操作，并不会影响数据库的正确性。</a:t>
             </a:r>
           </a:p>
         </p:txBody>
@@ -17254,7 +17413,7 @@
 </p:sld>
 </file>
 
-<file path=ppt/slides/slide46.xml><?xml version="1.0" encoding="utf-8"?>
+<file path=ppt/slides/slide45.xml><?xml version="1.0" encoding="utf-8"?>
 <p:sld xmlns:a="http://schemas.openxmlformats.org/drawingml/2006/main" xmlns:r="http://schemas.openxmlformats.org/officeDocument/2006/relationships" xmlns:p="http://schemas.openxmlformats.org/presentationml/2006/main">
   <p:cSld>
     <p:spTree>
@@ -17542,7 +17701,7 @@
 </p:sld>
 </file>
 
-<file path=ppt/slides/slide47.xml><?xml version="1.0" encoding="utf-8"?>
+<file path=ppt/slides/slide46.xml><?xml version="1.0" encoding="utf-8"?>
 <p:sld xmlns:a="http://schemas.openxmlformats.org/drawingml/2006/main" xmlns:r="http://schemas.openxmlformats.org/officeDocument/2006/relationships" xmlns:p="http://schemas.openxmlformats.org/presentationml/2006/main">
   <p:cSld>
     <p:spTree>
@@ -17764,7 +17923,7 @@
 </p:sld>
 </file>
 
-<file path=ppt/slides/slide48.xml><?xml version="1.0" encoding="utf-8"?>
+<file path=ppt/slides/slide47.xml><?xml version="1.0" encoding="utf-8"?>
 <p:sld xmlns:a="http://schemas.openxmlformats.org/drawingml/2006/main" xmlns:r="http://schemas.openxmlformats.org/officeDocument/2006/relationships" xmlns:p="http://schemas.openxmlformats.org/presentationml/2006/main">
   <p:cSld>
     <p:spTree>
@@ -17909,9 +18068,10 @@
               </a:lnSpc>
             </a:pPr>
             <a:r>
-              <a:rPr lang="zh-CN" altLang="en-US" sz="2400"/>
+              <a:rPr lang="zh-CN" altLang="en-US" sz="2400" dirty="0"/>
               <a:t>事务故障：事务在运行至正常终止点前被终止</a:t>
             </a:r>
+            <a:endParaRPr lang="en-US" altLang="zh-CN" sz="2400" dirty="0"/>
           </a:p>
           <a:p>
             <a:pPr eaLnBrk="1" hangingPunct="1">
@@ -17919,29 +18079,56 @@
                 <a:spcPct val="150000"/>
               </a:lnSpc>
             </a:pPr>
-            <a:r>
-              <a:rPr lang="zh-CN" altLang="en-US" sz="2400"/>
+            <a:endParaRPr lang="zh-CN" altLang="en-US" sz="2400" dirty="0"/>
+          </a:p>
+          <a:p>
+            <a:pPr eaLnBrk="1" hangingPunct="1">
+              <a:lnSpc>
+                <a:spcPct val="150000"/>
+              </a:lnSpc>
+            </a:pPr>
+            <a:r>
+              <a:rPr lang="zh-CN" altLang="en-US" sz="2400" dirty="0"/>
               <a:t>恢复方法</a:t>
             </a:r>
           </a:p>
           <a:p>
-            <a:pPr lvl="1" eaLnBrk="1" hangingPunct="1">
+            <a:pPr marL="457200" lvl="1" indent="0" eaLnBrk="1" hangingPunct="1">
               <a:lnSpc>
                 <a:spcPct val="150000"/>
               </a:lnSpc>
-            </a:pPr>
-            <a:r>
-              <a:rPr lang="zh-CN" altLang="en-US"/>
-              <a:t>由恢复子系统利用日志文件撤消（</a:t>
-            </a:r>
-            <a:r>
-              <a:rPr lang="en-US" altLang="zh-CN"/>
+              <a:buNone/>
+            </a:pPr>
+            <a:r>
+              <a:rPr lang="zh-CN" altLang="en-US" dirty="0"/>
+              <a:t>利用日志文件撤消（</a:t>
+            </a:r>
+            <a:r>
+              <a:rPr lang="en-US" altLang="zh-CN" dirty="0"/>
               <a:t>UNDO</a:t>
             </a:r>
             <a:r>
-              <a:rPr lang="zh-CN" altLang="en-US"/>
-              <a:t>）此事务已对数据库进行的修改</a:t>
-            </a:r>
+              <a:rPr lang="zh-CN" altLang="en-US" dirty="0"/>
+              <a:t>）事务已对</a:t>
+            </a:r>
+            <a:r>
+              <a:rPr lang="en-US" altLang="zh-CN" dirty="0"/>
+              <a:t>DB</a:t>
+            </a:r>
+            <a:r>
+              <a:rPr lang="zh-CN" altLang="en-US" dirty="0"/>
+              <a:t>进行的修改</a:t>
+            </a:r>
+            <a:endParaRPr lang="en-US" altLang="zh-CN" dirty="0"/>
+          </a:p>
+          <a:p>
+            <a:pPr marL="457200" lvl="1" indent="0" eaLnBrk="1" hangingPunct="1">
+              <a:lnSpc>
+                <a:spcPct val="150000"/>
+              </a:lnSpc>
+              <a:buNone/>
+            </a:pPr>
+            <a:endParaRPr lang="zh-CN" altLang="en-US" dirty="0"/>
           </a:p>
           <a:p>
             <a:pPr eaLnBrk="1" hangingPunct="1">
@@ -17950,8 +18137,8 @@
               </a:lnSpc>
             </a:pPr>
             <a:r>
-              <a:rPr lang="zh-CN" altLang="en-US" sz="2400"/>
-              <a:t>事务故障的恢复由系统自动完成，对用户是透明的，不需要用户干预</a:t>
+              <a:rPr lang="zh-CN" altLang="en-US" sz="2400" dirty="0"/>
+              <a:t>系统自动完成，对用户透明，不需用户干预</a:t>
             </a:r>
           </a:p>
         </p:txBody>
@@ -17964,7 +18151,7 @@
 </p:sld>
 </file>
 
-<file path=ppt/slides/slide49.xml><?xml version="1.0" encoding="utf-8"?>
+<file path=ppt/slides/slide48.xml><?xml version="1.0" encoding="utf-8"?>
 <p:sld xmlns:a="http://schemas.openxmlformats.org/drawingml/2006/main" xmlns:r="http://schemas.openxmlformats.org/officeDocument/2006/relationships" xmlns:p="http://schemas.openxmlformats.org/presentationml/2006/main">
   <p:cSld>
     <p:spTree>
@@ -18107,24 +18294,44 @@
               <a:buNone/>
             </a:pPr>
             <a:r>
-              <a:rPr lang="zh-CN" altLang="en-US" sz="1800"/>
+              <a:rPr lang="zh-CN" altLang="en-US" sz="1800" dirty="0"/>
               <a:t>（</a:t>
             </a:r>
             <a:r>
-              <a:rPr lang="en-US" altLang="zh-CN" sz="1800"/>
+              <a:rPr lang="en-US" altLang="zh-CN" sz="1800" dirty="0"/>
               <a:t>1</a:t>
             </a:r>
             <a:r>
-              <a:rPr lang="zh-CN" altLang="en-US" sz="1800"/>
+              <a:rPr lang="zh-CN" altLang="en-US" sz="1800" dirty="0"/>
               <a:t>）</a:t>
             </a:r>
             <a:r>
-              <a:rPr lang="en-US" altLang="zh-CN" sz="1800"/>
+              <a:rPr lang="en-US" altLang="zh-CN" sz="1800" dirty="0"/>
               <a:t> </a:t>
             </a:r>
             <a:r>
-              <a:rPr lang="zh-CN" altLang="en-US" sz="1800"/>
-              <a:t>反向扫描文件日志（即从最后向前扫描日志文件），查找该事务的更新操作。</a:t>
+              <a:rPr lang="zh-CN" altLang="en-US" sz="1800" dirty="0">
+                <a:highlight>
+                  <a:srgbClr val="FFFF00"/>
+                </a:highlight>
+              </a:rPr>
+              <a:t>反向扫描日志</a:t>
+            </a:r>
+            <a:r>
+              <a:rPr lang="zh-CN" altLang="en-US" sz="1800" dirty="0"/>
+              <a:t>（从最后向前扫描日志），查找该事务的</a:t>
+            </a:r>
+            <a:r>
+              <a:rPr lang="zh-CN" altLang="en-US" sz="1800" dirty="0">
+                <a:highlight>
+                  <a:srgbClr val="FFFF00"/>
+                </a:highlight>
+              </a:rPr>
+              <a:t>更新</a:t>
+            </a:r>
+            <a:r>
+              <a:rPr lang="zh-CN" altLang="en-US" sz="1800" dirty="0"/>
+              <a:t>操作。</a:t>
             </a:r>
           </a:p>
           <a:p>
@@ -18136,25 +18343,41 @@
               <a:buNone/>
             </a:pPr>
             <a:r>
-              <a:rPr lang="zh-CN" altLang="en-US" sz="1800"/>
+              <a:rPr lang="zh-CN" altLang="en-US" sz="1800" dirty="0"/>
               <a:t>（</a:t>
             </a:r>
             <a:r>
-              <a:rPr lang="en-US" altLang="zh-CN" sz="1800"/>
+              <a:rPr lang="en-US" altLang="zh-CN" sz="1800" dirty="0"/>
               <a:t>2</a:t>
             </a:r>
             <a:r>
-              <a:rPr lang="zh-CN" altLang="en-US" sz="1800"/>
+              <a:rPr lang="zh-CN" altLang="en-US" sz="1800" dirty="0"/>
               <a:t>）</a:t>
             </a:r>
             <a:r>
-              <a:rPr lang="en-US" altLang="zh-CN" sz="1800"/>
+              <a:rPr lang="en-US" altLang="zh-CN" sz="1800" dirty="0"/>
               <a:t> </a:t>
             </a:r>
             <a:r>
-              <a:rPr lang="zh-CN" altLang="en-US" sz="1800"/>
-              <a:t>对该事务的更新操作执行逆操作。即将日志记录中“更新前的值” 写入数据库。</a:t>
-            </a:r>
+              <a:rPr lang="zh-CN" altLang="en-US" sz="1800" dirty="0"/>
+              <a:t>对该事务的更新操作执行</a:t>
+            </a:r>
+            <a:r>
+              <a:rPr lang="zh-CN" altLang="en-US" sz="1800" dirty="0">
+                <a:solidFill>
+                  <a:srgbClr val="FF0000"/>
+                </a:solidFill>
+                <a:highlight>
+                  <a:srgbClr val="FFFF00"/>
+                </a:highlight>
+              </a:rPr>
+              <a:t>逆操作</a:t>
+            </a:r>
+            <a:r>
+              <a:rPr lang="en-US" altLang="zh-CN" sz="1800" dirty="0"/>
+              <a:t>:</a:t>
+            </a:r>
+            <a:endParaRPr lang="zh-CN" altLang="en-US" sz="1800" dirty="0"/>
           </a:p>
           <a:p>
             <a:pPr lvl="1" eaLnBrk="1" hangingPunct="1">
@@ -18163,8 +18386,8 @@
               </a:lnSpc>
             </a:pPr>
             <a:r>
-              <a:rPr lang="zh-CN" altLang="en-US" sz="1800"/>
-              <a:t>插入操作， “更新前的值”为空，则相当于做删除操作</a:t>
+              <a:rPr lang="zh-CN" altLang="en-US" sz="1800" dirty="0"/>
+              <a:t>插入操作，做删除操作</a:t>
             </a:r>
           </a:p>
           <a:p>
@@ -18174,8 +18397,8 @@
               </a:lnSpc>
             </a:pPr>
             <a:r>
-              <a:rPr lang="zh-CN" altLang="en-US" sz="1800"/>
-              <a:t>删除操作，“更新后的值”为空，则相当于做插入操作</a:t>
+              <a:rPr lang="zh-CN" altLang="en-US" sz="1800" dirty="0"/>
+              <a:t>删除操作，做插入操作</a:t>
             </a:r>
           </a:p>
           <a:p>
@@ -18185,8 +18408,8 @@
               </a:lnSpc>
             </a:pPr>
             <a:r>
-              <a:rPr lang="zh-CN" altLang="en-US" sz="1800"/>
-              <a:t>若是修改操作，则相当于用修改前值代替修改后值 </a:t>
+              <a:rPr lang="zh-CN" altLang="en-US" sz="1800" dirty="0"/>
+              <a:t>修改操作，用修改前的值代替修改后的值 </a:t>
             </a:r>
           </a:p>
           <a:p>
@@ -18198,76 +18421,370 @@
               <a:buNone/>
             </a:pPr>
             <a:r>
-              <a:rPr lang="zh-CN" altLang="en-US" sz="1800">
+              <a:rPr lang="zh-CN" altLang="en-US" sz="1800" dirty="0">
                 <a:sym typeface="Arial" panose="020B0604020202020204" pitchFamily="34" charset="0"/>
               </a:rPr>
               <a:t>（</a:t>
             </a:r>
             <a:r>
-              <a:rPr lang="en-US" altLang="zh-CN" sz="1800">
+              <a:rPr lang="en-US" altLang="zh-CN" sz="1800" dirty="0">
                 <a:sym typeface="Arial" panose="020B0604020202020204" pitchFamily="34" charset="0"/>
               </a:rPr>
               <a:t>3</a:t>
             </a:r>
             <a:r>
-              <a:rPr lang="zh-CN" altLang="en-US" sz="1800">
+              <a:rPr lang="zh-CN" altLang="en-US" sz="1800" dirty="0">
                 <a:sym typeface="Arial" panose="020B0604020202020204" pitchFamily="34" charset="0"/>
               </a:rPr>
               <a:t>）</a:t>
             </a:r>
             <a:r>
-              <a:rPr lang="en-US" altLang="zh-CN" sz="1800">
+              <a:rPr lang="zh-CN" altLang="en-US" sz="1800" dirty="0">
+                <a:highlight>
+                  <a:srgbClr val="FFFF00"/>
+                </a:highlight>
                 <a:sym typeface="Arial" panose="020B0604020202020204" pitchFamily="34" charset="0"/>
               </a:rPr>
-              <a:t> </a:t>
-            </a:r>
-            <a:r>
-              <a:rPr lang="zh-CN" altLang="en-US" sz="1800">
+              <a:t>继续反向扫描日志</a:t>
+            </a:r>
+            <a:r>
+              <a:rPr lang="zh-CN" altLang="en-US" sz="1800" dirty="0">
                 <a:sym typeface="Arial" panose="020B0604020202020204" pitchFamily="34" charset="0"/>
               </a:rPr>
-              <a:t>继续反向扫描日志文件，查找该事务的其他更新操作，并做同样处理。</a:t>
-            </a:r>
-            <a:endParaRPr lang="zh-CN" altLang="en-US" sz="1800"/>
+              <a:t>，查找该事务的其他更新操作，并做同样处理。</a:t>
+            </a:r>
+            <a:endParaRPr lang="zh-CN" altLang="en-US" sz="1800" dirty="0"/>
           </a:p>
           <a:p>
             <a:pPr eaLnBrk="1" hangingPunct="1">
               <a:lnSpc>
                 <a:spcPct val="150000"/>
               </a:lnSpc>
-              <a:buFont typeface="Wingdings" panose="05000000000000000000" pitchFamily="2" charset="2"/>
               <a:buNone/>
             </a:pPr>
             <a:r>
-              <a:rPr lang="zh-CN" altLang="en-US" sz="1800">
+              <a:rPr lang="zh-CN" altLang="en-US" sz="1800" dirty="0">
                 <a:sym typeface="Arial" panose="020B0604020202020204" pitchFamily="34" charset="0"/>
               </a:rPr>
               <a:t>（</a:t>
             </a:r>
             <a:r>
-              <a:rPr lang="en-US" altLang="zh-CN" sz="1800">
+              <a:rPr lang="en-US" altLang="zh-CN" sz="1800" dirty="0">
                 <a:sym typeface="Arial" panose="020B0604020202020204" pitchFamily="34" charset="0"/>
               </a:rPr>
               <a:t>4</a:t>
             </a:r>
             <a:r>
-              <a:rPr lang="zh-CN" altLang="en-US" sz="1800">
+              <a:rPr lang="zh-CN" altLang="en-US" sz="1800" dirty="0">
                 <a:sym typeface="Arial" panose="020B0604020202020204" pitchFamily="34" charset="0"/>
               </a:rPr>
               <a:t>）</a:t>
             </a:r>
             <a:r>
-              <a:rPr lang="en-US" altLang="zh-CN" sz="1800">
+              <a:rPr lang="zh-CN" altLang="en-US" sz="1800" dirty="0">
+                <a:highlight>
+                  <a:srgbClr val="FFFF00"/>
+                </a:highlight>
                 <a:sym typeface="Arial" panose="020B0604020202020204" pitchFamily="34" charset="0"/>
               </a:rPr>
-              <a:t> </a:t>
-            </a:r>
-            <a:r>
-              <a:rPr lang="zh-CN" altLang="en-US" sz="1800">
+              <a:t>继续反向扫描日志</a:t>
+            </a:r>
+            <a:r>
+              <a:rPr lang="zh-CN" altLang="en-US" sz="1800" dirty="0">
                 <a:sym typeface="Arial" panose="020B0604020202020204" pitchFamily="34" charset="0"/>
               </a:rPr>
-              <a:t>如此处理下去，直至读到此事务的开始标记，事务故障恢复就完成了。</a:t>
-            </a:r>
-            <a:endParaRPr lang="zh-CN" altLang="en-US" sz="1800"/>
+              <a:t>，直至读到事务的开始标记，事务故障恢复完成。</a:t>
+            </a:r>
+            <a:endParaRPr lang="zh-CN" altLang="en-US" sz="1800" dirty="0"/>
+          </a:p>
+        </p:txBody>
+      </p:sp>
+    </p:spTree>
+  </p:cSld>
+  <p:clrMapOvr>
+    <a:masterClrMapping/>
+  </p:clrMapOvr>
+</p:sld>
+</file>
+
+<file path=ppt/slides/slide49.xml><?xml version="1.0" encoding="utf-8"?>
+<p:sld xmlns:a="http://schemas.openxmlformats.org/drawingml/2006/main" xmlns:r="http://schemas.openxmlformats.org/officeDocument/2006/relationships" xmlns:p="http://schemas.openxmlformats.org/presentationml/2006/main">
+  <p:cSld>
+    <p:spTree>
+      <p:nvGrpSpPr>
+        <p:cNvPr id="1" name=""/>
+        <p:cNvGrpSpPr/>
+        <p:nvPr/>
+      </p:nvGrpSpPr>
+      <p:grpSpPr>
+        <a:xfrm>
+          <a:off x="0" y="0"/>
+          <a:ext cx="0" cy="0"/>
+          <a:chOff x="0" y="0"/>
+          <a:chExt cx="0" cy="0"/>
+        </a:xfrm>
+      </p:grpSpPr>
+      <p:sp>
+        <p:nvSpPr>
+          <p:cNvPr id="54273" name="页脚占位符 4">
+            <a:extLst>
+              <a:ext uri="{FF2B5EF4-FFF2-40B4-BE49-F238E27FC236}">
+                <a16:creationId xmlns:a16="http://schemas.microsoft.com/office/drawing/2014/main" id="{E85168B4-ECF3-4437-9BD9-DA2DE1D893C3}"/>
+              </a:ext>
+            </a:extLst>
+          </p:cNvPr>
+          <p:cNvSpPr txBox="1">
+            <a:spLocks noGrp="1" noChangeArrowheads="1"/>
+          </p:cNvSpPr>
+          <p:nvPr/>
+        </p:nvSpPr>
+        <p:spPr bwMode="auto">
+          <a:xfrm>
+            <a:off x="5219700" y="6381750"/>
+            <a:ext cx="3600450" cy="320675"/>
+          </a:xfrm>
+          <a:prstGeom prst="rect">
+            <a:avLst/>
+          </a:prstGeom>
+          <a:noFill/>
+          <a:ln>
+            <a:noFill/>
+          </a:ln>
+          <a:extLst>
+            <a:ext uri="{909E8E84-426E-40DD-AFC4-6F175D3DCCD1}">
+              <a14:hiddenFill xmlns:a14="http://schemas.microsoft.com/office/drawing/2010/main">
+                <a:solidFill>
+                  <a:srgbClr val="FFFFFF"/>
+                </a:solidFill>
+              </a14:hiddenFill>
+            </a:ext>
+            <a:ext uri="{91240B29-F687-4F45-9708-019B960494DF}">
+              <a14:hiddenLine xmlns:a14="http://schemas.microsoft.com/office/drawing/2010/main" w="9525">
+                <a:solidFill>
+                  <a:srgbClr val="000000"/>
+                </a:solidFill>
+                <a:miter lim="800000"/>
+                <a:headEnd/>
+                <a:tailEnd/>
+              </a14:hiddenLine>
+            </a:ext>
+          </a:extLst>
+        </p:spPr>
+        <p:txBody>
+          <a:bodyPr/>
+          <a:lstStyle/>
+          <a:p>
+            <a:endParaRPr lang="en-US" altLang="zh-CN" sz="1400">
+              <a:solidFill>
+                <a:srgbClr val="F03628"/>
+              </a:solidFill>
+            </a:endParaRPr>
+          </a:p>
+        </p:txBody>
+      </p:sp>
+      <p:sp>
+        <p:nvSpPr>
+          <p:cNvPr id="54274" name="Rectangle 2">
+            <a:extLst>
+              <a:ext uri="{FF2B5EF4-FFF2-40B4-BE49-F238E27FC236}">
+                <a16:creationId xmlns:a16="http://schemas.microsoft.com/office/drawing/2014/main" id="{691A9713-8794-4B1C-8135-38D71817A2F3}"/>
+              </a:ext>
+            </a:extLst>
+          </p:cNvPr>
+          <p:cNvSpPr>
+            <a:spLocks noGrp="1" noChangeArrowheads="1"/>
+          </p:cNvSpPr>
+          <p:nvPr>
+            <p:ph type="title" idx="4294967295"/>
+          </p:nvPr>
+        </p:nvSpPr>
+        <p:spPr>
+          <a:xfrm>
+            <a:off x="914400" y="255588"/>
+            <a:ext cx="7391400" cy="563562"/>
+          </a:xfrm>
+        </p:spPr>
+        <p:txBody>
+          <a:bodyPr/>
+          <a:lstStyle/>
+          <a:p>
+            <a:pPr eaLnBrk="1" hangingPunct="1"/>
+            <a:r>
+              <a:rPr lang="en-US" altLang="zh-CN" sz="3600"/>
+              <a:t>10.5.2  </a:t>
+            </a:r>
+            <a:r>
+              <a:rPr lang="zh-CN" altLang="en-US" sz="3600"/>
+              <a:t>系统故障的恢复</a:t>
+            </a:r>
+          </a:p>
+        </p:txBody>
+      </p:sp>
+      <p:sp>
+        <p:nvSpPr>
+          <p:cNvPr id="67588" name="Rectangle 3">
+            <a:extLst>
+              <a:ext uri="{FF2B5EF4-FFF2-40B4-BE49-F238E27FC236}">
+                <a16:creationId xmlns:a16="http://schemas.microsoft.com/office/drawing/2014/main" id="{B484B092-37C1-4C49-8E48-99DA2277A3CB}"/>
+              </a:ext>
+            </a:extLst>
+          </p:cNvPr>
+          <p:cNvSpPr>
+            <a:spLocks noGrp="1" noChangeArrowheads="1"/>
+          </p:cNvSpPr>
+          <p:nvPr>
+            <p:ph type="body" idx="4294967295"/>
+          </p:nvPr>
+        </p:nvSpPr>
+        <p:spPr>
+          <a:xfrm>
+            <a:off x="766763" y="1125538"/>
+            <a:ext cx="8077200" cy="4968875"/>
+          </a:xfrm>
+          <a:ln>
+            <a:miter/>
+          </a:ln>
+        </p:spPr>
+        <p:txBody>
+          <a:bodyPr/>
+          <a:lstStyle/>
+          <a:p>
+            <a:pPr eaLnBrk="1" hangingPunct="1">
+              <a:lnSpc>
+                <a:spcPct val="130000"/>
+              </a:lnSpc>
+              <a:defRPr/>
+            </a:pPr>
+            <a:r>
+              <a:rPr lang="zh-CN" altLang="en-US" sz="2400" dirty="0"/>
+              <a:t>系统故障造成数据库不一致状态的原因</a:t>
+            </a:r>
+          </a:p>
+          <a:p>
+            <a:pPr lvl="1" eaLnBrk="1" hangingPunct="1">
+              <a:lnSpc>
+                <a:spcPct val="130000"/>
+              </a:lnSpc>
+              <a:defRPr/>
+            </a:pPr>
+            <a:r>
+              <a:rPr lang="zh-CN" altLang="en-US" sz="2000" dirty="0"/>
+              <a:t>未完成事务对</a:t>
+            </a:r>
+            <a:r>
+              <a:rPr lang="en-US" altLang="zh-CN" sz="2000" dirty="0"/>
+              <a:t>DB</a:t>
+            </a:r>
+            <a:r>
+              <a:rPr lang="zh-CN" altLang="en-US" sz="2000" dirty="0"/>
+              <a:t>的更新可能已写入数据库</a:t>
+            </a:r>
+          </a:p>
+          <a:p>
+            <a:pPr lvl="1" eaLnBrk="1" hangingPunct="1">
+              <a:lnSpc>
+                <a:spcPct val="130000"/>
+              </a:lnSpc>
+              <a:defRPr/>
+            </a:pPr>
+            <a:r>
+              <a:rPr lang="zh-CN" altLang="en-US" sz="2000" dirty="0"/>
+              <a:t>已提交事务对</a:t>
+            </a:r>
+            <a:r>
+              <a:rPr lang="en-US" altLang="zh-CN" sz="2000" dirty="0"/>
+              <a:t>DB</a:t>
+            </a:r>
+            <a:r>
+              <a:rPr lang="zh-CN" altLang="en-US" sz="2000" dirty="0"/>
+              <a:t>的更新可能还留在缓冲区没来得及写入数据库</a:t>
+            </a:r>
+          </a:p>
+          <a:p>
+            <a:pPr eaLnBrk="1" hangingPunct="1">
+              <a:lnSpc>
+                <a:spcPct val="130000"/>
+              </a:lnSpc>
+              <a:defRPr/>
+            </a:pPr>
+            <a:endParaRPr lang="en-US" altLang="zh-CN" sz="2400" dirty="0"/>
+          </a:p>
+          <a:p>
+            <a:pPr eaLnBrk="1" hangingPunct="1">
+              <a:lnSpc>
+                <a:spcPct val="130000"/>
+              </a:lnSpc>
+              <a:defRPr/>
+            </a:pPr>
+            <a:r>
+              <a:rPr lang="zh-CN" altLang="en-US" sz="2400" dirty="0"/>
+              <a:t>恢复方法</a:t>
+            </a:r>
+          </a:p>
+          <a:p>
+            <a:pPr marL="457200" lvl="1" indent="0" eaLnBrk="1" hangingPunct="1">
+              <a:lnSpc>
+                <a:spcPct val="130000"/>
+              </a:lnSpc>
+              <a:buFont typeface="Wingdings" panose="05000000000000000000" pitchFamily="2" charset="2"/>
+              <a:buNone/>
+              <a:defRPr/>
+            </a:pPr>
+            <a:r>
+              <a:rPr lang="en-US" altLang="zh-CN" sz="2000" dirty="0"/>
+              <a:t>1. Undo </a:t>
+            </a:r>
+            <a:r>
+              <a:rPr lang="zh-CN" altLang="en-US" sz="2000" dirty="0"/>
+              <a:t>故障发生时未完成的事务</a:t>
+            </a:r>
+          </a:p>
+          <a:p>
+            <a:pPr marL="457200" lvl="1" indent="0" eaLnBrk="1" hangingPunct="1">
+              <a:lnSpc>
+                <a:spcPct val="130000"/>
+              </a:lnSpc>
+              <a:buFont typeface="Wingdings" panose="05000000000000000000" pitchFamily="2" charset="2"/>
+              <a:buNone/>
+              <a:defRPr/>
+            </a:pPr>
+            <a:r>
+              <a:rPr lang="en-US" altLang="zh-CN" sz="2000" dirty="0"/>
+              <a:t>2. Redo </a:t>
+            </a:r>
+            <a:r>
+              <a:rPr lang="zh-CN" altLang="en-US" sz="2000" dirty="0"/>
+              <a:t>已完成的事务</a:t>
+            </a:r>
+          </a:p>
+          <a:p>
+            <a:pPr eaLnBrk="1" hangingPunct="1">
+              <a:lnSpc>
+                <a:spcPct val="130000"/>
+              </a:lnSpc>
+              <a:defRPr/>
+            </a:pPr>
+            <a:endParaRPr lang="en-US" altLang="zh-CN" sz="2400" dirty="0"/>
+          </a:p>
+          <a:p>
+            <a:pPr eaLnBrk="1" hangingPunct="1">
+              <a:lnSpc>
+                <a:spcPct val="130000"/>
+              </a:lnSpc>
+              <a:defRPr/>
+            </a:pPr>
+            <a:r>
+              <a:rPr lang="zh-CN" altLang="en-US" sz="2400" dirty="0"/>
+              <a:t>系统在</a:t>
+            </a:r>
+            <a:r>
+              <a:rPr lang="zh-CN" altLang="en-US" sz="2400" u="sng" dirty="0"/>
+              <a:t>重新启动时</a:t>
+            </a:r>
+            <a:r>
+              <a:rPr lang="zh-CN" altLang="en-US" sz="2400" dirty="0"/>
+              <a:t>自动完成，不需要用户干预</a:t>
+            </a:r>
           </a:p>
         </p:txBody>
       </p:sp>
@@ -18581,261 +19098,6 @@
       </p:grpSpPr>
       <p:sp>
         <p:nvSpPr>
-          <p:cNvPr id="54273" name="页脚占位符 4">
-            <a:extLst>
-              <a:ext uri="{FF2B5EF4-FFF2-40B4-BE49-F238E27FC236}">
-                <a16:creationId xmlns:a16="http://schemas.microsoft.com/office/drawing/2014/main" id="{E85168B4-ECF3-4437-9BD9-DA2DE1D893C3}"/>
-              </a:ext>
-            </a:extLst>
-          </p:cNvPr>
-          <p:cNvSpPr txBox="1">
-            <a:spLocks noGrp="1" noChangeArrowheads="1"/>
-          </p:cNvSpPr>
-          <p:nvPr/>
-        </p:nvSpPr>
-        <p:spPr bwMode="auto">
-          <a:xfrm>
-            <a:off x="5219700" y="6381750"/>
-            <a:ext cx="3600450" cy="320675"/>
-          </a:xfrm>
-          <a:prstGeom prst="rect">
-            <a:avLst/>
-          </a:prstGeom>
-          <a:noFill/>
-          <a:ln>
-            <a:noFill/>
-          </a:ln>
-          <a:extLst>
-            <a:ext uri="{909E8E84-426E-40DD-AFC4-6F175D3DCCD1}">
-              <a14:hiddenFill xmlns:a14="http://schemas.microsoft.com/office/drawing/2010/main">
-                <a:solidFill>
-                  <a:srgbClr val="FFFFFF"/>
-                </a:solidFill>
-              </a14:hiddenFill>
-            </a:ext>
-            <a:ext uri="{91240B29-F687-4F45-9708-019B960494DF}">
-              <a14:hiddenLine xmlns:a14="http://schemas.microsoft.com/office/drawing/2010/main" w="9525">
-                <a:solidFill>
-                  <a:srgbClr val="000000"/>
-                </a:solidFill>
-                <a:miter lim="800000"/>
-                <a:headEnd/>
-                <a:tailEnd/>
-              </a14:hiddenLine>
-            </a:ext>
-          </a:extLst>
-        </p:spPr>
-        <p:txBody>
-          <a:bodyPr/>
-          <a:lstStyle/>
-          <a:p>
-            <a:endParaRPr lang="en-US" altLang="zh-CN" sz="1400">
-              <a:solidFill>
-                <a:srgbClr val="F03628"/>
-              </a:solidFill>
-            </a:endParaRPr>
-          </a:p>
-        </p:txBody>
-      </p:sp>
-      <p:sp>
-        <p:nvSpPr>
-          <p:cNvPr id="54274" name="Rectangle 2">
-            <a:extLst>
-              <a:ext uri="{FF2B5EF4-FFF2-40B4-BE49-F238E27FC236}">
-                <a16:creationId xmlns:a16="http://schemas.microsoft.com/office/drawing/2014/main" id="{691A9713-8794-4B1C-8135-38D71817A2F3}"/>
-              </a:ext>
-            </a:extLst>
-          </p:cNvPr>
-          <p:cNvSpPr>
-            <a:spLocks noGrp="1" noChangeArrowheads="1"/>
-          </p:cNvSpPr>
-          <p:nvPr>
-            <p:ph type="title" idx="4294967295"/>
-          </p:nvPr>
-        </p:nvSpPr>
-        <p:spPr>
-          <a:xfrm>
-            <a:off x="914400" y="255588"/>
-            <a:ext cx="7391400" cy="563562"/>
-          </a:xfrm>
-        </p:spPr>
-        <p:txBody>
-          <a:bodyPr/>
-          <a:lstStyle/>
-          <a:p>
-            <a:pPr eaLnBrk="1" hangingPunct="1"/>
-            <a:r>
-              <a:rPr lang="en-US" altLang="zh-CN" sz="3600"/>
-              <a:t>10.5.2  </a:t>
-            </a:r>
-            <a:r>
-              <a:rPr lang="zh-CN" altLang="en-US" sz="3600"/>
-              <a:t>系统故障的恢复</a:t>
-            </a:r>
-          </a:p>
-        </p:txBody>
-      </p:sp>
-      <p:sp>
-        <p:nvSpPr>
-          <p:cNvPr id="67588" name="Rectangle 3">
-            <a:extLst>
-              <a:ext uri="{FF2B5EF4-FFF2-40B4-BE49-F238E27FC236}">
-                <a16:creationId xmlns:a16="http://schemas.microsoft.com/office/drawing/2014/main" id="{B484B092-37C1-4C49-8E48-99DA2277A3CB}"/>
-              </a:ext>
-            </a:extLst>
-          </p:cNvPr>
-          <p:cNvSpPr>
-            <a:spLocks noGrp="1" noChangeArrowheads="1"/>
-          </p:cNvSpPr>
-          <p:nvPr>
-            <p:ph type="body" idx="4294967295"/>
-          </p:nvPr>
-        </p:nvSpPr>
-        <p:spPr>
-          <a:xfrm>
-            <a:off x="766763" y="1125538"/>
-            <a:ext cx="8077200" cy="4968875"/>
-          </a:xfrm>
-          <a:ln>
-            <a:miter/>
-          </a:ln>
-        </p:spPr>
-        <p:txBody>
-          <a:bodyPr/>
-          <a:lstStyle/>
-          <a:p>
-            <a:pPr eaLnBrk="1" hangingPunct="1">
-              <a:lnSpc>
-                <a:spcPct val="130000"/>
-              </a:lnSpc>
-              <a:defRPr/>
-            </a:pPr>
-            <a:r>
-              <a:rPr lang="zh-CN" altLang="en-US" sz="2400" dirty="0"/>
-              <a:t>系统故障造成数据库不一致状态的原因</a:t>
-            </a:r>
-          </a:p>
-          <a:p>
-            <a:pPr lvl="1" eaLnBrk="1" hangingPunct="1">
-              <a:lnSpc>
-                <a:spcPct val="130000"/>
-              </a:lnSpc>
-              <a:defRPr/>
-            </a:pPr>
-            <a:r>
-              <a:rPr lang="zh-CN" altLang="en-US" dirty="0"/>
-              <a:t>未完成事务对数据库的更新可能已写入数据库</a:t>
-            </a:r>
-          </a:p>
-          <a:p>
-            <a:pPr lvl="1" eaLnBrk="1" hangingPunct="1">
-              <a:lnSpc>
-                <a:spcPct val="130000"/>
-              </a:lnSpc>
-              <a:defRPr/>
-            </a:pPr>
-            <a:r>
-              <a:rPr lang="zh-CN" altLang="en-US" dirty="0"/>
-              <a:t>已提交事务对数据库的更新可能还留在缓冲区没来得及写入数据库</a:t>
-            </a:r>
-          </a:p>
-          <a:p>
-            <a:pPr eaLnBrk="1" hangingPunct="1">
-              <a:lnSpc>
-                <a:spcPct val="130000"/>
-              </a:lnSpc>
-              <a:defRPr/>
-            </a:pPr>
-            <a:r>
-              <a:rPr lang="zh-CN" altLang="en-US" sz="2400" dirty="0"/>
-              <a:t>恢复方法</a:t>
-            </a:r>
-          </a:p>
-          <a:p>
-            <a:pPr marL="457200" lvl="1" indent="0" eaLnBrk="1" hangingPunct="1">
-              <a:lnSpc>
-                <a:spcPct val="130000"/>
-              </a:lnSpc>
-              <a:buFont typeface="Wingdings" panose="05000000000000000000" pitchFamily="2" charset="2"/>
-              <a:buNone/>
-              <a:defRPr/>
-            </a:pPr>
-            <a:r>
-              <a:rPr lang="en-US" altLang="zh-CN" dirty="0"/>
-              <a:t>1. Undo </a:t>
-            </a:r>
-            <a:r>
-              <a:rPr lang="zh-CN" altLang="en-US" dirty="0"/>
-              <a:t>故障发生时未完成的事务</a:t>
-            </a:r>
-          </a:p>
-          <a:p>
-            <a:pPr marL="457200" lvl="1" indent="0" eaLnBrk="1" hangingPunct="1">
-              <a:lnSpc>
-                <a:spcPct val="130000"/>
-              </a:lnSpc>
-              <a:buFont typeface="Wingdings" panose="05000000000000000000" pitchFamily="2" charset="2"/>
-              <a:buNone/>
-              <a:defRPr/>
-            </a:pPr>
-            <a:r>
-              <a:rPr lang="en-US" altLang="zh-CN" dirty="0"/>
-              <a:t>2. Redo </a:t>
-            </a:r>
-            <a:r>
-              <a:rPr lang="zh-CN" altLang="en-US" dirty="0"/>
-              <a:t>已完成的事务</a:t>
-            </a:r>
-          </a:p>
-          <a:p>
-            <a:pPr eaLnBrk="1" hangingPunct="1">
-              <a:lnSpc>
-                <a:spcPct val="130000"/>
-              </a:lnSpc>
-              <a:defRPr/>
-            </a:pPr>
-            <a:r>
-              <a:rPr lang="zh-CN" altLang="en-US" sz="2400" dirty="0"/>
-              <a:t>系统故障的恢复由系统在</a:t>
-            </a:r>
-            <a:r>
-              <a:rPr lang="zh-CN" altLang="en-US" sz="2400" u="sng" dirty="0"/>
-              <a:t>重新启动时</a:t>
-            </a:r>
-            <a:r>
-              <a:rPr lang="zh-CN" altLang="en-US" sz="2400" dirty="0"/>
-              <a:t>自动完成，不需要用户干预</a:t>
-            </a:r>
-          </a:p>
-        </p:txBody>
-      </p:sp>
-    </p:spTree>
-  </p:cSld>
-  <p:clrMapOvr>
-    <a:masterClrMapping/>
-  </p:clrMapOvr>
-</p:sld>
-</file>
-
-<file path=ppt/slides/slide51.xml><?xml version="1.0" encoding="utf-8"?>
-<p:sld xmlns:a="http://schemas.openxmlformats.org/drawingml/2006/main" xmlns:r="http://schemas.openxmlformats.org/officeDocument/2006/relationships" xmlns:p="http://schemas.openxmlformats.org/presentationml/2006/main">
-  <p:cSld>
-    <p:spTree>
-      <p:nvGrpSpPr>
-        <p:cNvPr id="1" name=""/>
-        <p:cNvGrpSpPr/>
-        <p:nvPr/>
-      </p:nvGrpSpPr>
-      <p:grpSpPr>
-        <a:xfrm>
-          <a:off x="0" y="0"/>
-          <a:ext cx="0" cy="0"/>
-          <a:chOff x="0" y="0"/>
-          <a:chExt cx="0" cy="0"/>
-        </a:xfrm>
-      </p:grpSpPr>
-      <p:sp>
-        <p:nvSpPr>
           <p:cNvPr id="55297" name="页脚占位符 4">
             <a:extLst>
               <a:ext uri="{FF2B5EF4-FFF2-40B4-BE49-F238E27FC236}">
@@ -18960,16 +19222,28 @@
               <a:buNone/>
             </a:pPr>
             <a:r>
-              <a:rPr lang="zh-CN" altLang="en-US" sz="1800"/>
+              <a:rPr lang="zh-CN" altLang="en-US" sz="1800" dirty="0"/>
               <a:t>（</a:t>
             </a:r>
             <a:r>
-              <a:rPr lang="en-US" altLang="zh-CN" sz="1800"/>
+              <a:rPr lang="en-US" altLang="zh-CN" sz="1800" dirty="0"/>
               <a:t>1</a:t>
             </a:r>
             <a:r>
-              <a:rPr lang="zh-CN" altLang="en-US" sz="1800"/>
-              <a:t>）正向扫描日志文件（即从头扫描日志文件）</a:t>
+              <a:rPr lang="zh-CN" altLang="en-US" sz="1800" dirty="0"/>
+              <a:t>）</a:t>
+            </a:r>
+            <a:r>
+              <a:rPr lang="zh-CN" altLang="en-US" sz="1800" dirty="0">
+                <a:highlight>
+                  <a:srgbClr val="FFFF00"/>
+                </a:highlight>
+              </a:rPr>
+              <a:t>正向扫描日志</a:t>
+            </a:r>
+            <a:r>
+              <a:rPr lang="zh-CN" altLang="en-US" sz="1800" dirty="0"/>
+              <a:t>（即从头扫描日志文件）</a:t>
             </a:r>
           </a:p>
           <a:p>
@@ -18979,23 +19253,35 @@
               </a:lnSpc>
             </a:pPr>
             <a:r>
-              <a:rPr lang="zh-CN" altLang="en-US" sz="1800"/>
+              <a:rPr lang="zh-CN" altLang="en-US" sz="1800" dirty="0">
+                <a:solidFill>
+                  <a:srgbClr val="FF0000"/>
+                </a:solidFill>
+              </a:rPr>
               <a:t>重做</a:t>
             </a:r>
             <a:r>
-              <a:rPr lang="en-US" altLang="zh-CN" sz="1800"/>
+              <a:rPr lang="en-US" altLang="zh-CN" sz="1800" dirty="0">
+                <a:solidFill>
+                  <a:srgbClr val="FF0000"/>
+                </a:solidFill>
+              </a:rPr>
               <a:t>(REDO) </a:t>
             </a:r>
             <a:r>
-              <a:rPr lang="zh-CN" altLang="en-US" sz="1800"/>
+              <a:rPr lang="zh-CN" altLang="en-US" sz="1800" dirty="0">
+                <a:solidFill>
+                  <a:srgbClr val="FF0000"/>
+                </a:solidFill>
+              </a:rPr>
               <a:t>队列</a:t>
             </a:r>
             <a:r>
-              <a:rPr lang="en-US" altLang="zh-CN" sz="1800"/>
+              <a:rPr lang="en-US" altLang="zh-CN" sz="1800" dirty="0"/>
               <a:t>: </a:t>
             </a:r>
             <a:r>
-              <a:rPr lang="zh-CN" altLang="en-US" sz="1800"/>
+              <a:rPr lang="zh-CN" altLang="en-US" sz="1800" dirty="0"/>
               <a:t>在故障发生前已经提交的事务</a:t>
             </a:r>
           </a:p>
@@ -19009,23 +19295,23 @@
               <a:buChar char="l"/>
             </a:pPr>
             <a:r>
-              <a:rPr lang="zh-CN" altLang="en-US" sz="1800"/>
+              <a:rPr lang="zh-CN" altLang="en-US" sz="1800" dirty="0"/>
               <a:t>这些事务既有</a:t>
             </a:r>
             <a:r>
-              <a:rPr lang="en-US" altLang="zh-CN" sz="1800"/>
+              <a:rPr lang="en-US" altLang="zh-CN" sz="1800" dirty="0"/>
               <a:t>BEGIN TRANSACTION</a:t>
             </a:r>
             <a:r>
-              <a:rPr lang="zh-CN" altLang="en-US" sz="1800"/>
+              <a:rPr lang="zh-CN" altLang="en-US" sz="1800" dirty="0"/>
               <a:t>记录，也有</a:t>
             </a:r>
             <a:r>
-              <a:rPr lang="en-US" altLang="zh-CN" sz="1800"/>
+              <a:rPr lang="en-US" altLang="zh-CN" sz="1800" dirty="0"/>
               <a:t>COMMIT</a:t>
             </a:r>
             <a:r>
-              <a:rPr lang="zh-CN" altLang="en-US" sz="1800"/>
+              <a:rPr lang="zh-CN" altLang="en-US" sz="1800" dirty="0"/>
               <a:t>记录</a:t>
             </a:r>
           </a:p>
@@ -19036,23 +19322,35 @@
               </a:lnSpc>
             </a:pPr>
             <a:r>
-              <a:rPr lang="zh-CN" altLang="en-US" sz="1800"/>
+              <a:rPr lang="zh-CN" altLang="en-US" sz="1800" dirty="0">
+                <a:solidFill>
+                  <a:srgbClr val="FF0000"/>
+                </a:solidFill>
+              </a:rPr>
               <a:t>撤销 </a:t>
             </a:r>
             <a:r>
-              <a:rPr lang="en-US" altLang="zh-CN" sz="1800"/>
+              <a:rPr lang="en-US" altLang="zh-CN" sz="1800" dirty="0">
+                <a:solidFill>
+                  <a:srgbClr val="FF0000"/>
+                </a:solidFill>
+              </a:rPr>
               <a:t>(UNDO)</a:t>
             </a:r>
             <a:r>
-              <a:rPr lang="zh-CN" altLang="en-US" sz="1800"/>
+              <a:rPr lang="zh-CN" altLang="en-US" sz="1800" dirty="0">
+                <a:solidFill>
+                  <a:srgbClr val="FF0000"/>
+                </a:solidFill>
+              </a:rPr>
               <a:t>队列</a:t>
             </a:r>
             <a:r>
-              <a:rPr lang="en-US" altLang="zh-CN" sz="1800"/>
+              <a:rPr lang="en-US" altLang="zh-CN" sz="1800" dirty="0"/>
               <a:t>:</a:t>
             </a:r>
             <a:r>
-              <a:rPr lang="zh-CN" altLang="en-US" sz="1800"/>
+              <a:rPr lang="zh-CN" altLang="en-US" sz="1800" dirty="0"/>
               <a:t>故障发生时尚未完成的事务</a:t>
             </a:r>
           </a:p>
@@ -19066,23 +19364,23 @@
               <a:buChar char="l"/>
             </a:pPr>
             <a:r>
-              <a:rPr lang="zh-CN" altLang="en-US" sz="1800"/>
+              <a:rPr lang="zh-CN" altLang="en-US" sz="1800" dirty="0"/>
               <a:t> 这些事务只有</a:t>
             </a:r>
             <a:r>
-              <a:rPr lang="en-US" altLang="zh-CN" sz="1800"/>
+              <a:rPr lang="en-US" altLang="zh-CN" sz="1800" dirty="0"/>
               <a:t>BEGIN TRANSACTION</a:t>
             </a:r>
             <a:r>
-              <a:rPr lang="zh-CN" altLang="en-US" sz="1800"/>
+              <a:rPr lang="zh-CN" altLang="en-US" sz="1800" dirty="0"/>
               <a:t>记录，无相应的</a:t>
             </a:r>
             <a:r>
-              <a:rPr lang="en-US" altLang="zh-CN" sz="1800"/>
+              <a:rPr lang="en-US" altLang="zh-CN" sz="1800" dirty="0"/>
               <a:t>COMMIT</a:t>
             </a:r>
             <a:r>
-              <a:rPr lang="zh-CN" altLang="en-US" sz="1800"/>
+              <a:rPr lang="zh-CN" altLang="en-US" sz="1800" dirty="0"/>
               <a:t>记录</a:t>
             </a:r>
           </a:p>
@@ -19095,60 +19393,60 @@
               <a:buNone/>
             </a:pPr>
             <a:r>
-              <a:rPr lang="zh-CN" altLang="en-US" sz="1800">
+              <a:rPr lang="zh-CN" altLang="en-US" sz="1800" dirty="0">
                 <a:sym typeface="Arial" panose="020B0604020202020204" pitchFamily="34" charset="0"/>
               </a:rPr>
               <a:t>（</a:t>
             </a:r>
             <a:r>
-              <a:rPr lang="en-US" altLang="zh-CN" sz="1800">
+              <a:rPr lang="en-US" altLang="zh-CN" sz="1800" dirty="0">
                 <a:sym typeface="Arial" panose="020B0604020202020204" pitchFamily="34" charset="0"/>
               </a:rPr>
               <a:t>2</a:t>
             </a:r>
             <a:r>
-              <a:rPr lang="zh-CN" altLang="en-US" sz="1800">
+              <a:rPr lang="zh-CN" altLang="en-US" sz="1800" dirty="0">
                 <a:sym typeface="Arial" panose="020B0604020202020204" pitchFamily="34" charset="0"/>
               </a:rPr>
               <a:t>）</a:t>
             </a:r>
             <a:r>
-              <a:rPr lang="en-US" altLang="zh-CN" sz="1800">
+              <a:rPr lang="en-US" altLang="zh-CN" sz="1800" dirty="0">
                 <a:sym typeface="Arial" panose="020B0604020202020204" pitchFamily="34" charset="0"/>
               </a:rPr>
               <a:t> </a:t>
             </a:r>
             <a:r>
-              <a:rPr lang="zh-CN" altLang="en-US" sz="1800">
+              <a:rPr lang="zh-CN" altLang="en-US" sz="1800" dirty="0">
                 <a:sym typeface="Arial" panose="020B0604020202020204" pitchFamily="34" charset="0"/>
               </a:rPr>
               <a:t>对撤销</a:t>
             </a:r>
             <a:r>
-              <a:rPr lang="en-US" altLang="zh-CN" sz="1800">
+              <a:rPr lang="en-US" altLang="zh-CN" sz="1800" dirty="0">
                 <a:sym typeface="Arial" panose="020B0604020202020204" pitchFamily="34" charset="0"/>
               </a:rPr>
               <a:t>(UNDO)</a:t>
             </a:r>
             <a:r>
-              <a:rPr lang="zh-CN" altLang="en-US" sz="1800">
+              <a:rPr lang="zh-CN" altLang="en-US" sz="1800" dirty="0">
                 <a:sym typeface="Arial" panose="020B0604020202020204" pitchFamily="34" charset="0"/>
               </a:rPr>
               <a:t>队列事务进行撤销</a:t>
             </a:r>
             <a:r>
-              <a:rPr lang="en-US" altLang="zh-CN" sz="1800">
+              <a:rPr lang="en-US" altLang="zh-CN" sz="1800" dirty="0">
                 <a:sym typeface="Arial" panose="020B0604020202020204" pitchFamily="34" charset="0"/>
               </a:rPr>
               <a:t>(UNDO)</a:t>
             </a:r>
             <a:r>
-              <a:rPr lang="zh-CN" altLang="en-US" sz="1800">
+              <a:rPr lang="zh-CN" altLang="en-US" sz="1800" dirty="0">
                 <a:sym typeface="Arial" panose="020B0604020202020204" pitchFamily="34" charset="0"/>
               </a:rPr>
               <a:t>处理</a:t>
             </a:r>
-            <a:endParaRPr lang="zh-CN" altLang="en-US" sz="1800"/>
+            <a:endParaRPr lang="zh-CN" altLang="en-US" sz="1800" dirty="0"/>
           </a:p>
           <a:p>
             <a:pPr lvl="2" eaLnBrk="1" hangingPunct="1">
@@ -19160,12 +19458,21 @@
               <a:buChar char="n"/>
             </a:pPr>
             <a:r>
-              <a:rPr lang="zh-CN" altLang="en-US" sz="1800">
+              <a:rPr lang="zh-CN" altLang="en-US" sz="1800" dirty="0">
+                <a:highlight>
+                  <a:srgbClr val="FFFF00"/>
+                </a:highlight>
                 <a:sym typeface="Arial" panose="020B0604020202020204" pitchFamily="34" charset="0"/>
               </a:rPr>
-              <a:t>反向扫描日志文件，对每个撤销事务的更新操作执行逆操作</a:t>
-            </a:r>
-            <a:endParaRPr lang="zh-CN" altLang="en-US" sz="1800"/>
+              <a:t>反向扫描日志</a:t>
+            </a:r>
+            <a:r>
+              <a:rPr lang="zh-CN" altLang="en-US" sz="1800" dirty="0">
+                <a:sym typeface="Arial" panose="020B0604020202020204" pitchFamily="34" charset="0"/>
+              </a:rPr>
+              <a:t>，对每个撤销事务的更新操作执行逆操作</a:t>
+            </a:r>
+            <a:endParaRPr lang="zh-CN" altLang="en-US" sz="1800" dirty="0"/>
           </a:p>
           <a:p>
             <a:pPr lvl="2" eaLnBrk="1" hangingPunct="1">
@@ -19177,12 +19484,12 @@
               <a:buChar char="n"/>
             </a:pPr>
             <a:r>
-              <a:rPr lang="zh-CN" altLang="en-US" sz="1800">
+              <a:rPr lang="zh-CN" altLang="en-US" sz="1800" dirty="0">
                 <a:sym typeface="Arial" panose="020B0604020202020204" pitchFamily="34" charset="0"/>
               </a:rPr>
               <a:t>即将日志记录中“更新前的值”写入数据库 </a:t>
             </a:r>
-            <a:endParaRPr lang="zh-CN" altLang="en-US" sz="1800"/>
+            <a:endParaRPr lang="zh-CN" altLang="en-US" sz="1800" dirty="0"/>
           </a:p>
           <a:p>
             <a:pPr eaLnBrk="1" hangingPunct="1">
@@ -19193,48 +19500,48 @@
               <a:buNone/>
             </a:pPr>
             <a:r>
-              <a:rPr lang="zh-CN" altLang="en-US" sz="1800">
+              <a:rPr lang="zh-CN" altLang="en-US" sz="1800" dirty="0">
                 <a:sym typeface="Arial" panose="020B0604020202020204" pitchFamily="34" charset="0"/>
               </a:rPr>
               <a:t> （</a:t>
             </a:r>
             <a:r>
-              <a:rPr lang="en-US" altLang="zh-CN" sz="1800">
+              <a:rPr lang="en-US" altLang="zh-CN" sz="1800" dirty="0">
                 <a:sym typeface="Arial" panose="020B0604020202020204" pitchFamily="34" charset="0"/>
               </a:rPr>
               <a:t>3</a:t>
             </a:r>
             <a:r>
-              <a:rPr lang="zh-CN" altLang="en-US" sz="1800">
+              <a:rPr lang="zh-CN" altLang="en-US" sz="1800" dirty="0">
                 <a:sym typeface="Arial" panose="020B0604020202020204" pitchFamily="34" charset="0"/>
               </a:rPr>
               <a:t>）对重做</a:t>
             </a:r>
             <a:r>
-              <a:rPr lang="en-US" altLang="zh-CN" sz="1800">
+              <a:rPr lang="en-US" altLang="zh-CN" sz="1800" dirty="0">
                 <a:sym typeface="Arial" panose="020B0604020202020204" pitchFamily="34" charset="0"/>
               </a:rPr>
               <a:t>(REDO)</a:t>
             </a:r>
             <a:r>
-              <a:rPr lang="zh-CN" altLang="en-US" sz="1800">
+              <a:rPr lang="zh-CN" altLang="en-US" sz="1800" dirty="0">
                 <a:sym typeface="Arial" panose="020B0604020202020204" pitchFamily="34" charset="0"/>
               </a:rPr>
               <a:t>队列事务进行重做</a:t>
             </a:r>
             <a:r>
-              <a:rPr lang="en-US" altLang="zh-CN" sz="1800">
+              <a:rPr lang="en-US" altLang="zh-CN" sz="1800" dirty="0">
                 <a:sym typeface="Arial" panose="020B0604020202020204" pitchFamily="34" charset="0"/>
               </a:rPr>
               <a:t>(REDO)</a:t>
             </a:r>
             <a:r>
-              <a:rPr lang="zh-CN" altLang="en-US" sz="1800">
+              <a:rPr lang="zh-CN" altLang="en-US" sz="1800" dirty="0">
                 <a:sym typeface="Arial" panose="020B0604020202020204" pitchFamily="34" charset="0"/>
               </a:rPr>
               <a:t>处理</a:t>
             </a:r>
-            <a:endParaRPr lang="zh-CN" altLang="en-US" sz="1800"/>
+            <a:endParaRPr lang="zh-CN" altLang="en-US" sz="1800" dirty="0"/>
           </a:p>
           <a:p>
             <a:pPr lvl="2" eaLnBrk="1" hangingPunct="1">
@@ -19246,12 +19553,21 @@
               <a:buChar char="n"/>
             </a:pPr>
             <a:r>
-              <a:rPr lang="zh-CN" altLang="en-US" sz="1800">
+              <a:rPr lang="zh-CN" altLang="en-US" sz="1800" dirty="0">
+                <a:highlight>
+                  <a:srgbClr val="FFFF00"/>
+                </a:highlight>
                 <a:sym typeface="Arial" panose="020B0604020202020204" pitchFamily="34" charset="0"/>
               </a:rPr>
-              <a:t>正向扫描日志文件，对每个重做事务重新执行登记的操作</a:t>
-            </a:r>
-            <a:endParaRPr lang="zh-CN" altLang="en-US" sz="1800"/>
+              <a:t>正向扫描日志</a:t>
+            </a:r>
+            <a:r>
+              <a:rPr lang="zh-CN" altLang="en-US" sz="1800" dirty="0">
+                <a:sym typeface="Arial" panose="020B0604020202020204" pitchFamily="34" charset="0"/>
+              </a:rPr>
+              <a:t>，对每个重做事务重新执行登记的操作</a:t>
+            </a:r>
+            <a:endParaRPr lang="zh-CN" altLang="en-US" sz="1800" dirty="0"/>
           </a:p>
           <a:p>
             <a:pPr lvl="2" eaLnBrk="1" hangingPunct="1">
@@ -19263,12 +19579,12 @@
               <a:buChar char="n"/>
             </a:pPr>
             <a:r>
-              <a:rPr lang="zh-CN" altLang="en-US" sz="1800">
+              <a:rPr lang="zh-CN" altLang="en-US" sz="1800" dirty="0">
                 <a:sym typeface="Arial" panose="020B0604020202020204" pitchFamily="34" charset="0"/>
               </a:rPr>
               <a:t>即将日志记录中“更新后的值”写入数据库 </a:t>
             </a:r>
-            <a:endParaRPr lang="zh-CN" altLang="en-US" sz="1800"/>
+            <a:endParaRPr lang="zh-CN" altLang="en-US" sz="1800" dirty="0"/>
           </a:p>
         </p:txBody>
       </p:sp>
@@ -19280,7 +19596,7 @@
 </p:sld>
 </file>
 
-<file path=ppt/slides/slide52.xml><?xml version="1.0" encoding="utf-8"?>
+<file path=ppt/slides/slide51.xml><?xml version="1.0" encoding="utf-8"?>
 <p:sld xmlns:a="http://schemas.openxmlformats.org/drawingml/2006/main" xmlns:r="http://schemas.openxmlformats.org/officeDocument/2006/relationships" xmlns:p="http://schemas.openxmlformats.org/presentationml/2006/main">
   <p:cSld>
     <p:spTree>
@@ -19466,7 +19782,7 @@
 </p:sld>
 </file>
 
-<file path=ppt/slides/slide53.xml><?xml version="1.0" encoding="utf-8"?>
+<file path=ppt/slides/slide52.xml><?xml version="1.0" encoding="utf-8"?>
 <p:sld xmlns:a="http://schemas.openxmlformats.org/drawingml/2006/main" xmlns:r="http://schemas.openxmlformats.org/officeDocument/2006/relationships" xmlns:p="http://schemas.openxmlformats.org/presentationml/2006/main">
   <p:cSld>
     <p:spTree>
@@ -19626,23 +19942,23 @@
             </a:r>
             <a:r>
               <a:rPr lang="zh-CN" altLang="en-US" sz="1800" noProof="1"/>
-              <a:t>装入最新的后备数据库副本</a:t>
+              <a:t>装入最新的后备</a:t>
             </a:r>
             <a:r>
               <a:rPr lang="en-US" altLang="zh-CN" sz="1800" noProof="1"/>
-              <a:t>(</a:t>
+              <a:t>DB</a:t>
             </a:r>
             <a:r>
               <a:rPr lang="zh-CN" altLang="en-US" sz="1800" noProof="1"/>
-              <a:t>离故障发生时刻最近的转储副本</a:t>
+              <a:t>副本，使</a:t>
             </a:r>
             <a:r>
               <a:rPr lang="en-US" altLang="zh-CN" sz="1800" noProof="1"/>
-              <a:t>) </a:t>
+              <a:t>DB</a:t>
             </a:r>
             <a:r>
               <a:rPr lang="zh-CN" altLang="en-US" sz="1800" noProof="1"/>
-              <a:t>，使数据库恢复到最近一次转储时的一致性状态。</a:t>
+              <a:t>恢复到最近一次转储时的一致性状态。</a:t>
             </a:r>
           </a:p>
           <a:p>
@@ -19656,7 +19972,15 @@
             </a:pPr>
             <a:r>
               <a:rPr lang="zh-CN" altLang="en-US" sz="1800" noProof="1"/>
-              <a:t>对于静态转储的数据库副本，装入后数据库即处于一致性状态</a:t>
+              <a:t>静态转储的数据库副本</a:t>
+            </a:r>
+            <a:r>
+              <a:rPr lang="en-US" altLang="zh-CN" sz="1800" noProof="1"/>
+              <a:t>: </a:t>
+            </a:r>
+            <a:r>
+              <a:rPr lang="zh-CN" altLang="en-US" sz="1800" noProof="1"/>
+              <a:t>装入后数据库即处于一致性状态</a:t>
             </a:r>
           </a:p>
           <a:p>
@@ -19670,16 +19994,36 @@
             </a:pPr>
             <a:r>
               <a:rPr lang="zh-CN" altLang="en-US" sz="1800" noProof="1"/>
-              <a:t>对于动态转储的数据库副本，还须同时装入转储时刻的日志文件副本，利用恢复系统故障的方法（即</a:t>
+              <a:t>动态转储的数据库副本</a:t>
             </a:r>
             <a:r>
               <a:rPr lang="en-US" altLang="zh-CN" sz="1800" noProof="1"/>
-              <a:t>REDO+UNDO</a:t>
+              <a:t>: </a:t>
             </a:r>
             <a:r>
               <a:rPr lang="zh-CN" altLang="en-US" sz="1800" noProof="1"/>
-              <a:t>），才能将数据库恢复到一致性状态。</a:t>
-            </a:r>
+              <a:t>同时装入转储时刻的日志文件副本，利用恢复系统故障的方法将</a:t>
+            </a:r>
+            <a:r>
+              <a:rPr lang="en-US" altLang="zh-CN" sz="1800" noProof="1"/>
+              <a:t>DB</a:t>
+            </a:r>
+            <a:r>
+              <a:rPr lang="zh-CN" altLang="en-US" sz="1800" noProof="1"/>
+              <a:t>恢复到一致性状态。</a:t>
+            </a:r>
+            <a:endParaRPr lang="en-US" altLang="zh-CN" sz="1800" noProof="1"/>
+          </a:p>
+          <a:p>
+            <a:pPr lvl="1" eaLnBrk="1" hangingPunct="1">
+              <a:lnSpc>
+                <a:spcPct val="140000"/>
+              </a:lnSpc>
+              <a:spcBef>
+                <a:spcPct val="40000"/>
+              </a:spcBef>
+            </a:pPr>
+            <a:endParaRPr lang="zh-CN" altLang="en-US" sz="1800" noProof="1"/>
           </a:p>
           <a:p>
             <a:pPr eaLnBrk="1" hangingPunct="1">
@@ -19717,7 +20061,7 @@
               <a:rPr lang="zh-CN" altLang="en-US" sz="1800" noProof="1">
                 <a:sym typeface="+mn-ea"/>
               </a:rPr>
-              <a:t>装入有关的日志文件副本</a:t>
+              <a:t>装入有关的日志副本</a:t>
             </a:r>
             <a:r>
               <a:rPr lang="en-US" altLang="zh-CN" sz="1800" noProof="1">
@@ -19758,7 +20102,7 @@
               <a:rPr lang="zh-CN" altLang="en-US" sz="1800" noProof="1">
                 <a:sym typeface="+mn-ea"/>
               </a:rPr>
-              <a:t>首先扫描日志文件，找出故障发生时已提交的事务的标识，将其记入重做队列。</a:t>
+              <a:t>扫描日志，找出故障发生时已提交的事务的标识，将其记入重做队列。</a:t>
             </a:r>
             <a:endParaRPr lang="zh-CN" altLang="en-US" sz="1800" noProof="1"/>
           </a:p>
@@ -19775,7 +20119,7 @@
               <a:rPr lang="zh-CN" altLang="en-US" sz="1800" noProof="1">
                 <a:sym typeface="+mn-ea"/>
               </a:rPr>
-              <a:t>然后正向扫描日志文件，对重做队列中的所有事务进行重做处理。即将日志记录中“更新后的值”写入数据库。</a:t>
+              <a:t>对重做队列中的所有事务进行重做处理。</a:t>
             </a:r>
             <a:endParaRPr lang="zh-CN" altLang="en-US" sz="1800" noProof="1"/>
           </a:p>
@@ -19800,7 +20144,7 @@
 </p:sld>
 </file>
 
-<file path=ppt/slides/slide54.xml><?xml version="1.0" encoding="utf-8"?>
+<file path=ppt/slides/slide53.xml><?xml version="1.0" encoding="utf-8"?>
 <p:sld xmlns:a="http://schemas.openxmlformats.org/drawingml/2006/main" xmlns:r="http://schemas.openxmlformats.org/officeDocument/2006/relationships" xmlns:p="http://schemas.openxmlformats.org/presentationml/2006/main">
   <p:cSld>
     <p:spTree>
@@ -20088,7 +20432,7 @@
 </p:sld>
 </file>
 
-<file path=ppt/slides/slide55.xml><?xml version="1.0" encoding="utf-8"?>
+<file path=ppt/slides/slide54.xml><?xml version="1.0" encoding="utf-8"?>
 <p:sld xmlns:a="http://schemas.openxmlformats.org/drawingml/2006/main" xmlns:r="http://schemas.openxmlformats.org/officeDocument/2006/relationships" xmlns:p="http://schemas.openxmlformats.org/presentationml/2006/main">
   <p:cSld>
     <p:spTree>
@@ -20265,7 +20609,7 @@
 </p:sld>
 </file>
 
-<file path=ppt/slides/slide56.xml><?xml version="1.0" encoding="utf-8"?>
+<file path=ppt/slides/slide55.xml><?xml version="1.0" encoding="utf-8"?>
 <p:sld xmlns:a="http://schemas.openxmlformats.org/drawingml/2006/main" xmlns:r="http://schemas.openxmlformats.org/officeDocument/2006/relationships" xmlns:p="http://schemas.openxmlformats.org/presentationml/2006/main">
   <p:cSld>
     <p:spTree>
@@ -20406,18 +20750,38 @@
               </a:lnSpc>
             </a:pPr>
             <a:r>
-              <a:rPr lang="zh-CN" altLang="en-US"/>
-              <a:t>具有检查点（</a:t>
-            </a:r>
-            <a:r>
-              <a:rPr lang="en-US" altLang="zh-CN"/>
+              <a:rPr lang="zh-CN" altLang="en-US" dirty="0"/>
+              <a:t>具有</a:t>
+            </a:r>
+            <a:r>
+              <a:rPr lang="zh-CN" altLang="en-US" dirty="0">
+                <a:highlight>
+                  <a:srgbClr val="FFFF00"/>
+                </a:highlight>
+              </a:rPr>
+              <a:t>检查点（</a:t>
+            </a:r>
+            <a:r>
+              <a:rPr lang="en-US" altLang="zh-CN" dirty="0">
+                <a:highlight>
+                  <a:srgbClr val="FFFF00"/>
+                </a:highlight>
+              </a:rPr>
               <a:t>checkpoint</a:t>
             </a:r>
             <a:r>
-              <a:rPr lang="zh-CN" altLang="en-US"/>
-              <a:t>）的恢复技术</a:t>
-            </a:r>
-            <a:endParaRPr lang="zh-CN" altLang="en-US" sz="2400"/>
+              <a:rPr lang="zh-CN" altLang="en-US" dirty="0">
+                <a:highlight>
+                  <a:srgbClr val="FFFF00"/>
+                </a:highlight>
+              </a:rPr>
+              <a:t>）</a:t>
+            </a:r>
+            <a:r>
+              <a:rPr lang="zh-CN" altLang="en-US" dirty="0"/>
+              <a:t>的恢复技术</a:t>
+            </a:r>
+            <a:endParaRPr lang="zh-CN" altLang="en-US" sz="2400" dirty="0"/>
           </a:p>
           <a:p>
             <a:pPr lvl="1" eaLnBrk="1" hangingPunct="1">
@@ -20429,15 +20793,15 @@
               </a:spcBef>
             </a:pPr>
             <a:r>
-              <a:rPr lang="zh-CN" altLang="en-US"/>
+              <a:rPr lang="zh-CN" altLang="en-US" dirty="0"/>
               <a:t>在日志文件中增加检查点记录（</a:t>
             </a:r>
             <a:r>
-              <a:rPr lang="en-US" altLang="zh-CN"/>
+              <a:rPr lang="en-US" altLang="zh-CN" dirty="0"/>
               <a:t>checkpoint</a:t>
             </a:r>
             <a:r>
-              <a:rPr lang="zh-CN" altLang="en-US"/>
+              <a:rPr lang="zh-CN" altLang="en-US" dirty="0"/>
               <a:t>）</a:t>
             </a:r>
           </a:p>
@@ -20451,7 +20815,7 @@
               </a:spcBef>
             </a:pPr>
             <a:r>
-              <a:rPr lang="zh-CN" altLang="en-US"/>
+              <a:rPr lang="zh-CN" altLang="en-US" dirty="0"/>
               <a:t>增加重新开始文件</a:t>
             </a:r>
           </a:p>
@@ -20465,7 +20829,7 @@
               </a:spcBef>
             </a:pPr>
             <a:r>
-              <a:rPr lang="zh-CN" altLang="en-US"/>
+              <a:rPr lang="zh-CN" altLang="en-US" dirty="0"/>
               <a:t>恢复子系统在登录日志文件期间动态地维护日志</a:t>
             </a:r>
           </a:p>
@@ -20479,7 +20843,7 @@
 </p:sld>
 </file>
 
-<file path=ppt/slides/slide57.xml><?xml version="1.0" encoding="utf-8"?>
+<file path=ppt/slides/slide56.xml><?xml version="1.0" encoding="utf-8"?>
 <p:sld xmlns:a="http://schemas.openxmlformats.org/drawingml/2006/main" xmlns:r="http://schemas.openxmlformats.org/officeDocument/2006/relationships" xmlns:p="http://schemas.openxmlformats.org/presentationml/2006/main">
   <p:cSld>
     <p:spTree>
@@ -20688,7 +21052,7 @@
 </p:sld>
 </file>
 
-<file path=ppt/slides/slide58.xml><?xml version="1.0" encoding="utf-8"?>
+<file path=ppt/slides/slide57.xml><?xml version="1.0" encoding="utf-8"?>
 <p:sld xmlns:a="http://schemas.openxmlformats.org/drawingml/2006/main" xmlns:r="http://schemas.openxmlformats.org/officeDocument/2006/relationships" xmlns:p="http://schemas.openxmlformats.org/presentationml/2006/main">
   <p:cSld>
     <p:spTree>
@@ -21036,166 +21400,32 @@
           </a:p>
         </p:txBody>
       </p:sp>
-    </p:spTree>
-  </p:cSld>
-  <p:clrMapOvr>
-    <a:masterClrMapping/>
-  </p:clrMapOvr>
-</p:sld>
-</file>
-
-<file path=ppt/slides/slide59.xml><?xml version="1.0" encoding="utf-8"?>
-<p:sld xmlns:a="http://schemas.openxmlformats.org/drawingml/2006/main" xmlns:r="http://schemas.openxmlformats.org/officeDocument/2006/relationships" xmlns:p="http://schemas.openxmlformats.org/presentationml/2006/main">
-  <p:cSld>
-    <p:spTree>
-      <p:nvGrpSpPr>
-        <p:cNvPr id="1" name=""/>
-        <p:cNvGrpSpPr/>
-        <p:nvPr/>
-      </p:nvGrpSpPr>
-      <p:grpSpPr>
-        <a:xfrm>
-          <a:off x="0" y="0"/>
-          <a:ext cx="0" cy="0"/>
-          <a:chOff x="0" y="0"/>
-          <a:chExt cx="0" cy="0"/>
-        </a:xfrm>
-      </p:grpSpPr>
       <p:sp>
         <p:nvSpPr>
-          <p:cNvPr id="63489" name="页脚占位符 4">
+          <p:cNvPr id="2" name="矩形 1">
             <a:extLst>
               <a:ext uri="{FF2B5EF4-FFF2-40B4-BE49-F238E27FC236}">
-                <a16:creationId xmlns:a16="http://schemas.microsoft.com/office/drawing/2014/main" id="{4D48E6B9-EF3C-4ED1-91A8-F645D2291D64}"/>
+                <a16:creationId xmlns:a16="http://schemas.microsoft.com/office/drawing/2014/main" id="{4E920E4F-B9EF-4BA2-9BF5-F1F58CA94393}"/>
               </a:ext>
             </a:extLst>
           </p:cNvPr>
-          <p:cNvSpPr txBox="1">
-            <a:spLocks noGrp="1" noChangeArrowheads="1"/>
-          </p:cNvSpPr>
+          <p:cNvSpPr/>
           <p:nvPr/>
         </p:nvSpPr>
-        <p:spPr bwMode="auto">
+        <p:spPr>
           <a:xfrm>
-            <a:off x="5219700" y="6381750"/>
-            <a:ext cx="3600450" cy="320675"/>
+            <a:off x="35174" y="1143365"/>
+            <a:ext cx="8784976" cy="485197"/>
           </a:xfrm>
           <a:prstGeom prst="rect">
             <a:avLst/>
           </a:prstGeom>
-          <a:noFill/>
-          <a:ln>
-            <a:noFill/>
-          </a:ln>
-          <a:extLst>
-            <a:ext uri="{909E8E84-426E-40DD-AFC4-6F175D3DCCD1}">
-              <a14:hiddenFill xmlns:a14="http://schemas.microsoft.com/office/drawing/2010/main">
-                <a:solidFill>
-                  <a:srgbClr val="FFFFFF"/>
-                </a:solidFill>
-              </a14:hiddenFill>
-            </a:ext>
-            <a:ext uri="{91240B29-F687-4F45-9708-019B960494DF}">
-              <a14:hiddenLine xmlns:a14="http://schemas.microsoft.com/office/drawing/2010/main" w="9525">
-                <a:solidFill>
-                  <a:srgbClr val="000000"/>
-                </a:solidFill>
-                <a:miter lim="800000"/>
-                <a:headEnd/>
-                <a:tailEnd/>
-              </a14:hiddenLine>
-            </a:ext>
-          </a:extLst>
         </p:spPr>
         <p:txBody>
-          <a:bodyPr/>
+          <a:bodyPr wrap="square">
+            <a:spAutoFit/>
+          </a:bodyPr>
           <a:lstStyle/>
-          <a:p>
-            <a:endParaRPr lang="en-US" altLang="zh-CN" sz="1400">
-              <a:solidFill>
-                <a:srgbClr val="F03628"/>
-              </a:solidFill>
-            </a:endParaRPr>
-          </a:p>
-        </p:txBody>
-      </p:sp>
-      <p:sp>
-        <p:nvSpPr>
-          <p:cNvPr id="63490" name="Rectangle 2">
-            <a:extLst>
-              <a:ext uri="{FF2B5EF4-FFF2-40B4-BE49-F238E27FC236}">
-                <a16:creationId xmlns:a16="http://schemas.microsoft.com/office/drawing/2014/main" id="{4B6436F2-99AF-40F6-93C2-6203E850B49E}"/>
-              </a:ext>
-            </a:extLst>
-          </p:cNvPr>
-          <p:cNvSpPr>
-            <a:spLocks noGrp="1" noChangeArrowheads="1"/>
-          </p:cNvSpPr>
-          <p:nvPr>
-            <p:ph type="title" idx="4294967295"/>
-          </p:nvPr>
-        </p:nvSpPr>
-        <p:spPr>
-          <a:xfrm>
-            <a:off x="914400" y="255588"/>
-            <a:ext cx="7391400" cy="563562"/>
-          </a:xfrm>
-        </p:spPr>
-        <p:txBody>
-          <a:bodyPr/>
-          <a:lstStyle/>
-          <a:p>
-            <a:pPr eaLnBrk="1" hangingPunct="1"/>
-            <a:r>
-              <a:rPr lang="en-US" altLang="zh-CN" sz="3600"/>
-              <a:t>3.</a:t>
-            </a:r>
-            <a:r>
-              <a:rPr lang="zh-CN" altLang="en-US" sz="3600"/>
-              <a:t>利用检查点的恢复策略</a:t>
-            </a:r>
-          </a:p>
-        </p:txBody>
-      </p:sp>
-      <p:sp>
-        <p:nvSpPr>
-          <p:cNvPr id="63491" name="Rectangle 3">
-            <a:extLst>
-              <a:ext uri="{FF2B5EF4-FFF2-40B4-BE49-F238E27FC236}">
-                <a16:creationId xmlns:a16="http://schemas.microsoft.com/office/drawing/2014/main" id="{512D55AA-7276-4D4E-A7B0-AF2A88C8655C}"/>
-              </a:ext>
-            </a:extLst>
-          </p:cNvPr>
-          <p:cNvSpPr>
-            <a:spLocks noGrp="1" noChangeArrowheads="1"/>
-          </p:cNvSpPr>
-          <p:nvPr>
-            <p:ph type="body" idx="4294967295"/>
-          </p:nvPr>
-        </p:nvSpPr>
-        <p:spPr>
-          <a:xfrm>
-            <a:off x="457200" y="1125538"/>
-            <a:ext cx="8229600" cy="5199062"/>
-          </a:xfrm>
-        </p:spPr>
-        <p:txBody>
-          <a:bodyPr/>
-          <a:lstStyle/>
-          <a:p>
-            <a:pPr eaLnBrk="1" hangingPunct="1">
-              <a:lnSpc>
-                <a:spcPct val="165000"/>
-              </a:lnSpc>
-              <a:spcBef>
-                <a:spcPct val="60000"/>
-              </a:spcBef>
-            </a:pPr>
-            <a:r>
-              <a:rPr lang="zh-CN" altLang="en-US"/>
-              <a:t>使用检查点方法可以改善恢复效率</a:t>
-            </a:r>
-          </a:p>
           <a:p>
             <a:pPr lvl="1" eaLnBrk="1" hangingPunct="1">
               <a:lnSpc>
@@ -21207,70 +21437,25 @@
               <a:buSzPct val="75000"/>
             </a:pPr>
             <a:r>
-              <a:rPr lang="zh-CN" altLang="en-US" sz="2000"/>
+              <a:rPr lang="zh-CN" altLang="en-US" dirty="0"/>
               <a:t>当事务</a:t>
             </a:r>
             <a:r>
-              <a:rPr lang="en-US" altLang="zh-CN" sz="2000"/>
+              <a:rPr lang="en-US" altLang="zh-CN" dirty="0"/>
               <a:t>T</a:t>
             </a:r>
             <a:r>
-              <a:rPr lang="zh-CN" altLang="en-US" sz="2000"/>
-              <a:t>在检查点之前提交，</a:t>
-            </a:r>
-            <a:r>
-              <a:rPr lang="en-US" altLang="zh-CN" sz="2000"/>
+              <a:rPr lang="zh-CN" altLang="en-US" dirty="0"/>
+              <a:t>在检查点之前提交，在进行恢复处理时，没有必要对事务</a:t>
+            </a:r>
+            <a:r>
+              <a:rPr lang="en-US" altLang="zh-CN" dirty="0"/>
               <a:t>T</a:t>
             </a:r>
             <a:r>
-              <a:rPr lang="zh-CN" altLang="en-US" sz="2000"/>
-              <a:t>对数据库所做的修改已写入数据库</a:t>
-            </a:r>
-          </a:p>
-          <a:p>
-            <a:pPr lvl="1" eaLnBrk="1" hangingPunct="1">
-              <a:lnSpc>
-                <a:spcPct val="165000"/>
-              </a:lnSpc>
-              <a:spcBef>
-                <a:spcPct val="60000"/>
-              </a:spcBef>
-              <a:buSzPct val="75000"/>
-            </a:pPr>
-            <a:r>
-              <a:rPr lang="zh-CN" altLang="en-US" sz="2000"/>
-              <a:t>写入时间是在这个检查点建立之前或在这个检查点建立之时 </a:t>
-            </a:r>
-          </a:p>
-          <a:p>
-            <a:pPr lvl="1" eaLnBrk="1" hangingPunct="1">
-              <a:lnSpc>
-                <a:spcPct val="165000"/>
-              </a:lnSpc>
-              <a:spcBef>
-                <a:spcPct val="60000"/>
-              </a:spcBef>
-              <a:buSzPct val="75000"/>
-            </a:pPr>
-            <a:r>
-              <a:rPr lang="zh-CN" altLang="en-US" sz="2000"/>
-              <a:t>在进行恢复处理时，没有必要对事务</a:t>
-            </a:r>
-            <a:r>
-              <a:rPr lang="en-US" altLang="zh-CN" sz="2000"/>
-              <a:t>T</a:t>
-            </a:r>
-            <a:r>
-              <a:rPr lang="zh-CN" altLang="en-US" sz="2000"/>
+              <a:rPr lang="zh-CN" altLang="en-US" dirty="0"/>
               <a:t>执行重做操作</a:t>
             </a:r>
-          </a:p>
-          <a:p>
-            <a:pPr eaLnBrk="1" hangingPunct="1">
-              <a:buFont typeface="Wingdings" panose="05000000000000000000" pitchFamily="2" charset="2"/>
-              <a:buChar char="n"/>
-            </a:pPr>
-            <a:endParaRPr lang="en-US" altLang="zh-CN"/>
           </a:p>
         </p:txBody>
       </p:sp>
@@ -21282,181 +21467,7 @@
 </p:sld>
 </file>
 
-<file path=ppt/slides/slide6.xml><?xml version="1.0" encoding="utf-8"?>
-<p:sld xmlns:a="http://schemas.openxmlformats.org/drawingml/2006/main" xmlns:r="http://schemas.openxmlformats.org/officeDocument/2006/relationships" xmlns:p="http://schemas.openxmlformats.org/presentationml/2006/main">
-  <p:cSld>
-    <p:spTree>
-      <p:nvGrpSpPr>
-        <p:cNvPr id="1" name=""/>
-        <p:cNvGrpSpPr/>
-        <p:nvPr/>
-      </p:nvGrpSpPr>
-      <p:grpSpPr>
-        <a:xfrm>
-          <a:off x="0" y="0"/>
-          <a:ext cx="0" cy="0"/>
-          <a:chOff x="0" y="0"/>
-          <a:chExt cx="0" cy="0"/>
-        </a:xfrm>
-      </p:grpSpPr>
-      <p:sp>
-        <p:nvSpPr>
-          <p:cNvPr id="9217" name="页脚占位符 4">
-            <a:extLst>
-              <a:ext uri="{FF2B5EF4-FFF2-40B4-BE49-F238E27FC236}">
-                <a16:creationId xmlns:a16="http://schemas.microsoft.com/office/drawing/2014/main" id="{5BC3857A-8D8F-4EC7-A6AE-1E6D9F5EA133}"/>
-              </a:ext>
-            </a:extLst>
-          </p:cNvPr>
-          <p:cNvSpPr txBox="1">
-            <a:spLocks noGrp="1" noChangeArrowheads="1"/>
-          </p:cNvSpPr>
-          <p:nvPr/>
-        </p:nvSpPr>
-        <p:spPr bwMode="auto">
-          <a:xfrm>
-            <a:off x="5219700" y="6381750"/>
-            <a:ext cx="3600450" cy="320675"/>
-          </a:xfrm>
-          <a:prstGeom prst="rect">
-            <a:avLst/>
-          </a:prstGeom>
-          <a:noFill/>
-          <a:ln>
-            <a:noFill/>
-          </a:ln>
-          <a:extLst>
-            <a:ext uri="{909E8E84-426E-40DD-AFC4-6F175D3DCCD1}">
-              <a14:hiddenFill xmlns:a14="http://schemas.microsoft.com/office/drawing/2010/main">
-                <a:solidFill>
-                  <a:srgbClr val="FFFFFF"/>
-                </a:solidFill>
-              </a14:hiddenFill>
-            </a:ext>
-            <a:ext uri="{91240B29-F687-4F45-9708-019B960494DF}">
-              <a14:hiddenLine xmlns:a14="http://schemas.microsoft.com/office/drawing/2010/main" w="9525">
-                <a:solidFill>
-                  <a:srgbClr val="000000"/>
-                </a:solidFill>
-                <a:miter lim="800000"/>
-                <a:headEnd/>
-                <a:tailEnd/>
-              </a14:hiddenLine>
-            </a:ext>
-          </a:extLst>
-        </p:spPr>
-        <p:txBody>
-          <a:bodyPr/>
-          <a:lstStyle/>
-          <a:p>
-            <a:endParaRPr lang="en-US" altLang="zh-CN" sz="1400">
-              <a:solidFill>
-                <a:srgbClr val="F03628"/>
-              </a:solidFill>
-            </a:endParaRPr>
-          </a:p>
-        </p:txBody>
-      </p:sp>
-      <p:sp>
-        <p:nvSpPr>
-          <p:cNvPr id="9218" name="Rectangle 2">
-            <a:extLst>
-              <a:ext uri="{FF2B5EF4-FFF2-40B4-BE49-F238E27FC236}">
-                <a16:creationId xmlns:a16="http://schemas.microsoft.com/office/drawing/2014/main" id="{9B70E7FB-79B6-4007-8355-66F67C81FD44}"/>
-              </a:ext>
-            </a:extLst>
-          </p:cNvPr>
-          <p:cNvSpPr>
-            <a:spLocks noGrp="1" noChangeArrowheads="1"/>
-          </p:cNvSpPr>
-          <p:nvPr>
-            <p:ph type="title" idx="4294967295"/>
-          </p:nvPr>
-        </p:nvSpPr>
-        <p:spPr>
-          <a:xfrm>
-            <a:off x="914400" y="255588"/>
-            <a:ext cx="7391400" cy="563562"/>
-          </a:xfrm>
-        </p:spPr>
-        <p:txBody>
-          <a:bodyPr/>
-          <a:lstStyle/>
-          <a:p>
-            <a:pPr eaLnBrk="1" hangingPunct="1"/>
-            <a:r>
-              <a:rPr lang="zh-CN" altLang="en-US" sz="3600"/>
-              <a:t>（</a:t>
-            </a:r>
-            <a:r>
-              <a:rPr lang="en-US" altLang="zh-CN" sz="3600"/>
-              <a:t>1</a:t>
-            </a:r>
-            <a:r>
-              <a:rPr lang="zh-CN" altLang="en-US" sz="3600"/>
-              <a:t>）原子性</a:t>
-            </a:r>
-          </a:p>
-        </p:txBody>
-      </p:sp>
-      <p:sp>
-        <p:nvSpPr>
-          <p:cNvPr id="9219" name="Rectangle 3">
-            <a:extLst>
-              <a:ext uri="{FF2B5EF4-FFF2-40B4-BE49-F238E27FC236}">
-                <a16:creationId xmlns:a16="http://schemas.microsoft.com/office/drawing/2014/main" id="{14536530-B3B2-4558-A1A0-1EF5CCD3938F}"/>
-              </a:ext>
-            </a:extLst>
-          </p:cNvPr>
-          <p:cNvSpPr>
-            <a:spLocks noGrp="1" noChangeArrowheads="1"/>
-          </p:cNvSpPr>
-          <p:nvPr>
-            <p:ph type="body" idx="4294967295"/>
-          </p:nvPr>
-        </p:nvSpPr>
-        <p:spPr>
-          <a:xfrm>
-            <a:off x="457200" y="1309688"/>
-            <a:ext cx="8229600" cy="4495800"/>
-          </a:xfrm>
-        </p:spPr>
-        <p:txBody>
-          <a:bodyPr/>
-          <a:lstStyle/>
-          <a:p>
-            <a:pPr eaLnBrk="1" hangingPunct="1">
-              <a:lnSpc>
-                <a:spcPct val="140000"/>
-              </a:lnSpc>
-            </a:pPr>
-            <a:r>
-              <a:rPr lang="zh-CN" altLang="en-US"/>
-              <a:t>事务是数据库的逻辑工作单位</a:t>
-            </a:r>
-          </a:p>
-          <a:p>
-            <a:pPr lvl="1" eaLnBrk="1" hangingPunct="1">
-              <a:lnSpc>
-                <a:spcPct val="140000"/>
-              </a:lnSpc>
-            </a:pPr>
-            <a:r>
-              <a:rPr lang="zh-CN" altLang="en-US"/>
-              <a:t>事务中包括的诸操作要么都做，要么都不做</a:t>
-            </a:r>
-          </a:p>
-        </p:txBody>
-      </p:sp>
-    </p:spTree>
-  </p:cSld>
-  <p:clrMapOvr>
-    <a:masterClrMapping/>
-  </p:clrMapOvr>
-</p:sld>
-</file>
-
-<file path=ppt/slides/slide60.xml><?xml version="1.0" encoding="utf-8"?>
+<file path=ppt/slides/slide58.xml><?xml version="1.0" encoding="utf-8"?>
 <p:sld xmlns:a="http://schemas.openxmlformats.org/drawingml/2006/main" xmlns:r="http://schemas.openxmlformats.org/officeDocument/2006/relationships" xmlns:p="http://schemas.openxmlformats.org/presentationml/2006/main">
   <p:cSld>
     <p:spTree>
@@ -23935,7 +23946,7 @@
 </p:sld>
 </file>
 
-<file path=ppt/slides/slide61.xml><?xml version="1.0" encoding="utf-8"?>
+<file path=ppt/slides/slide59.xml><?xml version="1.0" encoding="utf-8"?>
 <p:sld xmlns:a="http://schemas.openxmlformats.org/drawingml/2006/main" xmlns:r="http://schemas.openxmlformats.org/officeDocument/2006/relationships" xmlns:p="http://schemas.openxmlformats.org/presentationml/2006/main">
   <p:cSld>
     <p:spTree>
@@ -24223,7 +24234,189 @@
 </p:sld>
 </file>
 
-<file path=ppt/slides/slide62.xml><?xml version="1.0" encoding="utf-8"?>
+<file path=ppt/slides/slide6.xml><?xml version="1.0" encoding="utf-8"?>
+<p:sld xmlns:a="http://schemas.openxmlformats.org/drawingml/2006/main" xmlns:r="http://schemas.openxmlformats.org/officeDocument/2006/relationships" xmlns:p="http://schemas.openxmlformats.org/presentationml/2006/main">
+  <p:cSld>
+    <p:spTree>
+      <p:nvGrpSpPr>
+        <p:cNvPr id="1" name=""/>
+        <p:cNvGrpSpPr/>
+        <p:nvPr/>
+      </p:nvGrpSpPr>
+      <p:grpSpPr>
+        <a:xfrm>
+          <a:off x="0" y="0"/>
+          <a:ext cx="0" cy="0"/>
+          <a:chOff x="0" y="0"/>
+          <a:chExt cx="0" cy="0"/>
+        </a:xfrm>
+      </p:grpSpPr>
+      <p:sp>
+        <p:nvSpPr>
+          <p:cNvPr id="9217" name="页脚占位符 4">
+            <a:extLst>
+              <a:ext uri="{FF2B5EF4-FFF2-40B4-BE49-F238E27FC236}">
+                <a16:creationId xmlns:a16="http://schemas.microsoft.com/office/drawing/2014/main" id="{5BC3857A-8D8F-4EC7-A6AE-1E6D9F5EA133}"/>
+              </a:ext>
+            </a:extLst>
+          </p:cNvPr>
+          <p:cNvSpPr txBox="1">
+            <a:spLocks noGrp="1" noChangeArrowheads="1"/>
+          </p:cNvSpPr>
+          <p:nvPr/>
+        </p:nvSpPr>
+        <p:spPr bwMode="auto">
+          <a:xfrm>
+            <a:off x="5219700" y="6381750"/>
+            <a:ext cx="3600450" cy="320675"/>
+          </a:xfrm>
+          <a:prstGeom prst="rect">
+            <a:avLst/>
+          </a:prstGeom>
+          <a:noFill/>
+          <a:ln>
+            <a:noFill/>
+          </a:ln>
+          <a:extLst>
+            <a:ext uri="{909E8E84-426E-40DD-AFC4-6F175D3DCCD1}">
+              <a14:hiddenFill xmlns:a14="http://schemas.microsoft.com/office/drawing/2010/main">
+                <a:solidFill>
+                  <a:srgbClr val="FFFFFF"/>
+                </a:solidFill>
+              </a14:hiddenFill>
+            </a:ext>
+            <a:ext uri="{91240B29-F687-4F45-9708-019B960494DF}">
+              <a14:hiddenLine xmlns:a14="http://schemas.microsoft.com/office/drawing/2010/main" w="9525">
+                <a:solidFill>
+                  <a:srgbClr val="000000"/>
+                </a:solidFill>
+                <a:miter lim="800000"/>
+                <a:headEnd/>
+                <a:tailEnd/>
+              </a14:hiddenLine>
+            </a:ext>
+          </a:extLst>
+        </p:spPr>
+        <p:txBody>
+          <a:bodyPr/>
+          <a:lstStyle/>
+          <a:p>
+            <a:endParaRPr lang="en-US" altLang="zh-CN" sz="1400">
+              <a:solidFill>
+                <a:srgbClr val="F03628"/>
+              </a:solidFill>
+            </a:endParaRPr>
+          </a:p>
+        </p:txBody>
+      </p:sp>
+      <p:sp>
+        <p:nvSpPr>
+          <p:cNvPr id="9218" name="Rectangle 2">
+            <a:extLst>
+              <a:ext uri="{FF2B5EF4-FFF2-40B4-BE49-F238E27FC236}">
+                <a16:creationId xmlns:a16="http://schemas.microsoft.com/office/drawing/2014/main" id="{9B70E7FB-79B6-4007-8355-66F67C81FD44}"/>
+              </a:ext>
+            </a:extLst>
+          </p:cNvPr>
+          <p:cNvSpPr>
+            <a:spLocks noGrp="1" noChangeArrowheads="1"/>
+          </p:cNvSpPr>
+          <p:nvPr>
+            <p:ph type="title" idx="4294967295"/>
+          </p:nvPr>
+        </p:nvSpPr>
+        <p:spPr>
+          <a:xfrm>
+            <a:off x="914400" y="255588"/>
+            <a:ext cx="7391400" cy="563562"/>
+          </a:xfrm>
+        </p:spPr>
+        <p:txBody>
+          <a:bodyPr/>
+          <a:lstStyle/>
+          <a:p>
+            <a:pPr eaLnBrk="1" hangingPunct="1"/>
+            <a:r>
+              <a:rPr lang="zh-CN" altLang="en-US" sz="3600"/>
+              <a:t>（</a:t>
+            </a:r>
+            <a:r>
+              <a:rPr lang="en-US" altLang="zh-CN" sz="3600"/>
+              <a:t>1</a:t>
+            </a:r>
+            <a:r>
+              <a:rPr lang="zh-CN" altLang="en-US" sz="3600"/>
+              <a:t>）原子性</a:t>
+            </a:r>
+          </a:p>
+        </p:txBody>
+      </p:sp>
+      <p:sp>
+        <p:nvSpPr>
+          <p:cNvPr id="9219" name="Rectangle 3">
+            <a:extLst>
+              <a:ext uri="{FF2B5EF4-FFF2-40B4-BE49-F238E27FC236}">
+                <a16:creationId xmlns:a16="http://schemas.microsoft.com/office/drawing/2014/main" id="{14536530-B3B2-4558-A1A0-1EF5CCD3938F}"/>
+              </a:ext>
+            </a:extLst>
+          </p:cNvPr>
+          <p:cNvSpPr>
+            <a:spLocks noGrp="1" noChangeArrowheads="1"/>
+          </p:cNvSpPr>
+          <p:nvPr>
+            <p:ph type="body" idx="4294967295"/>
+          </p:nvPr>
+        </p:nvSpPr>
+        <p:spPr>
+          <a:xfrm>
+            <a:off x="457200" y="1309688"/>
+            <a:ext cx="8229600" cy="4495800"/>
+          </a:xfrm>
+        </p:spPr>
+        <p:txBody>
+          <a:bodyPr/>
+          <a:lstStyle/>
+          <a:p>
+            <a:pPr eaLnBrk="1" hangingPunct="1">
+              <a:lnSpc>
+                <a:spcPct val="140000"/>
+              </a:lnSpc>
+            </a:pPr>
+            <a:r>
+              <a:rPr lang="zh-CN" altLang="en-US" dirty="0"/>
+              <a:t>事务是数据库的逻辑工作单位</a:t>
+            </a:r>
+          </a:p>
+          <a:p>
+            <a:pPr lvl="1" eaLnBrk="1" hangingPunct="1">
+              <a:lnSpc>
+                <a:spcPct val="140000"/>
+              </a:lnSpc>
+            </a:pPr>
+            <a:r>
+              <a:rPr lang="zh-CN" altLang="en-US" dirty="0"/>
+              <a:t>事务中包括的诸操作</a:t>
+            </a:r>
+            <a:r>
+              <a:rPr lang="zh-CN" altLang="en-US" dirty="0">
+                <a:highlight>
+                  <a:srgbClr val="FFFF00"/>
+                </a:highlight>
+              </a:rPr>
+              <a:t>要么都做，要么都不做</a:t>
+            </a:r>
+          </a:p>
+        </p:txBody>
+      </p:sp>
+    </p:spTree>
+  </p:cSld>
+  <p:clrMapOvr>
+    <a:masterClrMapping/>
+  </p:clrMapOvr>
+</p:sld>
+</file>
+
+<file path=ppt/slides/slide60.xml><?xml version="1.0" encoding="utf-8"?>
 <p:sld xmlns:a="http://schemas.openxmlformats.org/drawingml/2006/main" xmlns:r="http://schemas.openxmlformats.org/officeDocument/2006/relationships" xmlns:p="http://schemas.openxmlformats.org/presentationml/2006/main">
   <p:cSld>
     <p:spTree>
@@ -24368,8 +24561,29 @@
               </a:lnSpc>
             </a:pPr>
             <a:r>
-              <a:rPr lang="zh-CN" altLang="en-US"/>
-              <a:t>介质故障是对系统影响最为严重的一种故障，严重影响数据库的可用性</a:t>
+              <a:rPr lang="zh-CN" altLang="en-US" dirty="0"/>
+              <a:t>介质故障</a:t>
+            </a:r>
+            <a:endParaRPr lang="en-US" altLang="zh-CN" dirty="0"/>
+          </a:p>
+          <a:p>
+            <a:pPr marL="0" indent="0" eaLnBrk="1" hangingPunct="1">
+              <a:lnSpc>
+                <a:spcPct val="120000"/>
+              </a:lnSpc>
+              <a:buNone/>
+            </a:pPr>
+            <a:r>
+              <a:rPr lang="zh-CN" altLang="en-US" sz="2400" dirty="0"/>
+              <a:t>对系统影响最严重的一种故障，严重影响</a:t>
+            </a:r>
+            <a:r>
+              <a:rPr lang="en-US" altLang="zh-CN" sz="2400" dirty="0"/>
+              <a:t>DB</a:t>
+            </a:r>
+            <a:r>
+              <a:rPr lang="zh-CN" altLang="en-US" sz="2400" dirty="0"/>
+              <a:t>的可用性</a:t>
             </a:r>
           </a:p>
           <a:p>
@@ -24379,7 +24593,7 @@
               </a:lnSpc>
             </a:pPr>
             <a:r>
-              <a:rPr lang="zh-CN" altLang="en-US"/>
+              <a:rPr lang="zh-CN" altLang="en-US" dirty="0"/>
               <a:t>介质故障恢复比较费时</a:t>
             </a:r>
           </a:p>
@@ -24390,9 +24604,26 @@
               </a:lnSpc>
             </a:pPr>
             <a:r>
-              <a:rPr lang="zh-CN" altLang="en-US"/>
-              <a:t>为预防介质故障，数据库管理员必须周期性地转储数据库</a:t>
-            </a:r>
+              <a:rPr lang="zh-CN" altLang="en-US" dirty="0"/>
+              <a:t>为预防介质故障，</a:t>
+            </a:r>
+            <a:r>
+              <a:rPr lang="en-US" altLang="zh-CN" dirty="0"/>
+              <a:t>DBA</a:t>
+            </a:r>
+            <a:r>
+              <a:rPr lang="zh-CN" altLang="en-US" dirty="0"/>
+              <a:t>必须周期性地转储数据库</a:t>
+            </a:r>
+            <a:endParaRPr lang="en-US" altLang="zh-CN" dirty="0"/>
+          </a:p>
+          <a:p>
+            <a:pPr lvl="1" eaLnBrk="1" hangingPunct="1">
+              <a:lnSpc>
+                <a:spcPct val="120000"/>
+              </a:lnSpc>
+            </a:pPr>
+            <a:endParaRPr lang="zh-CN" altLang="en-US" dirty="0"/>
           </a:p>
           <a:p>
             <a:pPr eaLnBrk="1" hangingPunct="1">
@@ -24401,7 +24632,7 @@
               </a:lnSpc>
             </a:pPr>
             <a:r>
-              <a:rPr lang="zh-CN" altLang="en-US"/>
+              <a:rPr lang="zh-CN" altLang="en-US" dirty="0"/>
               <a:t>提高数据库可用性的解决方案</a:t>
             </a:r>
           </a:p>
@@ -24412,15 +24643,15 @@
               </a:lnSpc>
             </a:pPr>
             <a:r>
-              <a:rPr lang="zh-CN" altLang="en-US"/>
+              <a:rPr lang="zh-CN" altLang="en-US" dirty="0"/>
               <a:t>数据库镜像（</a:t>
             </a:r>
             <a:r>
-              <a:rPr lang="en-US" altLang="zh-CN"/>
+              <a:rPr lang="en-US" altLang="zh-CN" dirty="0"/>
               <a:t>Mirror</a:t>
             </a:r>
             <a:r>
-              <a:rPr lang="zh-CN" altLang="en-US"/>
+              <a:rPr lang="zh-CN" altLang="en-US" dirty="0"/>
               <a:t>）</a:t>
             </a:r>
           </a:p>
@@ -24431,9 +24662,22 @@
               </a:lnSpc>
             </a:pPr>
             <a:r>
-              <a:rPr lang="en-US" altLang="zh-CN"/>
-              <a:t>RAID</a:t>
-            </a:r>
+              <a:rPr lang="zh-CN" altLang="en-US" dirty="0"/>
+              <a:t>磁盘阵列</a:t>
+            </a:r>
+            <a:r>
+              <a:rPr lang="zh-CN" altLang="en-US" b="0" dirty="0"/>
+              <a:t>（</a:t>
+            </a:r>
+            <a:r>
+              <a:rPr lang="en-US" altLang="zh-CN" dirty="0"/>
+              <a:t> RAID </a:t>
+            </a:r>
+            <a:r>
+              <a:rPr lang="zh-CN" altLang="en-US" b="0" dirty="0"/>
+              <a:t>）</a:t>
+            </a:r>
+            <a:endParaRPr lang="en-US" altLang="zh-CN" dirty="0"/>
           </a:p>
         </p:txBody>
       </p:sp>
@@ -24445,7 +24689,7 @@
 </p:sld>
 </file>
 
-<file path=ppt/slides/slide63.xml><?xml version="1.0" encoding="utf-8"?>
+<file path=ppt/slides/slide61.xml><?xml version="1.0" encoding="utf-8"?>
 <p:sld xmlns:a="http://schemas.openxmlformats.org/drawingml/2006/main" xmlns:r="http://schemas.openxmlformats.org/officeDocument/2006/relationships" xmlns:p="http://schemas.openxmlformats.org/presentationml/2006/main">
   <p:cSld>
     <p:spTree>
@@ -24586,10 +24830,10 @@
               </a:spcBef>
             </a:pPr>
             <a:r>
-              <a:rPr lang="zh-CN" altLang="en-US"/>
+              <a:rPr lang="zh-CN" altLang="en-US" dirty="0"/>
               <a:t>数据库镜像</a:t>
             </a:r>
-            <a:endParaRPr lang="zh-CN" altLang="en-US" sz="2400"/>
+            <a:endParaRPr lang="zh-CN" altLang="en-US" sz="2400" dirty="0"/>
           </a:p>
           <a:p>
             <a:pPr lvl="1" eaLnBrk="1" hangingPunct="1">
@@ -24598,12 +24842,20 @@
               </a:spcBef>
             </a:pPr>
             <a:r>
-              <a:rPr lang="en-US" altLang="zh-CN"/>
+              <a:rPr lang="en-US" altLang="zh-CN" dirty="0"/>
               <a:t>DBMS</a:t>
             </a:r>
             <a:r>
-              <a:rPr lang="zh-CN" altLang="en-US"/>
-              <a:t>自动把整个数据库或其中的关键数据复制到另一个磁盘上</a:t>
+              <a:rPr lang="zh-CN" altLang="en-US" dirty="0"/>
+              <a:t>自动把整个</a:t>
+            </a:r>
+            <a:r>
+              <a:rPr lang="en-US" altLang="zh-CN" dirty="0"/>
+              <a:t>DB</a:t>
+            </a:r>
+            <a:r>
+              <a:rPr lang="zh-CN" altLang="en-US" dirty="0"/>
+              <a:t>或关键数据复制到另一个磁盘上</a:t>
             </a:r>
           </a:p>
           <a:p>
@@ -24613,11 +24865,11 @@
               </a:spcBef>
             </a:pPr>
             <a:r>
-              <a:rPr lang="en-US" altLang="zh-CN"/>
+              <a:rPr lang="en-US" altLang="zh-CN" dirty="0"/>
               <a:t>DBMS</a:t>
             </a:r>
             <a:r>
-              <a:rPr lang="zh-CN" altLang="en-US"/>
+              <a:rPr lang="zh-CN" altLang="en-US" dirty="0"/>
               <a:t>自动保证镜像数据与主数据的一致性</a:t>
             </a:r>
           </a:p>
@@ -24630,8 +24882,20 @@
               <a:buNone/>
             </a:pPr>
             <a:r>
-              <a:rPr lang="zh-CN" altLang="en-US"/>
-              <a:t>   每当主数据库更新时，数据库管理系统自动把更新后的数据复制过去</a:t>
+              <a:rPr lang="zh-CN" altLang="en-US" dirty="0"/>
+              <a:t>   </a:t>
+            </a:r>
+            <a:r>
+              <a:rPr lang="zh-CN" altLang="en-US" sz="2000" dirty="0"/>
+              <a:t>主数据库更新时，</a:t>
+            </a:r>
+            <a:r>
+              <a:rPr lang="en-US" altLang="zh-CN" sz="2000" dirty="0"/>
+              <a:t>DBMS</a:t>
+            </a:r>
+            <a:r>
+              <a:rPr lang="zh-CN" altLang="en-US" sz="2000" dirty="0"/>
+              <a:t>自动把更新后的数据复制过去</a:t>
             </a:r>
           </a:p>
         </p:txBody>
@@ -24665,7 +24929,7 @@
         </p:blipFill>
         <p:spPr bwMode="auto">
           <a:xfrm>
-            <a:off x="912813" y="3860800"/>
+            <a:off x="827584" y="3366934"/>
             <a:ext cx="7392987" cy="2312988"/>
           </a:xfrm>
           <a:prstGeom prst="rect">
@@ -24704,7 +24968,7 @@
 </p:sld>
 </file>
 
-<file path=ppt/slides/slide64.xml><?xml version="1.0" encoding="utf-8"?>
+<file path=ppt/slides/slide62.xml><?xml version="1.0" encoding="utf-8"?>
 <p:sld xmlns:a="http://schemas.openxmlformats.org/drawingml/2006/main" xmlns:r="http://schemas.openxmlformats.org/officeDocument/2006/relationships" xmlns:p="http://schemas.openxmlformats.org/presentationml/2006/main">
   <p:cSld>
     <p:spTree>
@@ -24917,7 +25181,7 @@
           <a:graphicData uri="http://schemas.openxmlformats.org/presentationml/2006/ole">
             <mc:AlternateContent xmlns:mc="http://schemas.openxmlformats.org/markup-compatibility/2006">
               <mc:Choice xmlns:v="urn:schemas-microsoft-com:vml" Requires="v">
-                <p:oleObj spid="_x0000_s68613" r:id="rId3" imgW="23669841" imgH="7796825" progId="Photoshop.Image.7">
+                <p:oleObj spid="_x0000_s68632" r:id="rId3" imgW="23669841" imgH="7796825" progId="Photoshop.Image.7">
                   <p:embed/>
                 </p:oleObj>
               </mc:Choice>
@@ -24984,7 +25248,7 @@
 </p:sld>
 </file>
 
-<file path=ppt/slides/slide65.xml><?xml version="1.0" encoding="utf-8"?>
+<file path=ppt/slides/slide63.xml><?xml version="1.0" encoding="utf-8"?>
 <p:sld xmlns:a="http://schemas.openxmlformats.org/drawingml/2006/main" xmlns:r="http://schemas.openxmlformats.org/officeDocument/2006/relationships" xmlns:p="http://schemas.openxmlformats.org/presentationml/2006/main">
   <p:cSld>
     <p:spTree>
@@ -25379,7 +25643,7 @@
 </p:sld>
 </file>
 
-<file path=ppt/slides/slide66.xml><?xml version="1.0" encoding="utf-8"?>
+<file path=ppt/slides/slide64.xml><?xml version="1.0" encoding="utf-8"?>
 <p:sld xmlns:a="http://schemas.openxmlformats.org/drawingml/2006/main" xmlns:r="http://schemas.openxmlformats.org/officeDocument/2006/relationships" xmlns:p="http://schemas.openxmlformats.org/presentationml/2006/main">
   <p:cSld>
     <p:spTree>
@@ -25503,8 +25767,8 @@
         </p:nvSpPr>
         <p:spPr>
           <a:xfrm>
-            <a:off x="755650" y="1052511"/>
-            <a:ext cx="7931150" cy="5184775"/>
+            <a:off x="251520" y="1052511"/>
+            <a:ext cx="3456384" cy="5184775"/>
           </a:xfrm>
           <a:ln>
             <a:miter/>
@@ -25602,6 +25866,42 @@
           </a:p>
         </p:txBody>
       </p:sp>
+      <p:pic>
+        <p:nvPicPr>
+          <p:cNvPr id="3" name="图片 2">
+            <a:extLst>
+              <a:ext uri="{FF2B5EF4-FFF2-40B4-BE49-F238E27FC236}">
+                <a16:creationId xmlns:a16="http://schemas.microsoft.com/office/drawing/2014/main" id="{F6E7918D-C5B5-4C07-98E4-266DA0F2D315}"/>
+              </a:ext>
+            </a:extLst>
+          </p:cNvPr>
+          <p:cNvPicPr>
+            <a:picLocks noChangeAspect="1"/>
+          </p:cNvPicPr>
+          <p:nvPr/>
+        </p:nvPicPr>
+        <p:blipFill>
+          <a:blip r:embed="rId2">
+            <a:extLst>
+              <a:ext uri="{28A0092B-C50C-407E-A947-70E740481C1C}">
+                <a14:useLocalDpi xmlns:a14="http://schemas.microsoft.com/office/drawing/2010/main" val="0"/>
+              </a:ext>
+            </a:extLst>
+          </a:blip>
+          <a:stretch>
+            <a:fillRect/>
+          </a:stretch>
+        </p:blipFill>
+        <p:spPr>
+          <a:xfrm>
+            <a:off x="3830550" y="0"/>
+            <a:ext cx="5245150" cy="6453335"/>
+          </a:xfrm>
+          <a:prstGeom prst="rect">
+            <a:avLst/>
+          </a:prstGeom>
+        </p:spPr>
+      </p:pic>
     </p:spTree>
   </p:cSld>
   <p:clrMapOvr>
@@ -25753,10 +26053,22 @@
           <a:bodyPr/>
           <a:lstStyle/>
           <a:p>
-            <a:pPr eaLnBrk="1" hangingPunct="1"/>
-            <a:r>
-              <a:rPr lang="zh-CN" altLang="en-US" sz="2400"/>
-              <a:t>事务执行的结果必须是使数据库从一个一致性状态变到另一个一致性状态</a:t>
+            <a:pPr marL="0" indent="0" eaLnBrk="1" hangingPunct="1">
+              <a:buNone/>
+            </a:pPr>
+            <a:r>
+              <a:rPr lang="zh-CN" altLang="en-US" sz="2400" dirty="0"/>
+              <a:t>事务执行的结果必须是：</a:t>
+            </a:r>
+            <a:endParaRPr lang="en-US" altLang="zh-CN" sz="2400" dirty="0"/>
+          </a:p>
+          <a:p>
+            <a:pPr marL="0" indent="0" eaLnBrk="1" hangingPunct="1">
+              <a:buNone/>
+            </a:pPr>
+            <a:r>
+              <a:rPr lang="zh-CN" altLang="en-US" sz="2400" dirty="0"/>
+              <a:t>使数据库从一个一致性状态变到另一个一致性状态</a:t>
             </a:r>
           </a:p>
           <a:p>
@@ -25766,7 +26078,7 @@
               </a:spcBef>
             </a:pPr>
             <a:r>
-              <a:rPr lang="zh-CN" altLang="en-US" sz="2400">
+              <a:rPr lang="zh-CN" altLang="en-US" sz="2400" dirty="0">
                 <a:solidFill>
                   <a:srgbClr val="FF00FF"/>
                 </a:solidFill>
@@ -25781,8 +26093,16 @@
               </a:spcBef>
             </a:pPr>
             <a:r>
-              <a:rPr lang="zh-CN" altLang="en-US" sz="2200"/>
-              <a:t>数据库中只包含成功事务提交的结果</a:t>
+              <a:rPr lang="en-US" altLang="zh-CN" sz="2200" dirty="0"/>
+              <a:t>DB</a:t>
+            </a:r>
+            <a:r>
+              <a:rPr lang="zh-CN" altLang="en-US" sz="2200" dirty="0"/>
+              <a:t>中只包含</a:t>
+            </a:r>
+            <a:r>
+              <a:rPr lang="zh-CN" altLang="en-US" sz="2200" u="sng" dirty="0"/>
+              <a:t>成功事务提交的结果</a:t>
             </a:r>
           </a:p>
           <a:p>
@@ -25792,7 +26112,7 @@
               </a:spcBef>
             </a:pPr>
             <a:r>
-              <a:rPr lang="zh-CN" altLang="en-US" sz="2400">
+              <a:rPr lang="zh-CN" altLang="en-US" sz="2400" dirty="0">
                 <a:solidFill>
                   <a:srgbClr val="FF00FF"/>
                 </a:solidFill>
@@ -25807,8 +26127,12 @@
               </a:spcBef>
             </a:pPr>
             <a:r>
-              <a:rPr lang="zh-CN" altLang="en-US" sz="2200"/>
-              <a:t>数据库系统运行中发生故障，有些事务尚未完成就被迫中断；</a:t>
+              <a:rPr lang="en-US" altLang="zh-CN" sz="2200" dirty="0"/>
+              <a:t>DB</a:t>
+            </a:r>
+            <a:r>
+              <a:rPr lang="zh-CN" altLang="en-US" sz="2200" dirty="0"/>
+              <a:t>运行中发生故障，有些未完成事务被迫中断；</a:t>
             </a:r>
           </a:p>
           <a:p>
@@ -25818,26 +26142,24 @@
               </a:spcBef>
             </a:pPr>
             <a:r>
-              <a:rPr lang="zh-CN" altLang="zh-CN" sz="2200"/>
-              <a:t>这些未完成事务对数据库所做的修改有一部分已写入物</a:t>
-            </a:r>
-            <a:endParaRPr lang="en-US" altLang="zh-CN" sz="2200"/>
-          </a:p>
-          <a:p>
-            <a:pPr lvl="1" eaLnBrk="1" hangingPunct="1">
-              <a:spcBef>
-                <a:spcPct val="40000"/>
-              </a:spcBef>
-              <a:buFont typeface="Wingdings" panose="05000000000000000000" pitchFamily="2" charset="2"/>
-              <a:buNone/>
-            </a:pPr>
-            <a:r>
-              <a:rPr lang="en-US" altLang="zh-CN" sz="2200"/>
-              <a:t>    </a:t>
-            </a:r>
-            <a:r>
-              <a:rPr lang="zh-CN" altLang="zh-CN" sz="2200"/>
-              <a:t>理数据库，这时数据库就处于一种不正确的状态 </a:t>
+              <a:rPr lang="zh-CN" altLang="zh-CN" sz="2200" dirty="0"/>
+              <a:t>未完成事务对</a:t>
+            </a:r>
+            <a:r>
+              <a:rPr lang="en-US" altLang="zh-CN" sz="2200" dirty="0"/>
+              <a:t>DB</a:t>
+            </a:r>
+            <a:r>
+              <a:rPr lang="zh-CN" altLang="zh-CN" sz="2200" dirty="0"/>
+              <a:t>的修改已写入数据库，这时</a:t>
+            </a:r>
+            <a:r>
+              <a:rPr lang="en-US" altLang="zh-CN" sz="2200" dirty="0"/>
+              <a:t>DB</a:t>
+            </a:r>
+            <a:r>
+              <a:rPr lang="zh-CN" altLang="zh-CN" sz="2200" dirty="0"/>
+              <a:t>就处于一种不正确的状态 </a:t>
             </a:r>
           </a:p>
         </p:txBody>
@@ -25985,8 +26307,8 @@
         </p:nvSpPr>
         <p:spPr>
           <a:xfrm>
-            <a:off x="457200" y="1052513"/>
-            <a:ext cx="8229600" cy="4495800"/>
+            <a:off x="228600" y="1181100"/>
+            <a:ext cx="8686800" cy="4495800"/>
           </a:xfrm>
         </p:spPr>
         <p:txBody>
@@ -26001,7 +26323,7 @@
               <a:buNone/>
             </a:pPr>
             <a:r>
-              <a:rPr lang="zh-CN" altLang="en-US"/>
+              <a:rPr lang="zh-CN" altLang="en-US" dirty="0"/>
               <a:t>一个事务的执行不能被其他事务干扰</a:t>
             </a:r>
           </a:p>
@@ -26012,8 +26334,8 @@
               </a:lnSpc>
             </a:pPr>
             <a:r>
-              <a:rPr lang="zh-CN" altLang="en-US"/>
-              <a:t>一个事务内部的操作及使用的数据对其他并发事务是隔离的</a:t>
+              <a:rPr lang="zh-CN" altLang="en-US" dirty="0"/>
+              <a:t>事务内部的操作及使用的数据对其他并发事务是隔离的</a:t>
             </a:r>
           </a:p>
           <a:p>
@@ -26023,7 +26345,7 @@
               </a:lnSpc>
             </a:pPr>
             <a:r>
-              <a:rPr lang="zh-CN" altLang="en-US"/>
+              <a:rPr lang="zh-CN" altLang="en-US" dirty="0"/>
               <a:t>并发执行的各个事务之间不能互相干扰</a:t>
             </a:r>
           </a:p>
@@ -26182,15 +26504,15 @@
           <a:p>
             <a:pPr eaLnBrk="1" hangingPunct="1"/>
             <a:r>
-              <a:rPr lang="zh-CN" altLang="en-US"/>
+              <a:rPr lang="zh-CN" altLang="en-US" dirty="0"/>
               <a:t>持续性也称永久性（</a:t>
             </a:r>
             <a:r>
-              <a:rPr lang="en-US" altLang="zh-CN"/>
+              <a:rPr lang="en-US" altLang="zh-CN" dirty="0"/>
               <a:t>Permanence</a:t>
             </a:r>
             <a:r>
-              <a:rPr lang="zh-CN" altLang="en-US"/>
+              <a:rPr lang="zh-CN" altLang="en-US" dirty="0"/>
               <a:t>）</a:t>
             </a:r>
           </a:p>
@@ -26201,8 +26523,16 @@
               </a:lnSpc>
             </a:pPr>
             <a:r>
-              <a:rPr lang="zh-CN" altLang="en-US"/>
-              <a:t>一个事务一旦提交，它对数据库中数据的改变就应该是永久性的。</a:t>
+              <a:rPr lang="zh-CN" altLang="en-US" dirty="0"/>
+              <a:t>事务一旦提交，它对</a:t>
+            </a:r>
+            <a:r>
+              <a:rPr lang="en-US" altLang="zh-CN" dirty="0"/>
+              <a:t>DB</a:t>
+            </a:r>
+            <a:r>
+              <a:rPr lang="zh-CN" altLang="en-US" dirty="0"/>
+              <a:t>中数据的改变是永久性的。</a:t>
             </a:r>
           </a:p>
           <a:p>
@@ -26212,8 +26542,8 @@
               </a:lnSpc>
             </a:pPr>
             <a:r>
-              <a:rPr lang="zh-CN" altLang="en-US"/>
-              <a:t>接下来的其他操作或故障不应该对其执行结果有任何影响。</a:t>
+              <a:rPr lang="zh-CN" altLang="en-US" dirty="0"/>
+              <a:t>接下来的其他操作或故障不应对其结果有任何影响。</a:t>
             </a:r>
           </a:p>
         </p:txBody>
